--- a/00_Docs/Projektpraesentation.pptx
+++ b/00_Docs/Projektpraesentation.pptx
@@ -5,7 +5,7 @@
     <p:sldMasterId id="2147483648" r:id="rId1"/>
   </p:sldMasterIdLst>
   <p:notesMasterIdLst>
-    <p:notesMasterId r:id="rId19"/>
+    <p:notesMasterId r:id="rId26"/>
   </p:notesMasterIdLst>
   <p:sldIdLst>
     <p:sldId id="256" r:id="rId2"/>
@@ -19,12 +19,19 @@
     <p:sldId id="272" r:id="rId10"/>
     <p:sldId id="262" r:id="rId11"/>
     <p:sldId id="264" r:id="rId12"/>
-    <p:sldId id="265" r:id="rId13"/>
-    <p:sldId id="266" r:id="rId14"/>
-    <p:sldId id="267" r:id="rId15"/>
-    <p:sldId id="261" r:id="rId16"/>
-    <p:sldId id="259" r:id="rId17"/>
-    <p:sldId id="260" r:id="rId18"/>
+    <p:sldId id="273" r:id="rId13"/>
+    <p:sldId id="274" r:id="rId14"/>
+    <p:sldId id="275" r:id="rId15"/>
+    <p:sldId id="276" r:id="rId16"/>
+    <p:sldId id="277" r:id="rId17"/>
+    <p:sldId id="278" r:id="rId18"/>
+    <p:sldId id="265" r:id="rId19"/>
+    <p:sldId id="266" r:id="rId20"/>
+    <p:sldId id="267" r:id="rId21"/>
+    <p:sldId id="261" r:id="rId22"/>
+    <p:sldId id="259" r:id="rId23"/>
+    <p:sldId id="260" r:id="rId24"/>
+    <p:sldId id="279" r:id="rId25"/>
   </p:sldIdLst>
   <p:sldSz cx="12192000" cy="6858000"/>
   <p:notesSz cx="6858000" cy="9144000"/>
@@ -129,6 +136,741 @@
     </p:ext>
   </p:extLst>
 </p:presentation>
+</file>
+
+<file path=ppt/revisionInfo.xml><?xml version="1.0" encoding="utf-8"?>
+<p1510:revInfo xmlns:a="http://schemas.openxmlformats.org/drawingml/2006/main" xmlns:r="http://schemas.openxmlformats.org/officeDocument/2006/relationships" xmlns:p1510="http://schemas.microsoft.com/office/powerpoint/2015/10/main">
+  <p1510:revLst>
+    <p1510:client id="{C98D3A39-387D-4691-B41A-7F074F902266}" v="94" dt="2025-03-25T11:13:37.596"/>
+  </p1510:revLst>
+</p1510:revInfo>
+</file>
+
+<file path=ppt/changesInfos/changesInfo1.xml><?xml version="1.0" encoding="utf-8"?>
+<pc:chgInfo xmlns:a="http://schemas.openxmlformats.org/drawingml/2006/main" xmlns:r="http://schemas.openxmlformats.org/officeDocument/2006/relationships" xmlns:ac="http://schemas.microsoft.com/office/drawing/2013/main/command" xmlns:pc="http://schemas.microsoft.com/office/powerpoint/2013/main/command">
+  <pc:docChgLst>
+    <pc:chgData name="Haslinger Fabian" userId="cdf8a651-5f22-44fb-9814-56de1b5a862a" providerId="ADAL" clId="{C98D3A39-387D-4691-B41A-7F074F902266}"/>
+    <pc:docChg chg="undo custSel addSld delSld modSld">
+      <pc:chgData name="Haslinger Fabian" userId="cdf8a651-5f22-44fb-9814-56de1b5a862a" providerId="ADAL" clId="{C98D3A39-387D-4691-B41A-7F074F902266}" dt="2025-03-25T11:13:37.596" v="2529"/>
+      <pc:docMkLst>
+        <pc:docMk/>
+      </pc:docMkLst>
+      <pc:sldChg chg="addSp delSp modSp mod modTransition setBg addAnim delAnim setClrOvrMap">
+        <pc:chgData name="Haslinger Fabian" userId="cdf8a651-5f22-44fb-9814-56de1b5a862a" providerId="ADAL" clId="{C98D3A39-387D-4691-B41A-7F074F902266}" dt="2025-03-25T11:04:01.064" v="2426"/>
+        <pc:sldMkLst>
+          <pc:docMk/>
+          <pc:sldMk cId="2913339887" sldId="256"/>
+        </pc:sldMkLst>
+        <pc:spChg chg="mod">
+          <ac:chgData name="Haslinger Fabian" userId="cdf8a651-5f22-44fb-9814-56de1b5a862a" providerId="ADAL" clId="{C98D3A39-387D-4691-B41A-7F074F902266}" dt="2025-03-25T11:02:41.961" v="2422" actId="26606"/>
+          <ac:spMkLst>
+            <pc:docMk/>
+            <pc:sldMk cId="2913339887" sldId="256"/>
+            <ac:spMk id="2" creationId="{E0EA2388-32DA-4D25-B549-769E045AD1E2}"/>
+          </ac:spMkLst>
+        </pc:spChg>
+        <pc:spChg chg="mod">
+          <ac:chgData name="Haslinger Fabian" userId="cdf8a651-5f22-44fb-9814-56de1b5a862a" providerId="ADAL" clId="{C98D3A39-387D-4691-B41A-7F074F902266}" dt="2025-03-25T11:02:41.961" v="2422" actId="26606"/>
+          <ac:spMkLst>
+            <pc:docMk/>
+            <pc:sldMk cId="2913339887" sldId="256"/>
+            <ac:spMk id="3" creationId="{7ED3B97B-BF29-A92A-1741-046D72FC7E8E}"/>
+          </ac:spMkLst>
+        </pc:spChg>
+        <pc:spChg chg="mod">
+          <ac:chgData name="Haslinger Fabian" userId="cdf8a651-5f22-44fb-9814-56de1b5a862a" providerId="ADAL" clId="{C98D3A39-387D-4691-B41A-7F074F902266}" dt="2025-03-25T11:02:41.961" v="2422" actId="26606"/>
+          <ac:spMkLst>
+            <pc:docMk/>
+            <pc:sldMk cId="2913339887" sldId="256"/>
+            <ac:spMk id="4" creationId="{C5E1BCF9-9E6F-2F03-0B94-9CD74D001F97}"/>
+          </ac:spMkLst>
+        </pc:spChg>
+        <pc:spChg chg="mod">
+          <ac:chgData name="Haslinger Fabian" userId="cdf8a651-5f22-44fb-9814-56de1b5a862a" providerId="ADAL" clId="{C98D3A39-387D-4691-B41A-7F074F902266}" dt="2025-03-25T11:02:41.961" v="2422" actId="26606"/>
+          <ac:spMkLst>
+            <pc:docMk/>
+            <pc:sldMk cId="2913339887" sldId="256"/>
+            <ac:spMk id="5" creationId="{8147F55E-4A15-8194-78B5-F2E9A09C2A7F}"/>
+          </ac:spMkLst>
+        </pc:spChg>
+        <pc:spChg chg="add del">
+          <ac:chgData name="Haslinger Fabian" userId="cdf8a651-5f22-44fb-9814-56de1b5a862a" providerId="ADAL" clId="{C98D3A39-387D-4691-B41A-7F074F902266}" dt="2025-03-25T11:02:41.961" v="2422" actId="26606"/>
+          <ac:spMkLst>
+            <pc:docMk/>
+            <pc:sldMk cId="2913339887" sldId="256"/>
+            <ac:spMk id="5127" creationId="{71B2258F-86CA-4D4D-8270-BC05FCDEBFB3}"/>
+          </ac:spMkLst>
+        </pc:spChg>
+        <pc:picChg chg="add mod ord">
+          <ac:chgData name="Haslinger Fabian" userId="cdf8a651-5f22-44fb-9814-56de1b5a862a" providerId="ADAL" clId="{C98D3A39-387D-4691-B41A-7F074F902266}" dt="2025-03-25T11:03:24.767" v="2425"/>
+          <ac:picMkLst>
+            <pc:docMk/>
+            <pc:sldMk cId="2913339887" sldId="256"/>
+            <ac:picMk id="5122" creationId="{F6BFEEDC-B8FE-7038-D428-9BA947BD35C7}"/>
+          </ac:picMkLst>
+        </pc:picChg>
+      </pc:sldChg>
+      <pc:sldChg chg="addSp modSp mod modTransition">
+        <pc:chgData name="Haslinger Fabian" userId="cdf8a651-5f22-44fb-9814-56de1b5a862a" providerId="ADAL" clId="{C98D3A39-387D-4691-B41A-7F074F902266}" dt="2025-03-25T11:09:05.789" v="2523" actId="1076"/>
+        <pc:sldMkLst>
+          <pc:docMk/>
+          <pc:sldMk cId="2120889622" sldId="257"/>
+        </pc:sldMkLst>
+        <pc:spChg chg="mod">
+          <ac:chgData name="Haslinger Fabian" userId="cdf8a651-5f22-44fb-9814-56de1b5a862a" providerId="ADAL" clId="{C98D3A39-387D-4691-B41A-7F074F902266}" dt="2025-03-25T11:06:16.823" v="2479" actId="20577"/>
+          <ac:spMkLst>
+            <pc:docMk/>
+            <pc:sldMk cId="2120889622" sldId="257"/>
+            <ac:spMk id="3" creationId="{DE7D412A-91C6-421A-EDA9-3D49B3EE08CA}"/>
+          </ac:spMkLst>
+        </pc:spChg>
+        <pc:picChg chg="add mod">
+          <ac:chgData name="Haslinger Fabian" userId="cdf8a651-5f22-44fb-9814-56de1b5a862a" providerId="ADAL" clId="{C98D3A39-387D-4691-B41A-7F074F902266}" dt="2025-03-25T11:07:09.414" v="2483" actId="14100"/>
+          <ac:picMkLst>
+            <pc:docMk/>
+            <pc:sldMk cId="2120889622" sldId="257"/>
+            <ac:picMk id="6146" creationId="{F375E108-8742-792F-CC9F-3528A3A463ED}"/>
+          </ac:picMkLst>
+        </pc:picChg>
+        <pc:picChg chg="add mod">
+          <ac:chgData name="Haslinger Fabian" userId="cdf8a651-5f22-44fb-9814-56de1b5a862a" providerId="ADAL" clId="{C98D3A39-387D-4691-B41A-7F074F902266}" dt="2025-03-25T11:08:03.489" v="2492" actId="1076"/>
+          <ac:picMkLst>
+            <pc:docMk/>
+            <pc:sldMk cId="2120889622" sldId="257"/>
+            <ac:picMk id="6148" creationId="{4D3529B5-0BB4-F596-3A04-3ECE9EEECB8E}"/>
+          </ac:picMkLst>
+        </pc:picChg>
+        <pc:picChg chg="add mod">
+          <ac:chgData name="Haslinger Fabian" userId="cdf8a651-5f22-44fb-9814-56de1b5a862a" providerId="ADAL" clId="{C98D3A39-387D-4691-B41A-7F074F902266}" dt="2025-03-25T11:09:05.789" v="2523" actId="1076"/>
+          <ac:picMkLst>
+            <pc:docMk/>
+            <pc:sldMk cId="2120889622" sldId="257"/>
+            <ac:picMk id="6150" creationId="{6C48D870-20FF-BBD5-69D4-5D8305F1382B}"/>
+          </ac:picMkLst>
+        </pc:picChg>
+      </pc:sldChg>
+      <pc:sldChg chg="modTransition">
+        <pc:chgData name="Haslinger Fabian" userId="cdf8a651-5f22-44fb-9814-56de1b5a862a" providerId="ADAL" clId="{C98D3A39-387D-4691-B41A-7F074F902266}" dt="2025-03-25T11:04:14.154" v="2428"/>
+        <pc:sldMkLst>
+          <pc:docMk/>
+          <pc:sldMk cId="1717891261" sldId="258"/>
+        </pc:sldMkLst>
+      </pc:sldChg>
+      <pc:sldChg chg="modSp mod">
+        <pc:chgData name="Haslinger Fabian" userId="cdf8a651-5f22-44fb-9814-56de1b5a862a" providerId="ADAL" clId="{C98D3A39-387D-4691-B41A-7F074F902266}" dt="2025-03-18T10:40:09.942" v="152" actId="20577"/>
+        <pc:sldMkLst>
+          <pc:docMk/>
+          <pc:sldMk cId="4046027971" sldId="259"/>
+        </pc:sldMkLst>
+        <pc:spChg chg="mod">
+          <ac:chgData name="Haslinger Fabian" userId="cdf8a651-5f22-44fb-9814-56de1b5a862a" providerId="ADAL" clId="{C98D3A39-387D-4691-B41A-7F074F902266}" dt="2025-03-18T10:40:09.942" v="152" actId="20577"/>
+          <ac:spMkLst>
+            <pc:docMk/>
+            <pc:sldMk cId="4046027971" sldId="259"/>
+            <ac:spMk id="3" creationId="{830B9C8A-8E72-3738-7CCC-B319B2E14585}"/>
+          </ac:spMkLst>
+        </pc:spChg>
+      </pc:sldChg>
+      <pc:sldChg chg="modSp mod">
+        <pc:chgData name="Haslinger Fabian" userId="cdf8a651-5f22-44fb-9814-56de1b5a862a" providerId="ADAL" clId="{C98D3A39-387D-4691-B41A-7F074F902266}" dt="2025-03-25T11:08:18.837" v="2516" actId="20577"/>
+        <pc:sldMkLst>
+          <pc:docMk/>
+          <pc:sldMk cId="1255445093" sldId="260"/>
+        </pc:sldMkLst>
+        <pc:spChg chg="mod">
+          <ac:chgData name="Haslinger Fabian" userId="cdf8a651-5f22-44fb-9814-56de1b5a862a" providerId="ADAL" clId="{C98D3A39-387D-4691-B41A-7F074F902266}" dt="2025-03-25T11:08:18.837" v="2516" actId="20577"/>
+          <ac:spMkLst>
+            <pc:docMk/>
+            <pc:sldMk cId="1255445093" sldId="260"/>
+            <ac:spMk id="2" creationId="{4EC4C22D-83C8-B213-BAD9-F5B817EFB6E5}"/>
+          </ac:spMkLst>
+        </pc:spChg>
+        <pc:spChg chg="mod">
+          <ac:chgData name="Haslinger Fabian" userId="cdf8a651-5f22-44fb-9814-56de1b5a862a" providerId="ADAL" clId="{C98D3A39-387D-4691-B41A-7F074F902266}" dt="2025-03-25T11:07:18.057" v="2486" actId="20577"/>
+          <ac:spMkLst>
+            <pc:docMk/>
+            <pc:sldMk cId="1255445093" sldId="260"/>
+            <ac:spMk id="3" creationId="{CF2FA5C5-F85E-C892-C9B3-C1CF9061DFC0}"/>
+          </ac:spMkLst>
+        </pc:spChg>
+      </pc:sldChg>
+      <pc:sldChg chg="modTransition">
+        <pc:chgData name="Haslinger Fabian" userId="cdf8a651-5f22-44fb-9814-56de1b5a862a" providerId="ADAL" clId="{C98D3A39-387D-4691-B41A-7F074F902266}" dt="2025-03-25T11:04:46.651" v="2434"/>
+        <pc:sldMkLst>
+          <pc:docMk/>
+          <pc:sldMk cId="193748935" sldId="262"/>
+        </pc:sldMkLst>
+      </pc:sldChg>
+      <pc:sldChg chg="modTransition">
+        <pc:chgData name="Haslinger Fabian" userId="cdf8a651-5f22-44fb-9814-56de1b5a862a" providerId="ADAL" clId="{C98D3A39-387D-4691-B41A-7F074F902266}" dt="2025-03-25T11:04:23.842" v="2430"/>
+        <pc:sldMkLst>
+          <pc:docMk/>
+          <pc:sldMk cId="4040603182" sldId="263"/>
+        </pc:sldMkLst>
+      </pc:sldChg>
+      <pc:sldChg chg="addSp modSp mod modTransition">
+        <pc:chgData name="Haslinger Fabian" userId="cdf8a651-5f22-44fb-9814-56de1b5a862a" providerId="ADAL" clId="{C98D3A39-387D-4691-B41A-7F074F902266}" dt="2025-03-25T11:04:49.928" v="2435"/>
+        <pc:sldMkLst>
+          <pc:docMk/>
+          <pc:sldMk cId="745235588" sldId="264"/>
+        </pc:sldMkLst>
+        <pc:spChg chg="mod">
+          <ac:chgData name="Haslinger Fabian" userId="cdf8a651-5f22-44fb-9814-56de1b5a862a" providerId="ADAL" clId="{C98D3A39-387D-4691-B41A-7F074F902266}" dt="2025-03-18T10:35:33.037" v="7" actId="20577"/>
+          <ac:spMkLst>
+            <pc:docMk/>
+            <pc:sldMk cId="745235588" sldId="264"/>
+            <ac:spMk id="2" creationId="{4DC8EADF-424C-C172-6680-287CEE2F4909}"/>
+          </ac:spMkLst>
+        </pc:spChg>
+        <pc:spChg chg="mod">
+          <ac:chgData name="Haslinger Fabian" userId="cdf8a651-5f22-44fb-9814-56de1b5a862a" providerId="ADAL" clId="{C98D3A39-387D-4691-B41A-7F074F902266}" dt="2025-03-18T10:39:11.333" v="142" actId="20577"/>
+          <ac:spMkLst>
+            <pc:docMk/>
+            <pc:sldMk cId="745235588" sldId="264"/>
+            <ac:spMk id="3" creationId="{F27758D0-2763-69A7-DF8F-C28D8E92CCAA}"/>
+          </ac:spMkLst>
+        </pc:spChg>
+        <pc:picChg chg="add mod">
+          <ac:chgData name="Haslinger Fabian" userId="cdf8a651-5f22-44fb-9814-56de1b5a862a" providerId="ADAL" clId="{C98D3A39-387D-4691-B41A-7F074F902266}" dt="2025-03-18T10:39:45.920" v="145" actId="1076"/>
+          <ac:picMkLst>
+            <pc:docMk/>
+            <pc:sldMk cId="745235588" sldId="264"/>
+            <ac:picMk id="1026" creationId="{5BE584C3-9632-4D4C-A83B-F41C1F322B2B}"/>
+          </ac:picMkLst>
+        </pc:picChg>
+      </pc:sldChg>
+      <pc:sldChg chg="modTransition">
+        <pc:chgData name="Haslinger Fabian" userId="cdf8a651-5f22-44fb-9814-56de1b5a862a" providerId="ADAL" clId="{C98D3A39-387D-4691-B41A-7F074F902266}" dt="2025-03-25T11:05:05.720" v="2439"/>
+        <pc:sldMkLst>
+          <pc:docMk/>
+          <pc:sldMk cId="3740403247" sldId="265"/>
+        </pc:sldMkLst>
+      </pc:sldChg>
+      <pc:sldChg chg="modTransition">
+        <pc:chgData name="Haslinger Fabian" userId="cdf8a651-5f22-44fb-9814-56de1b5a862a" providerId="ADAL" clId="{C98D3A39-387D-4691-B41A-7F074F902266}" dt="2025-03-25T11:04:27.709" v="2431"/>
+        <pc:sldMkLst>
+          <pc:docMk/>
+          <pc:sldMk cId="871190632" sldId="268"/>
+        </pc:sldMkLst>
+      </pc:sldChg>
+      <pc:sldChg chg="modSp modTransition">
+        <pc:chgData name="Haslinger Fabian" userId="cdf8a651-5f22-44fb-9814-56de1b5a862a" providerId="ADAL" clId="{C98D3A39-387D-4691-B41A-7F074F902266}" dt="2025-03-25T11:04:34.871" v="2433"/>
+        <pc:sldMkLst>
+          <pc:docMk/>
+          <pc:sldMk cId="2339307352" sldId="269"/>
+        </pc:sldMkLst>
+        <pc:graphicFrameChg chg="mod">
+          <ac:chgData name="Haslinger Fabian" userId="cdf8a651-5f22-44fb-9814-56de1b5a862a" providerId="ADAL" clId="{C98D3A39-387D-4691-B41A-7F074F902266}" dt="2025-03-18T10:37:28.414" v="8" actId="20577"/>
+          <ac:graphicFrameMkLst>
+            <pc:docMk/>
+            <pc:sldMk cId="2339307352" sldId="269"/>
+            <ac:graphicFrameMk id="10" creationId="{453E1A20-1988-87DC-3773-0732F0D6CBDD}"/>
+          </ac:graphicFrameMkLst>
+        </pc:graphicFrameChg>
+      </pc:sldChg>
+      <pc:sldChg chg="modTransition">
+        <pc:chgData name="Haslinger Fabian" userId="cdf8a651-5f22-44fb-9814-56de1b5a862a" providerId="ADAL" clId="{C98D3A39-387D-4691-B41A-7F074F902266}" dt="2025-03-25T11:13:24.456" v="2527"/>
+        <pc:sldMkLst>
+          <pc:docMk/>
+          <pc:sldMk cId="1091595561" sldId="270"/>
+        </pc:sldMkLst>
+      </pc:sldChg>
+      <pc:sldChg chg="modTransition">
+        <pc:chgData name="Haslinger Fabian" userId="cdf8a651-5f22-44fb-9814-56de1b5a862a" providerId="ADAL" clId="{C98D3A39-387D-4691-B41A-7F074F902266}" dt="2025-03-25T11:13:32.831" v="2528"/>
+        <pc:sldMkLst>
+          <pc:docMk/>
+          <pc:sldMk cId="2736291246" sldId="271"/>
+        </pc:sldMkLst>
+      </pc:sldChg>
+      <pc:sldChg chg="modTransition">
+        <pc:chgData name="Haslinger Fabian" userId="cdf8a651-5f22-44fb-9814-56de1b5a862a" providerId="ADAL" clId="{C98D3A39-387D-4691-B41A-7F074F902266}" dt="2025-03-25T11:13:37.596" v="2529"/>
+        <pc:sldMkLst>
+          <pc:docMk/>
+          <pc:sldMk cId="2826404295" sldId="272"/>
+        </pc:sldMkLst>
+      </pc:sldChg>
+      <pc:sldChg chg="new del">
+        <pc:chgData name="Haslinger Fabian" userId="cdf8a651-5f22-44fb-9814-56de1b5a862a" providerId="ADAL" clId="{C98D3A39-387D-4691-B41A-7F074F902266}" dt="2025-03-25T10:08:32.475" v="154" actId="47"/>
+        <pc:sldMkLst>
+          <pc:docMk/>
+          <pc:sldMk cId="934809013" sldId="273"/>
+        </pc:sldMkLst>
+      </pc:sldChg>
+      <pc:sldChg chg="addSp delSp modSp add mod modTransition">
+        <pc:chgData name="Haslinger Fabian" userId="cdf8a651-5f22-44fb-9814-56de1b5a862a" providerId="ADAL" clId="{C98D3A39-387D-4691-B41A-7F074F902266}" dt="2025-03-25T11:04:52.213" v="2436"/>
+        <pc:sldMkLst>
+          <pc:docMk/>
+          <pc:sldMk cId="1039809952" sldId="273"/>
+        </pc:sldMkLst>
+        <pc:spChg chg="mod">
+          <ac:chgData name="Haslinger Fabian" userId="cdf8a651-5f22-44fb-9814-56de1b5a862a" providerId="ADAL" clId="{C98D3A39-387D-4691-B41A-7F074F902266}" dt="2025-03-25T10:08:45.043" v="173" actId="20577"/>
+          <ac:spMkLst>
+            <pc:docMk/>
+            <pc:sldMk cId="1039809952" sldId="273"/>
+            <ac:spMk id="2" creationId="{687DB625-1794-1654-6555-6A8196501802}"/>
+          </ac:spMkLst>
+        </pc:spChg>
+        <pc:spChg chg="mod">
+          <ac:chgData name="Haslinger Fabian" userId="cdf8a651-5f22-44fb-9814-56de1b5a862a" providerId="ADAL" clId="{C98D3A39-387D-4691-B41A-7F074F902266}" dt="2025-03-25T10:20:31.330" v="440" actId="20577"/>
+          <ac:spMkLst>
+            <pc:docMk/>
+            <pc:sldMk cId="1039809952" sldId="273"/>
+            <ac:spMk id="3" creationId="{987230AC-E98C-442F-46EA-9B283710A060}"/>
+          </ac:spMkLst>
+        </pc:spChg>
+        <pc:spChg chg="add del">
+          <ac:chgData name="Haslinger Fabian" userId="cdf8a651-5f22-44fb-9814-56de1b5a862a" providerId="ADAL" clId="{C98D3A39-387D-4691-B41A-7F074F902266}" dt="2025-03-25T10:08:54.909" v="177" actId="478"/>
+          <ac:spMkLst>
+            <pc:docMk/>
+            <pc:sldMk cId="1039809952" sldId="273"/>
+            <ac:spMk id="7" creationId="{8D3CA96D-94EB-2647-2349-B79CE6AFE4B2}"/>
+          </ac:spMkLst>
+        </pc:spChg>
+        <pc:spChg chg="add del">
+          <ac:chgData name="Haslinger Fabian" userId="cdf8a651-5f22-44fb-9814-56de1b5a862a" providerId="ADAL" clId="{C98D3A39-387D-4691-B41A-7F074F902266}" dt="2025-03-25T10:09:00.659" v="179" actId="478"/>
+          <ac:spMkLst>
+            <pc:docMk/>
+            <pc:sldMk cId="1039809952" sldId="273"/>
+            <ac:spMk id="9" creationId="{1F7D3542-1C9B-74BB-CF44-D366DE55920C}"/>
+          </ac:spMkLst>
+        </pc:spChg>
+        <pc:grpChg chg="add mod">
+          <ac:chgData name="Haslinger Fabian" userId="cdf8a651-5f22-44fb-9814-56de1b5a862a" providerId="ADAL" clId="{C98D3A39-387D-4691-B41A-7F074F902266}" dt="2025-03-25T10:22:24.068" v="452" actId="164"/>
+          <ac:grpSpMkLst>
+            <pc:docMk/>
+            <pc:sldMk cId="1039809952" sldId="273"/>
+            <ac:grpSpMk id="18" creationId="{2A639AEC-51C7-678E-A0FF-203230994931}"/>
+          </ac:grpSpMkLst>
+        </pc:grpChg>
+        <pc:picChg chg="add mod">
+          <ac:chgData name="Haslinger Fabian" userId="cdf8a651-5f22-44fb-9814-56de1b5a862a" providerId="ADAL" clId="{C98D3A39-387D-4691-B41A-7F074F902266}" dt="2025-03-25T10:09:21.204" v="183" actId="1076"/>
+          <ac:picMkLst>
+            <pc:docMk/>
+            <pc:sldMk cId="1039809952" sldId="273"/>
+            <ac:picMk id="11" creationId="{6CAC70BC-8E38-1E18-76D7-7AB748BAEE8A}"/>
+          </ac:picMkLst>
+        </pc:picChg>
+        <pc:picChg chg="del">
+          <ac:chgData name="Haslinger Fabian" userId="cdf8a651-5f22-44fb-9814-56de1b5a862a" providerId="ADAL" clId="{C98D3A39-387D-4691-B41A-7F074F902266}" dt="2025-03-25T10:08:46.864" v="174" actId="478"/>
+          <ac:picMkLst>
+            <pc:docMk/>
+            <pc:sldMk cId="1039809952" sldId="273"/>
+            <ac:picMk id="1026" creationId="{153ACCA2-747B-DE9B-6772-E309F7844FC7}"/>
+          </ac:picMkLst>
+        </pc:picChg>
+        <pc:cxnChg chg="add mod">
+          <ac:chgData name="Haslinger Fabian" userId="cdf8a651-5f22-44fb-9814-56de1b5a862a" providerId="ADAL" clId="{C98D3A39-387D-4691-B41A-7F074F902266}" dt="2025-03-25T10:22:24.068" v="452" actId="164"/>
+          <ac:cxnSpMkLst>
+            <pc:docMk/>
+            <pc:sldMk cId="1039809952" sldId="273"/>
+            <ac:cxnSpMk id="13" creationId="{A1548F13-DB0D-265C-987A-03A895A032A0}"/>
+          </ac:cxnSpMkLst>
+        </pc:cxnChg>
+        <pc:cxnChg chg="add mod">
+          <ac:chgData name="Haslinger Fabian" userId="cdf8a651-5f22-44fb-9814-56de1b5a862a" providerId="ADAL" clId="{C98D3A39-387D-4691-B41A-7F074F902266}" dt="2025-03-25T10:22:24.068" v="452" actId="164"/>
+          <ac:cxnSpMkLst>
+            <pc:docMk/>
+            <pc:sldMk cId="1039809952" sldId="273"/>
+            <ac:cxnSpMk id="14" creationId="{CDD30572-BB61-4253-223B-5A88429751E1}"/>
+          </ac:cxnSpMkLst>
+        </pc:cxnChg>
+        <pc:cxnChg chg="add mod">
+          <ac:chgData name="Haslinger Fabian" userId="cdf8a651-5f22-44fb-9814-56de1b5a862a" providerId="ADAL" clId="{C98D3A39-387D-4691-B41A-7F074F902266}" dt="2025-03-25T10:22:24.068" v="452" actId="164"/>
+          <ac:cxnSpMkLst>
+            <pc:docMk/>
+            <pc:sldMk cId="1039809952" sldId="273"/>
+            <ac:cxnSpMk id="16" creationId="{03498F95-BF98-7DD9-8681-2CE1C476980B}"/>
+          </ac:cxnSpMkLst>
+        </pc:cxnChg>
+        <pc:cxnChg chg="add mod">
+          <ac:chgData name="Haslinger Fabian" userId="cdf8a651-5f22-44fb-9814-56de1b5a862a" providerId="ADAL" clId="{C98D3A39-387D-4691-B41A-7F074F902266}" dt="2025-03-25T10:22:24.068" v="452" actId="164"/>
+          <ac:cxnSpMkLst>
+            <pc:docMk/>
+            <pc:sldMk cId="1039809952" sldId="273"/>
+            <ac:cxnSpMk id="17" creationId="{8402477B-089C-2EBA-34B3-1284AF279AB9}"/>
+          </ac:cxnSpMkLst>
+        </pc:cxnChg>
+      </pc:sldChg>
+      <pc:sldChg chg="addSp modSp add mod modTransition">
+        <pc:chgData name="Haslinger Fabian" userId="cdf8a651-5f22-44fb-9814-56de1b5a862a" providerId="ADAL" clId="{C98D3A39-387D-4691-B41A-7F074F902266}" dt="2025-03-25T10:27:17.366" v="628" actId="5793"/>
+        <pc:sldMkLst>
+          <pc:docMk/>
+          <pc:sldMk cId="3160281058" sldId="274"/>
+        </pc:sldMkLst>
+        <pc:spChg chg="mod">
+          <ac:chgData name="Haslinger Fabian" userId="cdf8a651-5f22-44fb-9814-56de1b5a862a" providerId="ADAL" clId="{C98D3A39-387D-4691-B41A-7F074F902266}" dt="2025-03-25T10:27:17.366" v="628" actId="5793"/>
+          <ac:spMkLst>
+            <pc:docMk/>
+            <pc:sldMk cId="3160281058" sldId="274"/>
+            <ac:spMk id="3" creationId="{C179E220-28C1-99DE-9C8E-E02DCE8694D5}"/>
+          </ac:spMkLst>
+        </pc:spChg>
+        <pc:grpChg chg="add mod">
+          <ac:chgData name="Haslinger Fabian" userId="cdf8a651-5f22-44fb-9814-56de1b5a862a" providerId="ADAL" clId="{C98D3A39-387D-4691-B41A-7F074F902266}" dt="2025-03-25T10:22:36.029" v="455" actId="164"/>
+          <ac:grpSpMkLst>
+            <pc:docMk/>
+            <pc:sldMk cId="3160281058" sldId="274"/>
+            <ac:grpSpMk id="20" creationId="{F2FCDACE-3083-44D8-ECE7-4AA4CADF0984}"/>
+          </ac:grpSpMkLst>
+        </pc:grpChg>
+        <pc:grpChg chg="add mod">
+          <ac:chgData name="Haslinger Fabian" userId="cdf8a651-5f22-44fb-9814-56de1b5a862a" providerId="ADAL" clId="{C98D3A39-387D-4691-B41A-7F074F902266}" dt="2025-03-25T10:23:09.989" v="458" actId="164"/>
+          <ac:grpSpMkLst>
+            <pc:docMk/>
+            <pc:sldMk cId="3160281058" sldId="274"/>
+            <ac:grpSpMk id="22" creationId="{2D7C736A-2D07-1122-1442-87C5E0A7AB7E}"/>
+          </ac:grpSpMkLst>
+        </pc:grpChg>
+        <pc:cxnChg chg="add mod">
+          <ac:chgData name="Haslinger Fabian" userId="cdf8a651-5f22-44fb-9814-56de1b5a862a" providerId="ADAL" clId="{C98D3A39-387D-4691-B41A-7F074F902266}" dt="2025-03-25T10:23:09.989" v="458" actId="164"/>
+          <ac:cxnSpMkLst>
+            <pc:docMk/>
+            <pc:sldMk cId="3160281058" sldId="274"/>
+            <ac:cxnSpMk id="12" creationId="{13DE7DB5-55BA-3781-4D56-CCAA2963C8E7}"/>
+          </ac:cxnSpMkLst>
+        </pc:cxnChg>
+        <pc:cxnChg chg="mod">
+          <ac:chgData name="Haslinger Fabian" userId="cdf8a651-5f22-44fb-9814-56de1b5a862a" providerId="ADAL" clId="{C98D3A39-387D-4691-B41A-7F074F902266}" dt="2025-03-25T10:21:31.133" v="445" actId="1076"/>
+          <ac:cxnSpMkLst>
+            <pc:docMk/>
+            <pc:sldMk cId="3160281058" sldId="274"/>
+            <ac:cxnSpMk id="13" creationId="{46FBA021-4934-69E6-75AE-E6EE189F05C2}"/>
+          </ac:cxnSpMkLst>
+        </pc:cxnChg>
+        <pc:cxnChg chg="mod">
+          <ac:chgData name="Haslinger Fabian" userId="cdf8a651-5f22-44fb-9814-56de1b5a862a" providerId="ADAL" clId="{C98D3A39-387D-4691-B41A-7F074F902266}" dt="2025-03-25T10:21:18.091" v="443" actId="1076"/>
+          <ac:cxnSpMkLst>
+            <pc:docMk/>
+            <pc:sldMk cId="3160281058" sldId="274"/>
+            <ac:cxnSpMk id="14" creationId="{B61CD7F8-ADCB-7300-2817-ACA0E51AACBC}"/>
+          </ac:cxnSpMkLst>
+        </pc:cxnChg>
+        <pc:cxnChg chg="add mod">
+          <ac:chgData name="Haslinger Fabian" userId="cdf8a651-5f22-44fb-9814-56de1b5a862a" providerId="ADAL" clId="{C98D3A39-387D-4691-B41A-7F074F902266}" dt="2025-03-25T10:23:09.989" v="458" actId="164"/>
+          <ac:cxnSpMkLst>
+            <pc:docMk/>
+            <pc:sldMk cId="3160281058" sldId="274"/>
+            <ac:cxnSpMk id="15" creationId="{9AC170B4-2C9E-0E42-F174-0B21BEBB1FAC}"/>
+          </ac:cxnSpMkLst>
+        </pc:cxnChg>
+        <pc:cxnChg chg="mod">
+          <ac:chgData name="Haslinger Fabian" userId="cdf8a651-5f22-44fb-9814-56de1b5a862a" providerId="ADAL" clId="{C98D3A39-387D-4691-B41A-7F074F902266}" dt="2025-03-25T10:21:48.141" v="449" actId="14100"/>
+          <ac:cxnSpMkLst>
+            <pc:docMk/>
+            <pc:sldMk cId="3160281058" sldId="274"/>
+            <ac:cxnSpMk id="16" creationId="{4B756FEF-438C-E509-2A4B-8CB0994B09D3}"/>
+          </ac:cxnSpMkLst>
+        </pc:cxnChg>
+        <pc:cxnChg chg="mod">
+          <ac:chgData name="Haslinger Fabian" userId="cdf8a651-5f22-44fb-9814-56de1b5a862a" providerId="ADAL" clId="{C98D3A39-387D-4691-B41A-7F074F902266}" dt="2025-03-25T10:22:01.010" v="451" actId="14100"/>
+          <ac:cxnSpMkLst>
+            <pc:docMk/>
+            <pc:sldMk cId="3160281058" sldId="274"/>
+            <ac:cxnSpMk id="17" creationId="{944FFD57-D314-5891-71E2-EB0AEBD147D4}"/>
+          </ac:cxnSpMkLst>
+        </pc:cxnChg>
+        <pc:cxnChg chg="add mod">
+          <ac:chgData name="Haslinger Fabian" userId="cdf8a651-5f22-44fb-9814-56de1b5a862a" providerId="ADAL" clId="{C98D3A39-387D-4691-B41A-7F074F902266}" dt="2025-03-25T10:23:09.989" v="458" actId="164"/>
+          <ac:cxnSpMkLst>
+            <pc:docMk/>
+            <pc:sldMk cId="3160281058" sldId="274"/>
+            <ac:cxnSpMk id="18" creationId="{55E2FF5C-DDB0-761E-E42D-BD2FB87438BD}"/>
+          </ac:cxnSpMkLst>
+        </pc:cxnChg>
+        <pc:cxnChg chg="add mod">
+          <ac:chgData name="Haslinger Fabian" userId="cdf8a651-5f22-44fb-9814-56de1b5a862a" providerId="ADAL" clId="{C98D3A39-387D-4691-B41A-7F074F902266}" dt="2025-03-25T10:23:09.989" v="458" actId="164"/>
+          <ac:cxnSpMkLst>
+            <pc:docMk/>
+            <pc:sldMk cId="3160281058" sldId="274"/>
+            <ac:cxnSpMk id="19" creationId="{9D173618-AC03-C7F2-4FF6-2AAB3AF7F0B7}"/>
+          </ac:cxnSpMkLst>
+        </pc:cxnChg>
+      </pc:sldChg>
+      <pc:sldChg chg="addSp delSp modSp add mod">
+        <pc:chgData name="Haslinger Fabian" userId="cdf8a651-5f22-44fb-9814-56de1b5a862a" providerId="ADAL" clId="{C98D3A39-387D-4691-B41A-7F074F902266}" dt="2025-03-25T10:36:30.090" v="982" actId="478"/>
+        <pc:sldMkLst>
+          <pc:docMk/>
+          <pc:sldMk cId="1662969405" sldId="275"/>
+        </pc:sldMkLst>
+        <pc:spChg chg="mod">
+          <ac:chgData name="Haslinger Fabian" userId="cdf8a651-5f22-44fb-9814-56de1b5a862a" providerId="ADAL" clId="{C98D3A39-387D-4691-B41A-7F074F902266}" dt="2025-03-25T10:34:30.024" v="961" actId="20577"/>
+          <ac:spMkLst>
+            <pc:docMk/>
+            <pc:sldMk cId="1662969405" sldId="275"/>
+            <ac:spMk id="3" creationId="{737D22D5-A116-DC03-6A57-E5361DCC13FF}"/>
+          </ac:spMkLst>
+        </pc:spChg>
+        <pc:grpChg chg="add del">
+          <ac:chgData name="Haslinger Fabian" userId="cdf8a651-5f22-44fb-9814-56de1b5a862a" providerId="ADAL" clId="{C98D3A39-387D-4691-B41A-7F074F902266}" dt="2025-03-25T10:36:30.090" v="982" actId="478"/>
+          <ac:grpSpMkLst>
+            <pc:docMk/>
+            <pc:sldMk cId="1662969405" sldId="275"/>
+            <ac:grpSpMk id="22" creationId="{60987B2E-212B-68BA-A304-F1DA7E4FC47A}"/>
+          </ac:grpSpMkLst>
+        </pc:grpChg>
+      </pc:sldChg>
+      <pc:sldChg chg="addSp delSp modSp add mod">
+        <pc:chgData name="Haslinger Fabian" userId="cdf8a651-5f22-44fb-9814-56de1b5a862a" providerId="ADAL" clId="{C98D3A39-387D-4691-B41A-7F074F902266}" dt="2025-03-25T10:40:15.319" v="1231" actId="255"/>
+        <pc:sldMkLst>
+          <pc:docMk/>
+          <pc:sldMk cId="4158675654" sldId="276"/>
+        </pc:sldMkLst>
+        <pc:spChg chg="mod">
+          <ac:chgData name="Haslinger Fabian" userId="cdf8a651-5f22-44fb-9814-56de1b5a862a" providerId="ADAL" clId="{C98D3A39-387D-4691-B41A-7F074F902266}" dt="2025-03-25T10:37:26.880" v="1001" actId="1076"/>
+          <ac:spMkLst>
+            <pc:docMk/>
+            <pc:sldMk cId="4158675654" sldId="276"/>
+            <ac:spMk id="2" creationId="{7B62A924-EB69-44FE-2457-7DA9617A39E7}"/>
+          </ac:spMkLst>
+        </pc:spChg>
+        <pc:spChg chg="mod">
+          <ac:chgData name="Haslinger Fabian" userId="cdf8a651-5f22-44fb-9814-56de1b5a862a" providerId="ADAL" clId="{C98D3A39-387D-4691-B41A-7F074F902266}" dt="2025-03-25T10:40:15.319" v="1231" actId="255"/>
+          <ac:spMkLst>
+            <pc:docMk/>
+            <pc:sldMk cId="4158675654" sldId="276"/>
+            <ac:spMk id="3" creationId="{914BF00E-A46E-BDC4-89AE-6586CE778636}"/>
+          </ac:spMkLst>
+        </pc:spChg>
+        <pc:grpChg chg="add mod">
+          <ac:chgData name="Haslinger Fabian" userId="cdf8a651-5f22-44fb-9814-56de1b5a862a" providerId="ADAL" clId="{C98D3A39-387D-4691-B41A-7F074F902266}" dt="2025-03-25T10:35:48.244" v="980" actId="164"/>
+          <ac:grpSpMkLst>
+            <pc:docMk/>
+            <pc:sldMk cId="4158675654" sldId="276"/>
+            <ac:grpSpMk id="21" creationId="{26AAAD69-FFBF-BD36-73E6-7EF9EFC44E39}"/>
+          </ac:grpSpMkLst>
+        </pc:grpChg>
+        <pc:grpChg chg="del mod">
+          <ac:chgData name="Haslinger Fabian" userId="cdf8a651-5f22-44fb-9814-56de1b5a862a" providerId="ADAL" clId="{C98D3A39-387D-4691-B41A-7F074F902266}" dt="2025-03-25T10:35:18.188" v="971" actId="478"/>
+          <ac:grpSpMkLst>
+            <pc:docMk/>
+            <pc:sldMk cId="4158675654" sldId="276"/>
+            <ac:grpSpMk id="22" creationId="{AB869D40-1F97-CDF1-8D07-3F95E499D084}"/>
+          </ac:grpSpMkLst>
+        </pc:grpChg>
+        <pc:cxnChg chg="mod">
+          <ac:chgData name="Haslinger Fabian" userId="cdf8a651-5f22-44fb-9814-56de1b5a862a" providerId="ADAL" clId="{C98D3A39-387D-4691-B41A-7F074F902266}" dt="2025-03-25T10:35:48.244" v="980" actId="164"/>
+          <ac:cxnSpMkLst>
+            <pc:docMk/>
+            <pc:sldMk cId="4158675654" sldId="276"/>
+            <ac:cxnSpMk id="13" creationId="{0834B266-955C-2E51-945D-23999D3DA683}"/>
+          </ac:cxnSpMkLst>
+        </pc:cxnChg>
+        <pc:cxnChg chg="mod">
+          <ac:chgData name="Haslinger Fabian" userId="cdf8a651-5f22-44fb-9814-56de1b5a862a" providerId="ADAL" clId="{C98D3A39-387D-4691-B41A-7F074F902266}" dt="2025-03-25T10:35:48.244" v="980" actId="164"/>
+          <ac:cxnSpMkLst>
+            <pc:docMk/>
+            <pc:sldMk cId="4158675654" sldId="276"/>
+            <ac:cxnSpMk id="14" creationId="{B9FCA218-F9F6-A4A2-3D3C-2F2B69EE1F6D}"/>
+          </ac:cxnSpMkLst>
+        </pc:cxnChg>
+        <pc:cxnChg chg="del mod">
+          <ac:chgData name="Haslinger Fabian" userId="cdf8a651-5f22-44fb-9814-56de1b5a862a" providerId="ADAL" clId="{C98D3A39-387D-4691-B41A-7F074F902266}" dt="2025-03-25T10:35:04.489" v="967" actId="478"/>
+          <ac:cxnSpMkLst>
+            <pc:docMk/>
+            <pc:sldMk cId="4158675654" sldId="276"/>
+            <ac:cxnSpMk id="15" creationId="{8784185B-EF48-DA6E-84DD-69C84CCD9AF6}"/>
+          </ac:cxnSpMkLst>
+        </pc:cxnChg>
+        <pc:cxnChg chg="mod">
+          <ac:chgData name="Haslinger Fabian" userId="cdf8a651-5f22-44fb-9814-56de1b5a862a" providerId="ADAL" clId="{C98D3A39-387D-4691-B41A-7F074F902266}" dt="2025-03-25T10:35:48.244" v="980" actId="164"/>
+          <ac:cxnSpMkLst>
+            <pc:docMk/>
+            <pc:sldMk cId="4158675654" sldId="276"/>
+            <ac:cxnSpMk id="16" creationId="{89116303-1DCC-A6EE-C245-B2EF6BD245AD}"/>
+          </ac:cxnSpMkLst>
+        </pc:cxnChg>
+        <pc:cxnChg chg="mod">
+          <ac:chgData name="Haslinger Fabian" userId="cdf8a651-5f22-44fb-9814-56de1b5a862a" providerId="ADAL" clId="{C98D3A39-387D-4691-B41A-7F074F902266}" dt="2025-03-25T10:35:48.244" v="980" actId="164"/>
+          <ac:cxnSpMkLst>
+            <pc:docMk/>
+            <pc:sldMk cId="4158675654" sldId="276"/>
+            <ac:cxnSpMk id="17" creationId="{198703F4-1E92-EE6B-0253-5B5237DAC8AF}"/>
+          </ac:cxnSpMkLst>
+        </pc:cxnChg>
+      </pc:sldChg>
+      <pc:sldChg chg="addSp delSp modSp add mod modTransition">
+        <pc:chgData name="Haslinger Fabian" userId="cdf8a651-5f22-44fb-9814-56de1b5a862a" providerId="ADAL" clId="{C98D3A39-387D-4691-B41A-7F074F902266}" dt="2025-03-25T11:04:58.255" v="2437"/>
+        <pc:sldMkLst>
+          <pc:docMk/>
+          <pc:sldMk cId="161190910" sldId="277"/>
+        </pc:sldMkLst>
+        <pc:spChg chg="mod">
+          <ac:chgData name="Haslinger Fabian" userId="cdf8a651-5f22-44fb-9814-56de1b5a862a" providerId="ADAL" clId="{C98D3A39-387D-4691-B41A-7F074F902266}" dt="2025-03-25T10:50:42.249" v="1297" actId="20577"/>
+          <ac:spMkLst>
+            <pc:docMk/>
+            <pc:sldMk cId="161190910" sldId="277"/>
+            <ac:spMk id="2" creationId="{01AEDA40-2217-69AA-CEA4-DEF6ED4D87A1}"/>
+          </ac:spMkLst>
+        </pc:spChg>
+        <pc:spChg chg="mod">
+          <ac:chgData name="Haslinger Fabian" userId="cdf8a651-5f22-44fb-9814-56de1b5a862a" providerId="ADAL" clId="{C98D3A39-387D-4691-B41A-7F074F902266}" dt="2025-03-25T10:55:50.202" v="1948" actId="14100"/>
+          <ac:spMkLst>
+            <pc:docMk/>
+            <pc:sldMk cId="161190910" sldId="277"/>
+            <ac:spMk id="3" creationId="{7921D6EB-F440-BFCE-9BF7-551D6EAFA83A}"/>
+          </ac:spMkLst>
+        </pc:spChg>
+        <pc:spChg chg="add del mod">
+          <ac:chgData name="Haslinger Fabian" userId="cdf8a651-5f22-44fb-9814-56de1b5a862a" providerId="ADAL" clId="{C98D3A39-387D-4691-B41A-7F074F902266}" dt="2025-03-25T10:50:32.133" v="1286" actId="478"/>
+          <ac:spMkLst>
+            <pc:docMk/>
+            <pc:sldMk cId="161190910" sldId="277"/>
+            <ac:spMk id="9" creationId="{311F19AF-E9AB-9316-CFED-A7ED25BF0680}"/>
+          </ac:spMkLst>
+        </pc:spChg>
+        <pc:grpChg chg="del">
+          <ac:chgData name="Haslinger Fabian" userId="cdf8a651-5f22-44fb-9814-56de1b5a862a" providerId="ADAL" clId="{C98D3A39-387D-4691-B41A-7F074F902266}" dt="2025-03-25T10:50:15.007" v="1281" actId="478"/>
+          <ac:grpSpMkLst>
+            <pc:docMk/>
+            <pc:sldMk cId="161190910" sldId="277"/>
+            <ac:grpSpMk id="21" creationId="{A400CC47-E6DB-17F6-775E-24BE56FA6924}"/>
+          </ac:grpSpMkLst>
+        </pc:grpChg>
+        <pc:picChg chg="del">
+          <ac:chgData name="Haslinger Fabian" userId="cdf8a651-5f22-44fb-9814-56de1b5a862a" providerId="ADAL" clId="{C98D3A39-387D-4691-B41A-7F074F902266}" dt="2025-03-25T10:50:13.571" v="1280" actId="478"/>
+          <ac:picMkLst>
+            <pc:docMk/>
+            <pc:sldMk cId="161190910" sldId="277"/>
+            <ac:picMk id="11" creationId="{2CEEE612-4399-3D4A-289B-007292C87E59}"/>
+          </ac:picMkLst>
+        </pc:picChg>
+        <pc:picChg chg="add mod">
+          <ac:chgData name="Haslinger Fabian" userId="cdf8a651-5f22-44fb-9814-56de1b5a862a" providerId="ADAL" clId="{C98D3A39-387D-4691-B41A-7F074F902266}" dt="2025-03-25T10:50:36.808" v="1289" actId="1076"/>
+          <ac:picMkLst>
+            <pc:docMk/>
+            <pc:sldMk cId="161190910" sldId="277"/>
+            <ac:picMk id="3074" creationId="{5B3DBCC0-EE09-E78D-B6F3-4691E849A3D9}"/>
+          </ac:picMkLst>
+        </pc:picChg>
+      </pc:sldChg>
+      <pc:sldChg chg="addSp delSp modSp add del mod">
+        <pc:chgData name="Haslinger Fabian" userId="cdf8a651-5f22-44fb-9814-56de1b5a862a" providerId="ADAL" clId="{C98D3A39-387D-4691-B41A-7F074F902266}" dt="2025-03-25T10:50:08.472" v="1278" actId="47"/>
+        <pc:sldMkLst>
+          <pc:docMk/>
+          <pc:sldMk cId="177534323" sldId="277"/>
+        </pc:sldMkLst>
+        <pc:spChg chg="mod">
+          <ac:chgData name="Haslinger Fabian" userId="cdf8a651-5f22-44fb-9814-56de1b5a862a" providerId="ADAL" clId="{C98D3A39-387D-4691-B41A-7F074F902266}" dt="2025-03-25T10:44:30.749" v="1244" actId="20577"/>
+          <ac:spMkLst>
+            <pc:docMk/>
+            <pc:sldMk cId="177534323" sldId="277"/>
+            <ac:spMk id="2" creationId="{0E2CC716-4D14-A94B-DFFF-38F82E8E6238}"/>
+          </ac:spMkLst>
+        </pc:spChg>
+        <pc:spChg chg="del mod">
+          <ac:chgData name="Haslinger Fabian" userId="cdf8a651-5f22-44fb-9814-56de1b5a862a" providerId="ADAL" clId="{C98D3A39-387D-4691-B41A-7F074F902266}" dt="2025-03-25T10:47:59.709" v="1251"/>
+          <ac:spMkLst>
+            <pc:docMk/>
+            <pc:sldMk cId="177534323" sldId="277"/>
+            <ac:spMk id="3" creationId="{17093FEC-8CA0-67E3-6C25-C5B1E3F66E2C}"/>
+          </ac:spMkLst>
+        </pc:spChg>
+        <pc:spChg chg="add del mod">
+          <ac:chgData name="Haslinger Fabian" userId="cdf8a651-5f22-44fb-9814-56de1b5a862a" providerId="ADAL" clId="{C98D3A39-387D-4691-B41A-7F074F902266}" dt="2025-03-25T10:49:56.026" v="1274"/>
+          <ac:spMkLst>
+            <pc:docMk/>
+            <pc:sldMk cId="177534323" sldId="277"/>
+            <ac:spMk id="7" creationId="{80EAE734-F3C2-29C6-2FB6-0A3B4B3111AC}"/>
+          </ac:spMkLst>
+        </pc:spChg>
+        <pc:grpChg chg="del">
+          <ac:chgData name="Haslinger Fabian" userId="cdf8a651-5f22-44fb-9814-56de1b5a862a" providerId="ADAL" clId="{C98D3A39-387D-4691-B41A-7F074F902266}" dt="2025-03-25T10:43:41.683" v="1234" actId="478"/>
+          <ac:grpSpMkLst>
+            <pc:docMk/>
+            <pc:sldMk cId="177534323" sldId="277"/>
+            <ac:grpSpMk id="21" creationId="{5CA2E2B0-15D9-5968-0693-646D437C07AF}"/>
+          </ac:grpSpMkLst>
+        </pc:grpChg>
+        <pc:picChg chg="del">
+          <ac:chgData name="Haslinger Fabian" userId="cdf8a651-5f22-44fb-9814-56de1b5a862a" providerId="ADAL" clId="{C98D3A39-387D-4691-B41A-7F074F902266}" dt="2025-03-25T10:43:39.707" v="1233" actId="478"/>
+          <ac:picMkLst>
+            <pc:docMk/>
+            <pc:sldMk cId="177534323" sldId="277"/>
+            <ac:picMk id="11" creationId="{04081EB7-FE6F-CE9C-8F82-726A3CF625B0}"/>
+          </ac:picMkLst>
+        </pc:picChg>
+        <pc:picChg chg="add mod">
+          <ac:chgData name="Haslinger Fabian" userId="cdf8a651-5f22-44fb-9814-56de1b5a862a" providerId="ADAL" clId="{C98D3A39-387D-4691-B41A-7F074F902266}" dt="2025-03-25T10:49:48.398" v="1272" actId="1076"/>
+          <ac:picMkLst>
+            <pc:docMk/>
+            <pc:sldMk cId="177534323" sldId="277"/>
+            <ac:picMk id="2050" creationId="{8E2EC8B8-CF74-B0C3-1DFC-EE03D7C83281}"/>
+          </ac:picMkLst>
+        </pc:picChg>
+        <pc:picChg chg="add del mod">
+          <ac:chgData name="Haslinger Fabian" userId="cdf8a651-5f22-44fb-9814-56de1b5a862a" providerId="ADAL" clId="{C98D3A39-387D-4691-B41A-7F074F902266}" dt="2025-03-25T10:49:27.886" v="1262" actId="478"/>
+          <ac:picMkLst>
+            <pc:docMk/>
+            <pc:sldMk cId="177534323" sldId="277"/>
+            <ac:picMk id="2052" creationId="{27B5B064-DF52-88E8-B482-2F20AEDD36E7}"/>
+          </ac:picMkLst>
+        </pc:picChg>
+      </pc:sldChg>
+      <pc:sldChg chg="addSp delSp modSp add mod modTransition">
+        <pc:chgData name="Haslinger Fabian" userId="cdf8a651-5f22-44fb-9814-56de1b5a862a" providerId="ADAL" clId="{C98D3A39-387D-4691-B41A-7F074F902266}" dt="2025-03-25T11:05:01.412" v="2438"/>
+        <pc:sldMkLst>
+          <pc:docMk/>
+          <pc:sldMk cId="1636357243" sldId="278"/>
+        </pc:sldMkLst>
+        <pc:spChg chg="mod">
+          <ac:chgData name="Haslinger Fabian" userId="cdf8a651-5f22-44fb-9814-56de1b5a862a" providerId="ADAL" clId="{C98D3A39-387D-4691-B41A-7F074F902266}" dt="2025-03-25T10:56:04.250" v="1958" actId="20577"/>
+          <ac:spMkLst>
+            <pc:docMk/>
+            <pc:sldMk cId="1636357243" sldId="278"/>
+            <ac:spMk id="2" creationId="{F17E1953-E51B-8D10-6EA2-F359392E8141}"/>
+          </ac:spMkLst>
+        </pc:spChg>
+        <pc:spChg chg="mod">
+          <ac:chgData name="Haslinger Fabian" userId="cdf8a651-5f22-44fb-9814-56de1b5a862a" providerId="ADAL" clId="{C98D3A39-387D-4691-B41A-7F074F902266}" dt="2025-03-25T11:00:06.050" v="2414" actId="14100"/>
+          <ac:spMkLst>
+            <pc:docMk/>
+            <pc:sldMk cId="1636357243" sldId="278"/>
+            <ac:spMk id="3" creationId="{33961F17-BD5B-F9F2-2707-89891FA2A6C4}"/>
+          </ac:spMkLst>
+        </pc:spChg>
+        <pc:picChg chg="del">
+          <ac:chgData name="Haslinger Fabian" userId="cdf8a651-5f22-44fb-9814-56de1b5a862a" providerId="ADAL" clId="{C98D3A39-387D-4691-B41A-7F074F902266}" dt="2025-03-25T10:56:47.201" v="1959" actId="478"/>
+          <ac:picMkLst>
+            <pc:docMk/>
+            <pc:sldMk cId="1636357243" sldId="278"/>
+            <ac:picMk id="3074" creationId="{8E032974-3CA8-94D2-7127-B49595AA50E6}"/>
+          </ac:picMkLst>
+        </pc:picChg>
+        <pc:picChg chg="add mod">
+          <ac:chgData name="Haslinger Fabian" userId="cdf8a651-5f22-44fb-9814-56de1b5a862a" providerId="ADAL" clId="{C98D3A39-387D-4691-B41A-7F074F902266}" dt="2025-03-25T11:00:09.255" v="2417" actId="1076"/>
+          <ac:picMkLst>
+            <pc:docMk/>
+            <pc:sldMk cId="1636357243" sldId="278"/>
+            <ac:picMk id="4098" creationId="{92368F3B-61BA-FEFF-E59B-4FAD86AC086A}"/>
+          </ac:picMkLst>
+        </pc:picChg>
+      </pc:sldChg>
+      <pc:sldChg chg="modSp new mod">
+        <pc:chgData name="Haslinger Fabian" userId="cdf8a651-5f22-44fb-9814-56de1b5a862a" providerId="ADAL" clId="{C98D3A39-387D-4691-B41A-7F074F902266}" dt="2025-03-25T11:09:16.415" v="2526" actId="20577"/>
+        <pc:sldMkLst>
+          <pc:docMk/>
+          <pc:sldMk cId="3263711900" sldId="279"/>
+        </pc:sldMkLst>
+        <pc:spChg chg="mod">
+          <ac:chgData name="Haslinger Fabian" userId="cdf8a651-5f22-44fb-9814-56de1b5a862a" providerId="ADAL" clId="{C98D3A39-387D-4691-B41A-7F074F902266}" dt="2025-03-25T11:08:14.335" v="2509" actId="20577"/>
+          <ac:spMkLst>
+            <pc:docMk/>
+            <pc:sldMk cId="3263711900" sldId="279"/>
+            <ac:spMk id="2" creationId="{4D643513-9FF8-C9FA-FED8-DCBFED408A2C}"/>
+          </ac:spMkLst>
+        </pc:spChg>
+        <pc:spChg chg="mod">
+          <ac:chgData name="Haslinger Fabian" userId="cdf8a651-5f22-44fb-9814-56de1b5a862a" providerId="ADAL" clId="{C98D3A39-387D-4691-B41A-7F074F902266}" dt="2025-03-25T11:09:16.415" v="2526" actId="20577"/>
+          <ac:spMkLst>
+            <pc:docMk/>
+            <pc:sldMk cId="3263711900" sldId="279"/>
+            <ac:spMk id="3" creationId="{07CB15E3-CA8C-934D-C45E-CCA2083FF2A7}"/>
+          </ac:spMkLst>
+        </pc:spChg>
+      </pc:sldChg>
+    </pc:docChg>
+  </pc:docChgLst>
+</pc:chgInfo>
 </file>
 
 <file path=ppt/diagrams/colors1.xml><?xml version="1.0" encoding="utf-8"?>
@@ -4693,8 +5435,12 @@
         <a:lstStyle/>
         <a:p>
           <a:r>
+            <a:rPr lang="en-US" dirty="0" err="1"/>
+            <a:t>Nutzt</a:t>
+          </a:r>
+          <a:r>
             <a:rPr lang="en-US" dirty="0"/>
-            <a:t>Nutz Java / Spring-Boot</a:t>
+            <a:t> Java / Spring-Boot</a:t>
           </a:r>
         </a:p>
       </dgm:t>
@@ -7046,8 +7792,12 @@
             <a:buChar char="•"/>
           </a:pPr>
           <a:r>
+            <a:rPr lang="en-US" sz="1600" kern="1200" dirty="0" err="1"/>
+            <a:t>Nutzt</a:t>
+          </a:r>
+          <a:r>
             <a:rPr lang="en-US" sz="1600" kern="1200" dirty="0"/>
-            <a:t>Nutz Java / Spring-Boot</a:t>
+            <a:t> Java / Spring-Boot</a:t>
           </a:r>
         </a:p>
       </dsp:txBody>
@@ -15803,7 +16553,7 @@
           <a:p>
             <a:fld id="{BCBBFA01-F023-4377-89AC-C163B9E7E6D1}" type="datetimeFigureOut">
               <a:rPr lang="de-AT" smtClean="0"/>
-              <a:t>11.03.2025</a:t>
+              <a:t>25.03.2025</a:t>
             </a:fld>
             <a:endParaRPr lang="de-AT"/>
           </a:p>
@@ -16220,7 +16970,7 @@
           <a:p>
             <a:fld id="{91D97426-86D1-4430-A049-06D8092E65E2}" type="datetime1">
               <a:rPr lang="de-AT" smtClean="0"/>
-              <a:t>11.03.2025</a:t>
+              <a:t>25.03.2025</a:t>
             </a:fld>
             <a:endParaRPr lang="de-AT"/>
           </a:p>
@@ -16420,7 +17170,7 @@
           <a:p>
             <a:fld id="{04009A1F-4CEB-4835-9A5C-2F9E019478A7}" type="datetime1">
               <a:rPr lang="de-AT" smtClean="0"/>
-              <a:t>11.03.2025</a:t>
+              <a:t>25.03.2025</a:t>
             </a:fld>
             <a:endParaRPr lang="de-AT"/>
           </a:p>
@@ -16630,7 +17380,7 @@
           <a:p>
             <a:fld id="{45E7D8FD-26F5-45BE-A321-F0FFCC7A3233}" type="datetime1">
               <a:rPr lang="de-AT" smtClean="0"/>
-              <a:t>11.03.2025</a:t>
+              <a:t>25.03.2025</a:t>
             </a:fld>
             <a:endParaRPr lang="de-AT"/>
           </a:p>
@@ -16830,7 +17580,7 @@
           <a:p>
             <a:fld id="{684D5CCA-44DE-413B-B5C1-1D136BF17977}" type="datetime1">
               <a:rPr lang="de-AT" smtClean="0"/>
-              <a:t>11.03.2025</a:t>
+              <a:t>25.03.2025</a:t>
             </a:fld>
             <a:endParaRPr lang="de-AT"/>
           </a:p>
@@ -17106,7 +17856,7 @@
           <a:p>
             <a:fld id="{0973C9B9-FBD9-40E9-9A50-344DDEEE4B2E}" type="datetime1">
               <a:rPr lang="de-AT" smtClean="0"/>
-              <a:t>11.03.2025</a:t>
+              <a:t>25.03.2025</a:t>
             </a:fld>
             <a:endParaRPr lang="de-AT"/>
           </a:p>
@@ -17374,7 +18124,7 @@
           <a:p>
             <a:fld id="{D28AC31D-080C-4A74-AF7A-6F3E55F236C4}" type="datetime1">
               <a:rPr lang="de-AT" smtClean="0"/>
-              <a:t>11.03.2025</a:t>
+              <a:t>25.03.2025</a:t>
             </a:fld>
             <a:endParaRPr lang="de-AT"/>
           </a:p>
@@ -17789,7 +18539,7 @@
           <a:p>
             <a:fld id="{1605DBBD-7D16-4D89-A115-B9FED4687354}" type="datetime1">
               <a:rPr lang="de-AT" smtClean="0"/>
-              <a:t>11.03.2025</a:t>
+              <a:t>25.03.2025</a:t>
             </a:fld>
             <a:endParaRPr lang="de-AT"/>
           </a:p>
@@ -17931,7 +18681,7 @@
           <a:p>
             <a:fld id="{0FA14D0E-A22E-4A65-8EA2-AFA19114667D}" type="datetime1">
               <a:rPr lang="de-AT" smtClean="0"/>
-              <a:t>11.03.2025</a:t>
+              <a:t>25.03.2025</a:t>
             </a:fld>
             <a:endParaRPr lang="de-AT"/>
           </a:p>
@@ -18044,7 +18794,7 @@
           <a:p>
             <a:fld id="{3E9C06AC-6CF7-457D-9838-1745E9877239}" type="datetime1">
               <a:rPr lang="de-AT" smtClean="0"/>
-              <a:t>11.03.2025</a:t>
+              <a:t>25.03.2025</a:t>
             </a:fld>
             <a:endParaRPr lang="de-AT"/>
           </a:p>
@@ -18357,7 +19107,7 @@
           <a:p>
             <a:fld id="{68CDD33F-05D0-4A49-AB44-CE36B5ED24A9}" type="datetime1">
               <a:rPr lang="de-AT" smtClean="0"/>
-              <a:t>11.03.2025</a:t>
+              <a:t>25.03.2025</a:t>
             </a:fld>
             <a:endParaRPr lang="de-AT"/>
           </a:p>
@@ -18646,7 +19396,7 @@
           <a:p>
             <a:fld id="{4728BC80-3BC6-453A-B3E1-783E722C379B}" type="datetime1">
               <a:rPr lang="de-AT" smtClean="0"/>
-              <a:t>11.03.2025</a:t>
+              <a:t>25.03.2025</a:t>
             </a:fld>
             <a:endParaRPr lang="de-AT"/>
           </a:p>
@@ -18889,7 +19639,7 @@
           <a:p>
             <a:fld id="{49D5023A-80B9-4C94-9892-5C3A77B19317}" type="datetime1">
               <a:rPr lang="de-AT" smtClean="0"/>
-              <a:t>11.03.2025</a:t>
+              <a:t>25.03.2025</a:t>
             </a:fld>
             <a:endParaRPr lang="de-AT"/>
           </a:p>
@@ -19307,6 +20057,63 @@
           <a:chExt cx="0" cy="0"/>
         </a:xfrm>
       </p:grpSpPr>
+      <p:pic>
+        <p:nvPicPr>
+          <p:cNvPr id="5122" name="Picture 2" descr="Trademarks | Vaadin">
+            <a:extLst>
+              <a:ext uri="{FF2B5EF4-FFF2-40B4-BE49-F238E27FC236}">
+                <a16:creationId xmlns:a16="http://schemas.microsoft.com/office/drawing/2014/main" id="{F6BFEEDC-B8FE-7038-D428-9BA947BD35C7}"/>
+              </a:ext>
+            </a:extLst>
+          </p:cNvPr>
+          <p:cNvPicPr>
+            <a:picLocks noChangeAspect="1" noChangeArrowheads="1"/>
+          </p:cNvPicPr>
+          <p:nvPr/>
+        </p:nvPicPr>
+        <p:blipFill>
+          <a:blip r:embed="rId2">
+            <a:alphaModFix amt="70000"/>
+            <a:extLst>
+              <a:ext uri="{BEBA8EAE-BF5A-486C-A8C5-ECC9F3942E4B}">
+                <a14:imgProps xmlns:a14="http://schemas.microsoft.com/office/drawing/2010/main">
+                  <a14:imgLayer r:embed="rId3">
+                    <a14:imgEffect>
+                      <a14:brightnessContrast bright="20000"/>
+                    </a14:imgEffect>
+                  </a14:imgLayer>
+                </a14:imgProps>
+              </a:ext>
+              <a:ext uri="{28A0092B-C50C-407E-A947-70E740481C1C}">
+                <a14:useLocalDpi xmlns:a14="http://schemas.microsoft.com/office/drawing/2010/main" val="0"/>
+              </a:ext>
+            </a:extLst>
+          </a:blip>
+          <a:srcRect/>
+          <a:stretch>
+            <a:fillRect/>
+          </a:stretch>
+        </p:blipFill>
+        <p:spPr bwMode="auto">
+          <a:xfrm>
+            <a:off x="2667000" y="0"/>
+            <a:ext cx="6858000" cy="6858000"/>
+          </a:xfrm>
+          <a:prstGeom prst="rect">
+            <a:avLst/>
+          </a:prstGeom>
+          <a:noFill/>
+          <a:extLst>
+            <a:ext uri="{909E8E84-426E-40DD-AFC4-6F175D3DCCD1}">
+              <a14:hiddenFill xmlns:a14="http://schemas.microsoft.com/office/drawing/2010/main">
+                <a:solidFill>
+                  <a:srgbClr val="FFFFFF"/>
+                </a:solidFill>
+              </a14:hiddenFill>
+            </a:ext>
+          </a:extLst>
+        </p:spPr>
+      </p:pic>
       <p:sp>
         <p:nvSpPr>
           <p:cNvPr id="2" name="Titel 1">
@@ -19329,12 +20136,8 @@
           <a:lstStyle/>
           <a:p>
             <a:r>
-              <a:rPr lang="de-AT" dirty="0"/>
-              <a:t>Java </a:t>
-            </a:r>
-            <a:r>
-              <a:rPr lang="de-AT" dirty="0" err="1"/>
-              <a:t>Vaadin</a:t>
+              <a:rPr lang="de-AT"/>
+              <a:t>Java Vaadin</a:t>
             </a:r>
             <a:endParaRPr lang="de-AT" dirty="0"/>
           </a:p>
@@ -19362,12 +20165,8 @@
           <a:lstStyle/>
           <a:p>
             <a:r>
-              <a:rPr lang="de-AT" dirty="0"/>
-              <a:t>Jonas Aberger, Fabian Haslinger, Tim </a:t>
-            </a:r>
-            <a:r>
-              <a:rPr lang="de-AT" dirty="0" err="1"/>
-              <a:t>Hechenberger</a:t>
+              <a:rPr lang="de-AT"/>
+              <a:t>Jonas Aberger, Fabian Haslinger, Tim Hechenberger</a:t>
             </a:r>
             <a:endParaRPr lang="de-AT" dirty="0"/>
           </a:p>
@@ -19396,7 +20195,7 @@
           <a:p>
             <a:fld id="{756D3C7B-BA68-4F0A-9E92-4F20FF1EF566}" type="datetime1">
               <a:rPr lang="de-AT" smtClean="0"/>
-              <a:t>11.03.2025</a:t>
+              <a:t>25.03.2025</a:t>
             </a:fld>
             <a:endParaRPr lang="de-AT"/>
           </a:p>
@@ -19441,6 +20240,18 @@
   <p:clrMapOvr>
     <a:masterClrMapping/>
   </p:clrMapOvr>
+  <mc:AlternateContent xmlns:mc="http://schemas.openxmlformats.org/markup-compatibility/2006">
+    <mc:Choice xmlns:p14="http://schemas.microsoft.com/office/powerpoint/2010/main" Requires="p14">
+      <p:transition spd="slow" p14:dur="4400">
+        <p14:honeycomb/>
+      </p:transition>
+    </mc:Choice>
+    <mc:Fallback>
+      <p:transition spd="slow">
+        <p:fade/>
+      </p:transition>
+    </mc:Fallback>
+  </mc:AlternateContent>
 </p:sld>
 </file>
 
@@ -19484,7 +20295,7 @@
           <a:p>
             <a:fld id="{684D5CCA-44DE-413B-B5C1-1D136BF17977}" type="datetime1">
               <a:rPr lang="de-AT" smtClean="0"/>
-              <a:t>11.03.2025</a:t>
+              <a:t>25.03.2025</a:t>
             </a:fld>
             <a:endParaRPr lang="de-AT"/>
           </a:p>
@@ -19634,8 +20445,8 @@
   <p:clrMapOvr>
     <a:masterClrMapping/>
   </p:clrMapOvr>
-  <p:transition spd="slow">
-    <p:push dir="u"/>
+  <p:transition spd="med">
+    <p:pull/>
   </p:transition>
 </p:sld>
 </file>
@@ -19691,7 +20502,7 @@
           <a:p>
             <a:r>
               <a:rPr lang="de-AT" dirty="0"/>
-              <a:t>TEIL 2</a:t>
+              <a:t>Flow</a:t>
             </a:r>
           </a:p>
         </p:txBody>
@@ -19722,6 +20533,30 @@
           <a:bodyPr/>
           <a:lstStyle/>
           <a:p>
+            <a:r>
+              <a:rPr lang="de-AT" dirty="0"/>
+              <a:t>Java-Framework zur Entwicklung moderner Webanwendungen</a:t>
+            </a:r>
+          </a:p>
+          <a:p>
+            <a:endParaRPr lang="de-AT" dirty="0"/>
+          </a:p>
+          <a:p>
+            <a:r>
+              <a:rPr lang="de-AT" dirty="0"/>
+              <a:t>Server-Side-Rendering (SSR)-Ansatz</a:t>
+            </a:r>
+          </a:p>
+          <a:p>
+            <a:endParaRPr lang="de-AT" dirty="0"/>
+          </a:p>
+          <a:p>
+            <a:r>
+              <a:rPr lang="de-AT" dirty="0"/>
+              <a:t>HTML, CSS und JS optional</a:t>
+            </a:r>
+          </a:p>
+          <a:p>
             <a:endParaRPr lang="de-AT" dirty="0"/>
           </a:p>
         </p:txBody>
@@ -19749,7 +20584,7 @@
           <a:p>
             <a:fld id="{684D5CCA-44DE-413B-B5C1-1D136BF17977}" type="datetime1">
               <a:rPr lang="de-AT" smtClean="0"/>
-              <a:t>11.03.2025</a:t>
+              <a:t>25.03.2025</a:t>
             </a:fld>
             <a:endParaRPr lang="de-AT"/>
           </a:p>
@@ -19857,6 +20692,53 @@
           </a:fontRef>
         </p:style>
       </p:cxnSp>
+      <p:pic>
+        <p:nvPicPr>
+          <p:cNvPr id="1026" name="Picture 2" descr="Trademarks | Vaadin">
+            <a:extLst>
+              <a:ext uri="{FF2B5EF4-FFF2-40B4-BE49-F238E27FC236}">
+                <a16:creationId xmlns:a16="http://schemas.microsoft.com/office/drawing/2014/main" id="{5BE584C3-9632-4D4C-A83B-F41C1F322B2B}"/>
+              </a:ext>
+            </a:extLst>
+          </p:cNvPr>
+          <p:cNvPicPr>
+            <a:picLocks noChangeAspect="1" noChangeArrowheads="1"/>
+          </p:cNvPicPr>
+          <p:nvPr/>
+        </p:nvPicPr>
+        <p:blipFill>
+          <a:blip r:embed="rId2">
+            <a:extLst>
+              <a:ext uri="{28A0092B-C50C-407E-A947-70E740481C1C}">
+                <a14:useLocalDpi xmlns:a14="http://schemas.microsoft.com/office/drawing/2010/main" val="0"/>
+              </a:ext>
+            </a:extLst>
+          </a:blip>
+          <a:srcRect/>
+          <a:stretch>
+            <a:fillRect/>
+          </a:stretch>
+        </p:blipFill>
+        <p:spPr bwMode="auto">
+          <a:xfrm>
+            <a:off x="7789607" y="3136489"/>
+            <a:ext cx="2826774" cy="2826774"/>
+          </a:xfrm>
+          <a:prstGeom prst="rect">
+            <a:avLst/>
+          </a:prstGeom>
+          <a:noFill/>
+          <a:extLst>
+            <a:ext uri="{909E8E84-426E-40DD-AFC4-6F175D3DCCD1}">
+              <a14:hiddenFill xmlns:a14="http://schemas.microsoft.com/office/drawing/2010/main">
+                <a:solidFill>
+                  <a:srgbClr val="FFFFFF"/>
+                </a:solidFill>
+              </a14:hiddenFill>
+            </a:ext>
+          </a:extLst>
+        </p:spPr>
+      </p:pic>
     </p:spTree>
     <p:extLst>
       <p:ext uri="{BB962C8B-B14F-4D97-AF65-F5344CB8AC3E}">
@@ -19867,10 +20749,3068 @@
   <p:clrMapOvr>
     <a:masterClrMapping/>
   </p:clrMapOvr>
+  <p:transition spd="med">
+    <p:pull/>
+  </p:transition>
 </p:sld>
 </file>
 
 <file path=ppt/slides/slide12.xml><?xml version="1.0" encoding="utf-8"?>
+<p:sld xmlns:a="http://schemas.openxmlformats.org/drawingml/2006/main" xmlns:r="http://schemas.openxmlformats.org/officeDocument/2006/relationships" xmlns:p="http://schemas.openxmlformats.org/presentationml/2006/main">
+  <p:cSld>
+    <p:spTree>
+      <p:nvGrpSpPr>
+        <p:cNvPr id="1" name="">
+          <a:extLst>
+            <a:ext uri="{FF2B5EF4-FFF2-40B4-BE49-F238E27FC236}">
+              <a16:creationId xmlns:a16="http://schemas.microsoft.com/office/drawing/2014/main" id="{AB8BAEE6-5C0E-7CA6-740F-0C2719D4EF53}"/>
+            </a:ext>
+          </a:extLst>
+        </p:cNvPr>
+        <p:cNvGrpSpPr/>
+        <p:nvPr/>
+      </p:nvGrpSpPr>
+      <p:grpSpPr>
+        <a:xfrm>
+          <a:off x="0" y="0"/>
+          <a:ext cx="0" cy="0"/>
+          <a:chOff x="0" y="0"/>
+          <a:chExt cx="0" cy="0"/>
+        </a:xfrm>
+      </p:grpSpPr>
+      <p:sp>
+        <p:nvSpPr>
+          <p:cNvPr id="2" name="Titel 1">
+            <a:extLst>
+              <a:ext uri="{FF2B5EF4-FFF2-40B4-BE49-F238E27FC236}">
+                <a16:creationId xmlns:a16="http://schemas.microsoft.com/office/drawing/2014/main" id="{687DB625-1794-1654-6555-6A8196501802}"/>
+              </a:ext>
+            </a:extLst>
+          </p:cNvPr>
+          <p:cNvSpPr>
+            <a:spLocks noGrp="1"/>
+          </p:cNvSpPr>
+          <p:nvPr>
+            <p:ph type="title"/>
+          </p:nvPr>
+        </p:nvSpPr>
+        <p:spPr>
+          <a:xfrm>
+            <a:off x="838200" y="1030500"/>
+            <a:ext cx="10515600" cy="1325563"/>
+          </a:xfrm>
+        </p:spPr>
+        <p:txBody>
+          <a:bodyPr/>
+          <a:lstStyle/>
+          <a:p>
+            <a:r>
+              <a:rPr lang="de-AT" dirty="0"/>
+              <a:t>Flow - Architektur</a:t>
+            </a:r>
+          </a:p>
+        </p:txBody>
+      </p:sp>
+      <p:sp>
+        <p:nvSpPr>
+          <p:cNvPr id="3" name="Inhaltsplatzhalter 2">
+            <a:extLst>
+              <a:ext uri="{FF2B5EF4-FFF2-40B4-BE49-F238E27FC236}">
+                <a16:creationId xmlns:a16="http://schemas.microsoft.com/office/drawing/2014/main" id="{987230AC-E98C-442F-46EA-9B283710A060}"/>
+              </a:ext>
+            </a:extLst>
+          </p:cNvPr>
+          <p:cNvSpPr>
+            <a:spLocks noGrp="1"/>
+          </p:cNvSpPr>
+          <p:nvPr>
+            <p:ph idx="1"/>
+          </p:nvPr>
+        </p:nvSpPr>
+        <p:spPr>
+          <a:xfrm>
+            <a:off x="838200" y="2491825"/>
+            <a:ext cx="5087350" cy="3685138"/>
+          </a:xfrm>
+        </p:spPr>
+        <p:txBody>
+          <a:bodyPr>
+            <a:normAutofit/>
+          </a:bodyPr>
+          <a:lstStyle/>
+          <a:p>
+            <a:r>
+              <a:rPr lang="de-AT" b="1" dirty="0"/>
+              <a:t>Web Components:</a:t>
+            </a:r>
+          </a:p>
+          <a:p>
+            <a:pPr lvl="1"/>
+            <a:r>
+              <a:rPr lang="de-AT" sz="2200" dirty="0"/>
+              <a:t>Wiederverwendbare Komponenten (z.B. Button, </a:t>
+            </a:r>
+            <a:r>
+              <a:rPr lang="de-AT" sz="2200" dirty="0" err="1"/>
+              <a:t>Grid</a:t>
+            </a:r>
+            <a:r>
+              <a:rPr lang="de-AT" sz="2200" dirty="0"/>
+              <a:t>)</a:t>
+            </a:r>
+          </a:p>
+          <a:p>
+            <a:pPr lvl="1"/>
+            <a:r>
+              <a:rPr lang="de-AT" sz="2200" dirty="0"/>
+              <a:t>Vom Server über das Flow Framework gesteuert</a:t>
+            </a:r>
+          </a:p>
+          <a:p>
+            <a:pPr lvl="1"/>
+            <a:endParaRPr lang="de-AT" sz="800" dirty="0"/>
+          </a:p>
+          <a:p>
+            <a:r>
+              <a:rPr lang="de-AT" b="1" dirty="0" err="1"/>
+              <a:t>Theme</a:t>
+            </a:r>
+            <a:r>
+              <a:rPr lang="de-AT" b="1" dirty="0"/>
+              <a:t>:</a:t>
+            </a:r>
+          </a:p>
+          <a:p>
+            <a:pPr lvl="1"/>
+            <a:r>
+              <a:rPr lang="de-AT" sz="2200" dirty="0"/>
+              <a:t>Visuelles Design</a:t>
+            </a:r>
+          </a:p>
+          <a:p>
+            <a:pPr lvl="1"/>
+            <a:r>
+              <a:rPr lang="de-AT" sz="2200" dirty="0"/>
+              <a:t>Anpassungen erfolgt über CSS</a:t>
+            </a:r>
+          </a:p>
+        </p:txBody>
+      </p:sp>
+      <p:sp>
+        <p:nvSpPr>
+          <p:cNvPr id="4" name="Datumsplatzhalter 3">
+            <a:extLst>
+              <a:ext uri="{FF2B5EF4-FFF2-40B4-BE49-F238E27FC236}">
+                <a16:creationId xmlns:a16="http://schemas.microsoft.com/office/drawing/2014/main" id="{84DBAD89-377C-6DE7-34CA-67E8DAC5E108}"/>
+              </a:ext>
+            </a:extLst>
+          </p:cNvPr>
+          <p:cNvSpPr>
+            <a:spLocks noGrp="1"/>
+          </p:cNvSpPr>
+          <p:nvPr>
+            <p:ph type="dt" sz="half" idx="10"/>
+          </p:nvPr>
+        </p:nvSpPr>
+        <p:spPr/>
+        <p:txBody>
+          <a:bodyPr/>
+          <a:lstStyle/>
+          <a:p>
+            <a:fld id="{684D5CCA-44DE-413B-B5C1-1D136BF17977}" type="datetime1">
+              <a:rPr lang="de-AT" smtClean="0"/>
+              <a:t>25.03.2025</a:t>
+            </a:fld>
+            <a:endParaRPr lang="de-AT"/>
+          </a:p>
+        </p:txBody>
+      </p:sp>
+      <p:sp>
+        <p:nvSpPr>
+          <p:cNvPr id="5" name="Foliennummernplatzhalter 4">
+            <a:extLst>
+              <a:ext uri="{FF2B5EF4-FFF2-40B4-BE49-F238E27FC236}">
+                <a16:creationId xmlns:a16="http://schemas.microsoft.com/office/drawing/2014/main" id="{7C8A3FE4-23EE-8119-BC8B-A750459518FB}"/>
+              </a:ext>
+            </a:extLst>
+          </p:cNvPr>
+          <p:cNvSpPr>
+            <a:spLocks noGrp="1"/>
+          </p:cNvSpPr>
+          <p:nvPr>
+            <p:ph type="sldNum" sz="quarter" idx="12"/>
+          </p:nvPr>
+        </p:nvSpPr>
+        <p:spPr/>
+        <p:txBody>
+          <a:bodyPr/>
+          <a:lstStyle/>
+          <a:p>
+            <a:fld id="{45EFCB84-3E55-4BB4-B142-FD608455239A}" type="slidenum">
+              <a:rPr lang="de-AT" smtClean="0"/>
+              <a:t>12</a:t>
+            </a:fld>
+            <a:endParaRPr lang="de-AT"/>
+          </a:p>
+        </p:txBody>
+      </p:sp>
+      <p:sp>
+        <p:nvSpPr>
+          <p:cNvPr id="6" name="Textfeld 5">
+            <a:extLst>
+              <a:ext uri="{FF2B5EF4-FFF2-40B4-BE49-F238E27FC236}">
+                <a16:creationId xmlns:a16="http://schemas.microsoft.com/office/drawing/2014/main" id="{B97E3124-7DB8-64B0-80A8-4CA47FBAFE9A}"/>
+              </a:ext>
+            </a:extLst>
+          </p:cNvPr>
+          <p:cNvSpPr txBox="1"/>
+          <p:nvPr/>
+        </p:nvSpPr>
+        <p:spPr>
+          <a:xfrm>
+            <a:off x="838200" y="481781"/>
+            <a:ext cx="10515600" cy="369332"/>
+          </a:xfrm>
+          <a:prstGeom prst="rect">
+            <a:avLst/>
+          </a:prstGeom>
+          <a:noFill/>
+        </p:spPr>
+        <p:txBody>
+          <a:bodyPr wrap="square" rtlCol="0">
+            <a:spAutoFit/>
+          </a:bodyPr>
+          <a:lstStyle/>
+          <a:p>
+            <a:r>
+              <a:rPr lang="de-AT" dirty="0"/>
+              <a:t>Grundwissen &amp; Theorie</a:t>
+            </a:r>
+          </a:p>
+        </p:txBody>
+      </p:sp>
+      <p:cxnSp>
+        <p:nvCxnSpPr>
+          <p:cNvPr id="8" name="Gerader Verbinder 7">
+            <a:extLst>
+              <a:ext uri="{FF2B5EF4-FFF2-40B4-BE49-F238E27FC236}">
+                <a16:creationId xmlns:a16="http://schemas.microsoft.com/office/drawing/2014/main" id="{950FCC2F-BDAC-F36A-1DFC-64CA8ABEFAEA}"/>
+              </a:ext>
+            </a:extLst>
+          </p:cNvPr>
+          <p:cNvCxnSpPr>
+            <a:cxnSpLocks/>
+          </p:cNvCxnSpPr>
+          <p:nvPr/>
+        </p:nvCxnSpPr>
+        <p:spPr>
+          <a:xfrm>
+            <a:off x="825912" y="894737"/>
+            <a:ext cx="11100617" cy="0"/>
+          </a:xfrm>
+          <a:prstGeom prst="line">
+            <a:avLst/>
+          </a:prstGeom>
+        </p:spPr>
+        <p:style>
+          <a:lnRef idx="2">
+            <a:schemeClr val="accent1"/>
+          </a:lnRef>
+          <a:fillRef idx="0">
+            <a:schemeClr val="accent1"/>
+          </a:fillRef>
+          <a:effectRef idx="1">
+            <a:schemeClr val="accent1"/>
+          </a:effectRef>
+          <a:fontRef idx="minor">
+            <a:schemeClr val="tx1"/>
+          </a:fontRef>
+        </p:style>
+      </p:cxnSp>
+      <p:pic>
+        <p:nvPicPr>
+          <p:cNvPr id="11" name="Grafik 10">
+            <a:extLst>
+              <a:ext uri="{FF2B5EF4-FFF2-40B4-BE49-F238E27FC236}">
+                <a16:creationId xmlns:a16="http://schemas.microsoft.com/office/drawing/2014/main" id="{6CAC70BC-8E38-1E18-76D7-7AB748BAEE8A}"/>
+              </a:ext>
+            </a:extLst>
+          </p:cNvPr>
+          <p:cNvPicPr>
+            <a:picLocks noChangeAspect="1"/>
+          </p:cNvPicPr>
+          <p:nvPr/>
+        </p:nvPicPr>
+        <p:blipFill>
+          <a:blip r:embed="rId2"/>
+          <a:stretch>
+            <a:fillRect/>
+          </a:stretch>
+        </p:blipFill>
+        <p:spPr>
+          <a:xfrm>
+            <a:off x="5925551" y="978881"/>
+            <a:ext cx="5745339" cy="5645342"/>
+          </a:xfrm>
+          <a:prstGeom prst="rect">
+            <a:avLst/>
+          </a:prstGeom>
+        </p:spPr>
+      </p:pic>
+      <p:grpSp>
+        <p:nvGrpSpPr>
+          <p:cNvPr id="18" name="Gruppieren 17">
+            <a:extLst>
+              <a:ext uri="{FF2B5EF4-FFF2-40B4-BE49-F238E27FC236}">
+                <a16:creationId xmlns:a16="http://schemas.microsoft.com/office/drawing/2014/main" id="{2A639AEC-51C7-678E-A0FF-203230994931}"/>
+              </a:ext>
+            </a:extLst>
+          </p:cNvPr>
+          <p:cNvGrpSpPr/>
+          <p:nvPr/>
+        </p:nvGrpSpPr>
+        <p:grpSpPr>
+          <a:xfrm>
+            <a:off x="5925550" y="1030500"/>
+            <a:ext cx="5666682" cy="1116711"/>
+            <a:chOff x="5925550" y="1030500"/>
+            <a:chExt cx="5666682" cy="1116711"/>
+          </a:xfrm>
+        </p:grpSpPr>
+        <p:cxnSp>
+          <p:nvCxnSpPr>
+            <p:cNvPr id="13" name="Gerader Verbinder 12">
+              <a:extLst>
+                <a:ext uri="{FF2B5EF4-FFF2-40B4-BE49-F238E27FC236}">
+                  <a16:creationId xmlns:a16="http://schemas.microsoft.com/office/drawing/2014/main" id="{A1548F13-DB0D-265C-987A-03A895A032A0}"/>
+                </a:ext>
+              </a:extLst>
+            </p:cNvPr>
+            <p:cNvCxnSpPr/>
+            <p:nvPr/>
+          </p:nvCxnSpPr>
+          <p:spPr>
+            <a:xfrm>
+              <a:off x="5925551" y="1030500"/>
+              <a:ext cx="5666681" cy="0"/>
+            </a:xfrm>
+            <a:prstGeom prst="line">
+              <a:avLst/>
+            </a:prstGeom>
+            <a:ln w="76200"/>
+          </p:spPr>
+          <p:style>
+            <a:lnRef idx="2">
+              <a:schemeClr val="accent1"/>
+            </a:lnRef>
+            <a:fillRef idx="0">
+              <a:schemeClr val="accent1"/>
+            </a:fillRef>
+            <a:effectRef idx="1">
+              <a:schemeClr val="accent1"/>
+            </a:effectRef>
+            <a:fontRef idx="minor">
+              <a:schemeClr val="tx1"/>
+            </a:fontRef>
+          </p:style>
+        </p:cxnSp>
+        <p:cxnSp>
+          <p:nvCxnSpPr>
+            <p:cNvPr id="14" name="Gerader Verbinder 13">
+              <a:extLst>
+                <a:ext uri="{FF2B5EF4-FFF2-40B4-BE49-F238E27FC236}">
+                  <a16:creationId xmlns:a16="http://schemas.microsoft.com/office/drawing/2014/main" id="{CDD30572-BB61-4253-223B-5A88429751E1}"/>
+                </a:ext>
+              </a:extLst>
+            </p:cNvPr>
+            <p:cNvCxnSpPr/>
+            <p:nvPr/>
+          </p:nvCxnSpPr>
+          <p:spPr>
+            <a:xfrm>
+              <a:off x="5925550" y="2133876"/>
+              <a:ext cx="5666681" cy="0"/>
+            </a:xfrm>
+            <a:prstGeom prst="line">
+              <a:avLst/>
+            </a:prstGeom>
+            <a:ln w="76200"/>
+          </p:spPr>
+          <p:style>
+            <a:lnRef idx="2">
+              <a:schemeClr val="accent1"/>
+            </a:lnRef>
+            <a:fillRef idx="0">
+              <a:schemeClr val="accent1"/>
+            </a:fillRef>
+            <a:effectRef idx="1">
+              <a:schemeClr val="accent1"/>
+            </a:effectRef>
+            <a:fontRef idx="minor">
+              <a:schemeClr val="tx1"/>
+            </a:fontRef>
+          </p:style>
+        </p:cxnSp>
+        <p:cxnSp>
+          <p:nvCxnSpPr>
+            <p:cNvPr id="16" name="Gerader Verbinder 15">
+              <a:extLst>
+                <a:ext uri="{FF2B5EF4-FFF2-40B4-BE49-F238E27FC236}">
+                  <a16:creationId xmlns:a16="http://schemas.microsoft.com/office/drawing/2014/main" id="{03498F95-BF98-7DD9-8681-2CE1C476980B}"/>
+                </a:ext>
+              </a:extLst>
+            </p:cNvPr>
+            <p:cNvCxnSpPr/>
+            <p:nvPr/>
+          </p:nvCxnSpPr>
+          <p:spPr>
+            <a:xfrm>
+              <a:off x="5963650" y="1043835"/>
+              <a:ext cx="0" cy="1103376"/>
+            </a:xfrm>
+            <a:prstGeom prst="line">
+              <a:avLst/>
+            </a:prstGeom>
+            <a:ln w="76200"/>
+          </p:spPr>
+          <p:style>
+            <a:lnRef idx="2">
+              <a:schemeClr val="accent1"/>
+            </a:lnRef>
+            <a:fillRef idx="0">
+              <a:schemeClr val="accent1"/>
+            </a:fillRef>
+            <a:effectRef idx="1">
+              <a:schemeClr val="accent1"/>
+            </a:effectRef>
+            <a:fontRef idx="minor">
+              <a:schemeClr val="tx1"/>
+            </a:fontRef>
+          </p:style>
+        </p:cxnSp>
+        <p:cxnSp>
+          <p:nvCxnSpPr>
+            <p:cNvPr id="17" name="Gerader Verbinder 16">
+              <a:extLst>
+                <a:ext uri="{FF2B5EF4-FFF2-40B4-BE49-F238E27FC236}">
+                  <a16:creationId xmlns:a16="http://schemas.microsoft.com/office/drawing/2014/main" id="{8402477B-089C-2EBA-34B3-1284AF279AB9}"/>
+                </a:ext>
+              </a:extLst>
+            </p:cNvPr>
+            <p:cNvCxnSpPr/>
+            <p:nvPr/>
+          </p:nvCxnSpPr>
+          <p:spPr>
+            <a:xfrm>
+              <a:off x="11555512" y="1030500"/>
+              <a:ext cx="0" cy="1103376"/>
+            </a:xfrm>
+            <a:prstGeom prst="line">
+              <a:avLst/>
+            </a:prstGeom>
+            <a:ln w="76200"/>
+          </p:spPr>
+          <p:style>
+            <a:lnRef idx="2">
+              <a:schemeClr val="accent1"/>
+            </a:lnRef>
+            <a:fillRef idx="0">
+              <a:schemeClr val="accent1"/>
+            </a:fillRef>
+            <a:effectRef idx="1">
+              <a:schemeClr val="accent1"/>
+            </a:effectRef>
+            <a:fontRef idx="minor">
+              <a:schemeClr val="tx1"/>
+            </a:fontRef>
+          </p:style>
+        </p:cxnSp>
+      </p:grpSp>
+    </p:spTree>
+    <p:extLst>
+      <p:ext uri="{BB962C8B-B14F-4D97-AF65-F5344CB8AC3E}">
+        <p14:creationId xmlns:p14="http://schemas.microsoft.com/office/powerpoint/2010/main" val="1039809952"/>
+      </p:ext>
+    </p:extLst>
+  </p:cSld>
+  <p:clrMapOvr>
+    <a:masterClrMapping/>
+  </p:clrMapOvr>
+  <p:transition spd="med">
+    <p:pull/>
+  </p:transition>
+</p:sld>
+</file>
+
+<file path=ppt/slides/slide13.xml><?xml version="1.0" encoding="utf-8"?>
+<p:sld xmlns:a="http://schemas.openxmlformats.org/drawingml/2006/main" xmlns:r="http://schemas.openxmlformats.org/officeDocument/2006/relationships" xmlns:p="http://schemas.openxmlformats.org/presentationml/2006/main">
+  <p:cSld>
+    <p:spTree>
+      <p:nvGrpSpPr>
+        <p:cNvPr id="1" name="">
+          <a:extLst>
+            <a:ext uri="{FF2B5EF4-FFF2-40B4-BE49-F238E27FC236}">
+              <a16:creationId xmlns:a16="http://schemas.microsoft.com/office/drawing/2014/main" id="{D29DBF48-B3D5-CAFC-F866-F851D5DEC108}"/>
+            </a:ext>
+          </a:extLst>
+        </p:cNvPr>
+        <p:cNvGrpSpPr/>
+        <p:nvPr/>
+      </p:nvGrpSpPr>
+      <p:grpSpPr>
+        <a:xfrm>
+          <a:off x="0" y="0"/>
+          <a:ext cx="0" cy="0"/>
+          <a:chOff x="0" y="0"/>
+          <a:chExt cx="0" cy="0"/>
+        </a:xfrm>
+      </p:grpSpPr>
+      <p:sp>
+        <p:nvSpPr>
+          <p:cNvPr id="2" name="Titel 1">
+            <a:extLst>
+              <a:ext uri="{FF2B5EF4-FFF2-40B4-BE49-F238E27FC236}">
+                <a16:creationId xmlns:a16="http://schemas.microsoft.com/office/drawing/2014/main" id="{726B580B-DC31-616A-AB2F-E565AF893305}"/>
+              </a:ext>
+            </a:extLst>
+          </p:cNvPr>
+          <p:cNvSpPr>
+            <a:spLocks noGrp="1"/>
+          </p:cNvSpPr>
+          <p:nvPr>
+            <p:ph type="title"/>
+          </p:nvPr>
+        </p:nvSpPr>
+        <p:spPr>
+          <a:xfrm>
+            <a:off x="838200" y="1030500"/>
+            <a:ext cx="10515600" cy="1325563"/>
+          </a:xfrm>
+        </p:spPr>
+        <p:txBody>
+          <a:bodyPr/>
+          <a:lstStyle/>
+          <a:p>
+            <a:r>
+              <a:rPr lang="de-AT" dirty="0"/>
+              <a:t>Flow - Architektur</a:t>
+            </a:r>
+          </a:p>
+        </p:txBody>
+      </p:sp>
+      <p:sp>
+        <p:nvSpPr>
+          <p:cNvPr id="3" name="Inhaltsplatzhalter 2">
+            <a:extLst>
+              <a:ext uri="{FF2B5EF4-FFF2-40B4-BE49-F238E27FC236}">
+                <a16:creationId xmlns:a16="http://schemas.microsoft.com/office/drawing/2014/main" id="{C179E220-28C1-99DE-9C8E-E02DCE8694D5}"/>
+              </a:ext>
+            </a:extLst>
+          </p:cNvPr>
+          <p:cNvSpPr>
+            <a:spLocks noGrp="1"/>
+          </p:cNvSpPr>
+          <p:nvPr>
+            <p:ph idx="1"/>
+          </p:nvPr>
+        </p:nvSpPr>
+        <p:spPr>
+          <a:xfrm>
+            <a:off x="838200" y="2491825"/>
+            <a:ext cx="5087350" cy="3685138"/>
+          </a:xfrm>
+        </p:spPr>
+        <p:txBody>
+          <a:bodyPr>
+            <a:normAutofit/>
+          </a:bodyPr>
+          <a:lstStyle/>
+          <a:p>
+            <a:r>
+              <a:rPr lang="de-AT" b="1" dirty="0"/>
+              <a:t>Server-Side Components:</a:t>
+            </a:r>
+          </a:p>
+          <a:p>
+            <a:pPr lvl="1"/>
+            <a:r>
+              <a:rPr lang="de-AT" sz="2200" dirty="0"/>
+              <a:t>Kernlogik der Anwendung</a:t>
+            </a:r>
+          </a:p>
+          <a:p>
+            <a:pPr lvl="1"/>
+            <a:r>
+              <a:rPr lang="de-AT" sz="2200" dirty="0"/>
+              <a:t>Flow verwaltet UI vollständig auf dem Server </a:t>
+            </a:r>
+          </a:p>
+          <a:p>
+            <a:pPr lvl="2">
+              <a:buFont typeface="Wingdings" panose="05000000000000000000" pitchFamily="2" charset="2"/>
+              <a:buChar char="à"/>
+            </a:pPr>
+            <a:r>
+              <a:rPr lang="de-AT" sz="2200" dirty="0">
+                <a:sym typeface="Wingdings" panose="05000000000000000000" pitchFamily="2" charset="2"/>
+              </a:rPr>
+              <a:t>Kein direkter Zugriff auf DOM </a:t>
+            </a:r>
+          </a:p>
+          <a:p>
+            <a:pPr marL="914400" lvl="2" indent="0">
+              <a:buNone/>
+            </a:pPr>
+            <a:r>
+              <a:rPr lang="de-AT" sz="2200" dirty="0">
+                <a:sym typeface="Wingdings" panose="05000000000000000000" pitchFamily="2" charset="2"/>
+              </a:rPr>
+              <a:t>     oder JavaScript</a:t>
+            </a:r>
+            <a:endParaRPr lang="de-AT" sz="2200" dirty="0"/>
+          </a:p>
+          <a:p>
+            <a:pPr marL="457200" lvl="1" indent="0">
+              <a:buNone/>
+            </a:pPr>
+            <a:endParaRPr lang="de-AT" sz="800" dirty="0"/>
+          </a:p>
+        </p:txBody>
+      </p:sp>
+      <p:sp>
+        <p:nvSpPr>
+          <p:cNvPr id="4" name="Datumsplatzhalter 3">
+            <a:extLst>
+              <a:ext uri="{FF2B5EF4-FFF2-40B4-BE49-F238E27FC236}">
+                <a16:creationId xmlns:a16="http://schemas.microsoft.com/office/drawing/2014/main" id="{2904DB74-59B4-C0AE-E13C-A93FC07678F1}"/>
+              </a:ext>
+            </a:extLst>
+          </p:cNvPr>
+          <p:cNvSpPr>
+            <a:spLocks noGrp="1"/>
+          </p:cNvSpPr>
+          <p:nvPr>
+            <p:ph type="dt" sz="half" idx="10"/>
+          </p:nvPr>
+        </p:nvSpPr>
+        <p:spPr/>
+        <p:txBody>
+          <a:bodyPr/>
+          <a:lstStyle/>
+          <a:p>
+            <a:fld id="{684D5CCA-44DE-413B-B5C1-1D136BF17977}" type="datetime1">
+              <a:rPr lang="de-AT" smtClean="0"/>
+              <a:t>25.03.2025</a:t>
+            </a:fld>
+            <a:endParaRPr lang="de-AT"/>
+          </a:p>
+        </p:txBody>
+      </p:sp>
+      <p:sp>
+        <p:nvSpPr>
+          <p:cNvPr id="5" name="Foliennummernplatzhalter 4">
+            <a:extLst>
+              <a:ext uri="{FF2B5EF4-FFF2-40B4-BE49-F238E27FC236}">
+                <a16:creationId xmlns:a16="http://schemas.microsoft.com/office/drawing/2014/main" id="{C2E974CB-6628-76C9-EE0B-50AC495EBC56}"/>
+              </a:ext>
+            </a:extLst>
+          </p:cNvPr>
+          <p:cNvSpPr>
+            <a:spLocks noGrp="1"/>
+          </p:cNvSpPr>
+          <p:nvPr>
+            <p:ph type="sldNum" sz="quarter" idx="12"/>
+          </p:nvPr>
+        </p:nvSpPr>
+        <p:spPr/>
+        <p:txBody>
+          <a:bodyPr/>
+          <a:lstStyle/>
+          <a:p>
+            <a:fld id="{45EFCB84-3E55-4BB4-B142-FD608455239A}" type="slidenum">
+              <a:rPr lang="de-AT" smtClean="0"/>
+              <a:t>13</a:t>
+            </a:fld>
+            <a:endParaRPr lang="de-AT"/>
+          </a:p>
+        </p:txBody>
+      </p:sp>
+      <p:sp>
+        <p:nvSpPr>
+          <p:cNvPr id="6" name="Textfeld 5">
+            <a:extLst>
+              <a:ext uri="{FF2B5EF4-FFF2-40B4-BE49-F238E27FC236}">
+                <a16:creationId xmlns:a16="http://schemas.microsoft.com/office/drawing/2014/main" id="{ED4BD3FC-E2F3-BFA9-A46D-101F444A6394}"/>
+              </a:ext>
+            </a:extLst>
+          </p:cNvPr>
+          <p:cNvSpPr txBox="1"/>
+          <p:nvPr/>
+        </p:nvSpPr>
+        <p:spPr>
+          <a:xfrm>
+            <a:off x="838200" y="481781"/>
+            <a:ext cx="10515600" cy="369332"/>
+          </a:xfrm>
+          <a:prstGeom prst="rect">
+            <a:avLst/>
+          </a:prstGeom>
+          <a:noFill/>
+        </p:spPr>
+        <p:txBody>
+          <a:bodyPr wrap="square" rtlCol="0">
+            <a:spAutoFit/>
+          </a:bodyPr>
+          <a:lstStyle/>
+          <a:p>
+            <a:r>
+              <a:rPr lang="de-AT" dirty="0"/>
+              <a:t>Grundwissen &amp; Theorie</a:t>
+            </a:r>
+          </a:p>
+        </p:txBody>
+      </p:sp>
+      <p:cxnSp>
+        <p:nvCxnSpPr>
+          <p:cNvPr id="8" name="Gerader Verbinder 7">
+            <a:extLst>
+              <a:ext uri="{FF2B5EF4-FFF2-40B4-BE49-F238E27FC236}">
+                <a16:creationId xmlns:a16="http://schemas.microsoft.com/office/drawing/2014/main" id="{B1FC7DBB-72EC-FD3F-6CB5-4F7A6ADD943C}"/>
+              </a:ext>
+            </a:extLst>
+          </p:cNvPr>
+          <p:cNvCxnSpPr>
+            <a:cxnSpLocks/>
+          </p:cNvCxnSpPr>
+          <p:nvPr/>
+        </p:nvCxnSpPr>
+        <p:spPr>
+          <a:xfrm>
+            <a:off x="825912" y="894737"/>
+            <a:ext cx="11100617" cy="0"/>
+          </a:xfrm>
+          <a:prstGeom prst="line">
+            <a:avLst/>
+          </a:prstGeom>
+        </p:spPr>
+        <p:style>
+          <a:lnRef idx="2">
+            <a:schemeClr val="accent1"/>
+          </a:lnRef>
+          <a:fillRef idx="0">
+            <a:schemeClr val="accent1"/>
+          </a:fillRef>
+          <a:effectRef idx="1">
+            <a:schemeClr val="accent1"/>
+          </a:effectRef>
+          <a:fontRef idx="minor">
+            <a:schemeClr val="tx1"/>
+          </a:fontRef>
+        </p:style>
+      </p:cxnSp>
+      <p:pic>
+        <p:nvPicPr>
+          <p:cNvPr id="11" name="Grafik 10">
+            <a:extLst>
+              <a:ext uri="{FF2B5EF4-FFF2-40B4-BE49-F238E27FC236}">
+                <a16:creationId xmlns:a16="http://schemas.microsoft.com/office/drawing/2014/main" id="{8979B7F3-BCE9-8C70-BAAB-47321DCF5ACF}"/>
+              </a:ext>
+            </a:extLst>
+          </p:cNvPr>
+          <p:cNvPicPr>
+            <a:picLocks noChangeAspect="1"/>
+          </p:cNvPicPr>
+          <p:nvPr/>
+        </p:nvPicPr>
+        <p:blipFill>
+          <a:blip r:embed="rId2"/>
+          <a:stretch>
+            <a:fillRect/>
+          </a:stretch>
+        </p:blipFill>
+        <p:spPr>
+          <a:xfrm>
+            <a:off x="5925551" y="978881"/>
+            <a:ext cx="5745339" cy="5645342"/>
+          </a:xfrm>
+          <a:prstGeom prst="rect">
+            <a:avLst/>
+          </a:prstGeom>
+        </p:spPr>
+      </p:pic>
+      <p:cxnSp>
+        <p:nvCxnSpPr>
+          <p:cNvPr id="13" name="Gerader Verbinder 12">
+            <a:extLst>
+              <a:ext uri="{FF2B5EF4-FFF2-40B4-BE49-F238E27FC236}">
+                <a16:creationId xmlns:a16="http://schemas.microsoft.com/office/drawing/2014/main" id="{46FBA021-4934-69E6-75AE-E6EE189F05C2}"/>
+              </a:ext>
+            </a:extLst>
+          </p:cNvPr>
+          <p:cNvCxnSpPr/>
+          <p:nvPr/>
+        </p:nvCxnSpPr>
+        <p:spPr>
+          <a:xfrm>
+            <a:off x="5925551" y="4962420"/>
+            <a:ext cx="5666681" cy="0"/>
+          </a:xfrm>
+          <a:prstGeom prst="line">
+            <a:avLst/>
+          </a:prstGeom>
+          <a:ln w="76200"/>
+        </p:spPr>
+        <p:style>
+          <a:lnRef idx="2">
+            <a:schemeClr val="accent1"/>
+          </a:lnRef>
+          <a:fillRef idx="0">
+            <a:schemeClr val="accent1"/>
+          </a:fillRef>
+          <a:effectRef idx="1">
+            <a:schemeClr val="accent1"/>
+          </a:effectRef>
+          <a:fontRef idx="minor">
+            <a:schemeClr val="tx1"/>
+          </a:fontRef>
+        </p:style>
+      </p:cxnSp>
+      <p:cxnSp>
+        <p:nvCxnSpPr>
+          <p:cNvPr id="14" name="Gerader Verbinder 13">
+            <a:extLst>
+              <a:ext uri="{FF2B5EF4-FFF2-40B4-BE49-F238E27FC236}">
+                <a16:creationId xmlns:a16="http://schemas.microsoft.com/office/drawing/2014/main" id="{B61CD7F8-ADCB-7300-2817-ACA0E51AACBC}"/>
+              </a:ext>
+            </a:extLst>
+          </p:cNvPr>
+          <p:cNvCxnSpPr/>
+          <p:nvPr/>
+        </p:nvCxnSpPr>
+        <p:spPr>
+          <a:xfrm>
+            <a:off x="5925551" y="2443756"/>
+            <a:ext cx="5666681" cy="0"/>
+          </a:xfrm>
+          <a:prstGeom prst="line">
+            <a:avLst/>
+          </a:prstGeom>
+          <a:ln w="76200"/>
+        </p:spPr>
+        <p:style>
+          <a:lnRef idx="2">
+            <a:schemeClr val="accent1"/>
+          </a:lnRef>
+          <a:fillRef idx="0">
+            <a:schemeClr val="accent1"/>
+          </a:fillRef>
+          <a:effectRef idx="1">
+            <a:schemeClr val="accent1"/>
+          </a:effectRef>
+          <a:fontRef idx="minor">
+            <a:schemeClr val="tx1"/>
+          </a:fontRef>
+        </p:style>
+      </p:cxnSp>
+      <p:cxnSp>
+        <p:nvCxnSpPr>
+          <p:cNvPr id="16" name="Gerader Verbinder 15">
+            <a:extLst>
+              <a:ext uri="{FF2B5EF4-FFF2-40B4-BE49-F238E27FC236}">
+                <a16:creationId xmlns:a16="http://schemas.microsoft.com/office/drawing/2014/main" id="{4B756FEF-438C-E509-2A4B-8CB0994B09D3}"/>
+              </a:ext>
+            </a:extLst>
+          </p:cNvPr>
+          <p:cNvCxnSpPr>
+            <a:cxnSpLocks/>
+          </p:cNvCxnSpPr>
+          <p:nvPr/>
+        </p:nvCxnSpPr>
+        <p:spPr>
+          <a:xfrm>
+            <a:off x="5965920" y="2405656"/>
+            <a:ext cx="0" cy="2575284"/>
+          </a:xfrm>
+          <a:prstGeom prst="line">
+            <a:avLst/>
+          </a:prstGeom>
+          <a:ln w="76200"/>
+        </p:spPr>
+        <p:style>
+          <a:lnRef idx="2">
+            <a:schemeClr val="accent1"/>
+          </a:lnRef>
+          <a:fillRef idx="0">
+            <a:schemeClr val="accent1"/>
+          </a:fillRef>
+          <a:effectRef idx="1">
+            <a:schemeClr val="accent1"/>
+          </a:effectRef>
+          <a:fontRef idx="minor">
+            <a:schemeClr val="tx1"/>
+          </a:fontRef>
+        </p:style>
+      </p:cxnSp>
+      <p:cxnSp>
+        <p:nvCxnSpPr>
+          <p:cNvPr id="17" name="Gerader Verbinder 16">
+            <a:extLst>
+              <a:ext uri="{FF2B5EF4-FFF2-40B4-BE49-F238E27FC236}">
+                <a16:creationId xmlns:a16="http://schemas.microsoft.com/office/drawing/2014/main" id="{944FFD57-D314-5891-71E2-EB0AEBD147D4}"/>
+              </a:ext>
+            </a:extLst>
+          </p:cNvPr>
+          <p:cNvCxnSpPr>
+            <a:cxnSpLocks/>
+          </p:cNvCxnSpPr>
+          <p:nvPr/>
+        </p:nvCxnSpPr>
+        <p:spPr>
+          <a:xfrm>
+            <a:off x="11545352" y="2405656"/>
+            <a:ext cx="0" cy="2575284"/>
+          </a:xfrm>
+          <a:prstGeom prst="line">
+            <a:avLst/>
+          </a:prstGeom>
+          <a:ln w="76200"/>
+        </p:spPr>
+        <p:style>
+          <a:lnRef idx="2">
+            <a:schemeClr val="accent1"/>
+          </a:lnRef>
+          <a:fillRef idx="0">
+            <a:schemeClr val="accent1"/>
+          </a:fillRef>
+          <a:effectRef idx="1">
+            <a:schemeClr val="accent1"/>
+          </a:effectRef>
+          <a:fontRef idx="minor">
+            <a:schemeClr val="tx1"/>
+          </a:fontRef>
+        </p:style>
+      </p:cxnSp>
+      <p:grpSp>
+        <p:nvGrpSpPr>
+          <p:cNvPr id="22" name="Gruppieren 21">
+            <a:extLst>
+              <a:ext uri="{FF2B5EF4-FFF2-40B4-BE49-F238E27FC236}">
+                <a16:creationId xmlns:a16="http://schemas.microsoft.com/office/drawing/2014/main" id="{2D7C736A-2D07-1122-1442-87C5E0A7AB7E}"/>
+              </a:ext>
+            </a:extLst>
+          </p:cNvPr>
+          <p:cNvGrpSpPr/>
+          <p:nvPr/>
+        </p:nvGrpSpPr>
+        <p:grpSpPr>
+          <a:xfrm>
+            <a:off x="5899881" y="2405656"/>
+            <a:ext cx="5666681" cy="2613384"/>
+            <a:chOff x="5899881" y="2405656"/>
+            <a:chExt cx="5666681" cy="2613384"/>
+          </a:xfrm>
+        </p:grpSpPr>
+        <p:cxnSp>
+          <p:nvCxnSpPr>
+            <p:cNvPr id="12" name="Gerader Verbinder 11">
+              <a:extLst>
+                <a:ext uri="{FF2B5EF4-FFF2-40B4-BE49-F238E27FC236}">
+                  <a16:creationId xmlns:a16="http://schemas.microsoft.com/office/drawing/2014/main" id="{13DE7DB5-55BA-3781-4D56-CCAA2963C8E7}"/>
+                </a:ext>
+              </a:extLst>
+            </p:cNvPr>
+            <p:cNvCxnSpPr/>
+            <p:nvPr/>
+          </p:nvCxnSpPr>
+          <p:spPr>
+            <a:xfrm>
+              <a:off x="5899881" y="4985280"/>
+              <a:ext cx="5666681" cy="0"/>
+            </a:xfrm>
+            <a:prstGeom prst="line">
+              <a:avLst/>
+            </a:prstGeom>
+            <a:ln w="76200"/>
+          </p:spPr>
+          <p:style>
+            <a:lnRef idx="2">
+              <a:schemeClr val="accent1"/>
+            </a:lnRef>
+            <a:fillRef idx="0">
+              <a:schemeClr val="accent1"/>
+            </a:fillRef>
+            <a:effectRef idx="1">
+              <a:schemeClr val="accent1"/>
+            </a:effectRef>
+            <a:fontRef idx="minor">
+              <a:schemeClr val="tx1"/>
+            </a:fontRef>
+          </p:style>
+        </p:cxnSp>
+        <p:cxnSp>
+          <p:nvCxnSpPr>
+            <p:cNvPr id="15" name="Gerader Verbinder 14">
+              <a:extLst>
+                <a:ext uri="{FF2B5EF4-FFF2-40B4-BE49-F238E27FC236}">
+                  <a16:creationId xmlns:a16="http://schemas.microsoft.com/office/drawing/2014/main" id="{9AC170B4-2C9E-0E42-F174-0B21BEBB1FAC}"/>
+                </a:ext>
+              </a:extLst>
+            </p:cNvPr>
+            <p:cNvCxnSpPr/>
+            <p:nvPr/>
+          </p:nvCxnSpPr>
+          <p:spPr>
+            <a:xfrm>
+              <a:off x="5899881" y="2466616"/>
+              <a:ext cx="5666681" cy="0"/>
+            </a:xfrm>
+            <a:prstGeom prst="line">
+              <a:avLst/>
+            </a:prstGeom>
+            <a:ln w="76200"/>
+          </p:spPr>
+          <p:style>
+            <a:lnRef idx="2">
+              <a:schemeClr val="accent1"/>
+            </a:lnRef>
+            <a:fillRef idx="0">
+              <a:schemeClr val="accent1"/>
+            </a:fillRef>
+            <a:effectRef idx="1">
+              <a:schemeClr val="accent1"/>
+            </a:effectRef>
+            <a:fontRef idx="minor">
+              <a:schemeClr val="tx1"/>
+            </a:fontRef>
+          </p:style>
+        </p:cxnSp>
+        <p:cxnSp>
+          <p:nvCxnSpPr>
+            <p:cNvPr id="18" name="Gerader Verbinder 17">
+              <a:extLst>
+                <a:ext uri="{FF2B5EF4-FFF2-40B4-BE49-F238E27FC236}">
+                  <a16:creationId xmlns:a16="http://schemas.microsoft.com/office/drawing/2014/main" id="{55E2FF5C-DDB0-761E-E42D-BD2FB87438BD}"/>
+                </a:ext>
+              </a:extLst>
+            </p:cNvPr>
+            <p:cNvCxnSpPr>
+              <a:cxnSpLocks/>
+            </p:cNvCxnSpPr>
+            <p:nvPr/>
+          </p:nvCxnSpPr>
+          <p:spPr>
+            <a:xfrm>
+              <a:off x="5942250" y="2405656"/>
+              <a:ext cx="0" cy="2613384"/>
+            </a:xfrm>
+            <a:prstGeom prst="line">
+              <a:avLst/>
+            </a:prstGeom>
+            <a:ln w="76200"/>
+          </p:spPr>
+          <p:style>
+            <a:lnRef idx="2">
+              <a:schemeClr val="accent1"/>
+            </a:lnRef>
+            <a:fillRef idx="0">
+              <a:schemeClr val="accent1"/>
+            </a:fillRef>
+            <a:effectRef idx="1">
+              <a:schemeClr val="accent1"/>
+            </a:effectRef>
+            <a:fontRef idx="minor">
+              <a:schemeClr val="tx1"/>
+            </a:fontRef>
+          </p:style>
+        </p:cxnSp>
+        <p:cxnSp>
+          <p:nvCxnSpPr>
+            <p:cNvPr id="19" name="Gerader Verbinder 18">
+              <a:extLst>
+                <a:ext uri="{FF2B5EF4-FFF2-40B4-BE49-F238E27FC236}">
+                  <a16:creationId xmlns:a16="http://schemas.microsoft.com/office/drawing/2014/main" id="{9D173618-AC03-C7F2-4FF6-2AAB3AF7F0B7}"/>
+                </a:ext>
+              </a:extLst>
+            </p:cNvPr>
+            <p:cNvCxnSpPr>
+              <a:cxnSpLocks/>
+            </p:cNvCxnSpPr>
+            <p:nvPr/>
+          </p:nvCxnSpPr>
+          <p:spPr>
+            <a:xfrm>
+              <a:off x="11519682" y="2428516"/>
+              <a:ext cx="0" cy="2575284"/>
+            </a:xfrm>
+            <a:prstGeom prst="line">
+              <a:avLst/>
+            </a:prstGeom>
+            <a:ln w="76200"/>
+          </p:spPr>
+          <p:style>
+            <a:lnRef idx="2">
+              <a:schemeClr val="accent1"/>
+            </a:lnRef>
+            <a:fillRef idx="0">
+              <a:schemeClr val="accent1"/>
+            </a:fillRef>
+            <a:effectRef idx="1">
+              <a:schemeClr val="accent1"/>
+            </a:effectRef>
+            <a:fontRef idx="minor">
+              <a:schemeClr val="tx1"/>
+            </a:fontRef>
+          </p:style>
+        </p:cxnSp>
+      </p:grpSp>
+    </p:spTree>
+    <p:extLst>
+      <p:ext uri="{BB962C8B-B14F-4D97-AF65-F5344CB8AC3E}">
+        <p14:creationId xmlns:p14="http://schemas.microsoft.com/office/powerpoint/2010/main" val="3160281058"/>
+      </p:ext>
+    </p:extLst>
+  </p:cSld>
+  <p:clrMapOvr>
+    <a:masterClrMapping/>
+  </p:clrMapOvr>
+  <mc:AlternateContent xmlns:mc="http://schemas.openxmlformats.org/markup-compatibility/2006">
+    <mc:Choice xmlns:p159="http://schemas.microsoft.com/office/powerpoint/2015/09/main" Requires="p159">
+      <p:transition xmlns:p14="http://schemas.microsoft.com/office/powerpoint/2010/main" spd="slow" p14:dur="2000">
+        <p159:morph option="byObject"/>
+      </p:transition>
+    </mc:Choice>
+    <mc:Fallback>
+      <p:transition spd="slow">
+        <p:fade/>
+      </p:transition>
+    </mc:Fallback>
+  </mc:AlternateContent>
+</p:sld>
+</file>
+
+<file path=ppt/slides/slide14.xml><?xml version="1.0" encoding="utf-8"?>
+<p:sld xmlns:a="http://schemas.openxmlformats.org/drawingml/2006/main" xmlns:r="http://schemas.openxmlformats.org/officeDocument/2006/relationships" xmlns:p="http://schemas.openxmlformats.org/presentationml/2006/main">
+  <p:cSld>
+    <p:spTree>
+      <p:nvGrpSpPr>
+        <p:cNvPr id="1" name="">
+          <a:extLst>
+            <a:ext uri="{FF2B5EF4-FFF2-40B4-BE49-F238E27FC236}">
+              <a16:creationId xmlns:a16="http://schemas.microsoft.com/office/drawing/2014/main" id="{9574E467-E886-DCFD-01B0-4A51F8F4E3C3}"/>
+            </a:ext>
+          </a:extLst>
+        </p:cNvPr>
+        <p:cNvGrpSpPr/>
+        <p:nvPr/>
+      </p:nvGrpSpPr>
+      <p:grpSpPr>
+        <a:xfrm>
+          <a:off x="0" y="0"/>
+          <a:ext cx="0" cy="0"/>
+          <a:chOff x="0" y="0"/>
+          <a:chExt cx="0" cy="0"/>
+        </a:xfrm>
+      </p:grpSpPr>
+      <p:sp>
+        <p:nvSpPr>
+          <p:cNvPr id="2" name="Titel 1">
+            <a:extLst>
+              <a:ext uri="{FF2B5EF4-FFF2-40B4-BE49-F238E27FC236}">
+                <a16:creationId xmlns:a16="http://schemas.microsoft.com/office/drawing/2014/main" id="{782FAF28-B0F6-12FD-14A3-EE29D3878F5A}"/>
+              </a:ext>
+            </a:extLst>
+          </p:cNvPr>
+          <p:cNvSpPr>
+            <a:spLocks noGrp="1"/>
+          </p:cNvSpPr>
+          <p:nvPr>
+            <p:ph type="title"/>
+          </p:nvPr>
+        </p:nvSpPr>
+        <p:spPr>
+          <a:xfrm>
+            <a:off x="838200" y="1030500"/>
+            <a:ext cx="10515600" cy="1325563"/>
+          </a:xfrm>
+        </p:spPr>
+        <p:txBody>
+          <a:bodyPr/>
+          <a:lstStyle/>
+          <a:p>
+            <a:r>
+              <a:rPr lang="de-AT" dirty="0"/>
+              <a:t>Flow - Architektur</a:t>
+            </a:r>
+          </a:p>
+        </p:txBody>
+      </p:sp>
+      <p:sp>
+        <p:nvSpPr>
+          <p:cNvPr id="3" name="Inhaltsplatzhalter 2">
+            <a:extLst>
+              <a:ext uri="{FF2B5EF4-FFF2-40B4-BE49-F238E27FC236}">
+                <a16:creationId xmlns:a16="http://schemas.microsoft.com/office/drawing/2014/main" id="{737D22D5-A116-DC03-6A57-E5361DCC13FF}"/>
+              </a:ext>
+            </a:extLst>
+          </p:cNvPr>
+          <p:cNvSpPr>
+            <a:spLocks noGrp="1"/>
+          </p:cNvSpPr>
+          <p:nvPr>
+            <p:ph idx="1"/>
+          </p:nvPr>
+        </p:nvSpPr>
+        <p:spPr>
+          <a:xfrm>
+            <a:off x="838200" y="2113935"/>
+            <a:ext cx="5087350" cy="4395020"/>
+          </a:xfrm>
+        </p:spPr>
+        <p:txBody>
+          <a:bodyPr>
+            <a:normAutofit lnSpcReduction="10000"/>
+          </a:bodyPr>
+          <a:lstStyle/>
+          <a:p>
+            <a:r>
+              <a:rPr lang="de-AT" b="1" dirty="0" err="1"/>
+              <a:t>Application</a:t>
+            </a:r>
+            <a:r>
+              <a:rPr lang="de-AT" b="1" dirty="0"/>
+              <a:t> Views:</a:t>
+            </a:r>
+          </a:p>
+          <a:p>
+            <a:pPr lvl="1"/>
+            <a:r>
+              <a:rPr lang="de-AT" sz="2200" dirty="0"/>
+              <a:t>Anwendung besteht aus Views</a:t>
+            </a:r>
+          </a:p>
+          <a:p>
+            <a:pPr lvl="1"/>
+            <a:r>
+              <a:rPr lang="de-AT" sz="2200" dirty="0"/>
+              <a:t>Definieren die Struktur der UI</a:t>
+            </a:r>
+          </a:p>
+          <a:p>
+            <a:pPr lvl="1"/>
+            <a:endParaRPr lang="de-AT" sz="800" b="1" dirty="0"/>
+          </a:p>
+          <a:p>
+            <a:r>
+              <a:rPr lang="de-AT" b="1" dirty="0"/>
+              <a:t>Event </a:t>
+            </a:r>
+            <a:r>
+              <a:rPr lang="de-AT" b="1" dirty="0" err="1"/>
+              <a:t>Listeners</a:t>
+            </a:r>
+            <a:r>
+              <a:rPr lang="de-AT" b="1" dirty="0"/>
+              <a:t>:</a:t>
+            </a:r>
+          </a:p>
+          <a:p>
+            <a:pPr lvl="1"/>
+            <a:r>
+              <a:rPr lang="de-AT" sz="2200" dirty="0"/>
+              <a:t>Benutzeraktionen (z.B. Button-Klicks)</a:t>
+            </a:r>
+          </a:p>
+          <a:p>
+            <a:pPr lvl="1"/>
+            <a:r>
+              <a:rPr lang="de-AT" sz="2200" dirty="0"/>
+              <a:t>Events zwischen Browser und Server automatisch synchronisiert</a:t>
+            </a:r>
+          </a:p>
+          <a:p>
+            <a:pPr lvl="1"/>
+            <a:endParaRPr lang="de-AT" sz="900" b="1" dirty="0"/>
+          </a:p>
+          <a:p>
+            <a:r>
+              <a:rPr lang="de-AT" b="1" dirty="0"/>
+              <a:t>Data Binding:</a:t>
+            </a:r>
+          </a:p>
+          <a:p>
+            <a:pPr lvl="1"/>
+            <a:r>
+              <a:rPr lang="de-AT" sz="2200" dirty="0"/>
+              <a:t>Binder zwischen UI-Komponenten und Datenmodellen</a:t>
+            </a:r>
+          </a:p>
+        </p:txBody>
+      </p:sp>
+      <p:sp>
+        <p:nvSpPr>
+          <p:cNvPr id="4" name="Datumsplatzhalter 3">
+            <a:extLst>
+              <a:ext uri="{FF2B5EF4-FFF2-40B4-BE49-F238E27FC236}">
+                <a16:creationId xmlns:a16="http://schemas.microsoft.com/office/drawing/2014/main" id="{0BA73DA8-EDF3-EC0D-CE2E-189254F3D52C}"/>
+              </a:ext>
+            </a:extLst>
+          </p:cNvPr>
+          <p:cNvSpPr>
+            <a:spLocks noGrp="1"/>
+          </p:cNvSpPr>
+          <p:nvPr>
+            <p:ph type="dt" sz="half" idx="10"/>
+          </p:nvPr>
+        </p:nvSpPr>
+        <p:spPr/>
+        <p:txBody>
+          <a:bodyPr/>
+          <a:lstStyle/>
+          <a:p>
+            <a:fld id="{684D5CCA-44DE-413B-B5C1-1D136BF17977}" type="datetime1">
+              <a:rPr lang="de-AT" smtClean="0"/>
+              <a:t>25.03.2025</a:t>
+            </a:fld>
+            <a:endParaRPr lang="de-AT"/>
+          </a:p>
+        </p:txBody>
+      </p:sp>
+      <p:sp>
+        <p:nvSpPr>
+          <p:cNvPr id="5" name="Foliennummernplatzhalter 4">
+            <a:extLst>
+              <a:ext uri="{FF2B5EF4-FFF2-40B4-BE49-F238E27FC236}">
+                <a16:creationId xmlns:a16="http://schemas.microsoft.com/office/drawing/2014/main" id="{C5232A8C-7F31-0445-0485-A38EBC6DE38F}"/>
+              </a:ext>
+            </a:extLst>
+          </p:cNvPr>
+          <p:cNvSpPr>
+            <a:spLocks noGrp="1"/>
+          </p:cNvSpPr>
+          <p:nvPr>
+            <p:ph type="sldNum" sz="quarter" idx="12"/>
+          </p:nvPr>
+        </p:nvSpPr>
+        <p:spPr/>
+        <p:txBody>
+          <a:bodyPr/>
+          <a:lstStyle/>
+          <a:p>
+            <a:fld id="{45EFCB84-3E55-4BB4-B142-FD608455239A}" type="slidenum">
+              <a:rPr lang="de-AT" smtClean="0"/>
+              <a:t>14</a:t>
+            </a:fld>
+            <a:endParaRPr lang="de-AT"/>
+          </a:p>
+        </p:txBody>
+      </p:sp>
+      <p:sp>
+        <p:nvSpPr>
+          <p:cNvPr id="6" name="Textfeld 5">
+            <a:extLst>
+              <a:ext uri="{FF2B5EF4-FFF2-40B4-BE49-F238E27FC236}">
+                <a16:creationId xmlns:a16="http://schemas.microsoft.com/office/drawing/2014/main" id="{9C23F24F-3F89-F647-96B6-3478D12812B1}"/>
+              </a:ext>
+            </a:extLst>
+          </p:cNvPr>
+          <p:cNvSpPr txBox="1"/>
+          <p:nvPr/>
+        </p:nvSpPr>
+        <p:spPr>
+          <a:xfrm>
+            <a:off x="838200" y="481781"/>
+            <a:ext cx="10515600" cy="369332"/>
+          </a:xfrm>
+          <a:prstGeom prst="rect">
+            <a:avLst/>
+          </a:prstGeom>
+          <a:noFill/>
+        </p:spPr>
+        <p:txBody>
+          <a:bodyPr wrap="square" rtlCol="0">
+            <a:spAutoFit/>
+          </a:bodyPr>
+          <a:lstStyle/>
+          <a:p>
+            <a:r>
+              <a:rPr lang="de-AT" dirty="0"/>
+              <a:t>Grundwissen &amp; Theorie</a:t>
+            </a:r>
+          </a:p>
+        </p:txBody>
+      </p:sp>
+      <p:cxnSp>
+        <p:nvCxnSpPr>
+          <p:cNvPr id="8" name="Gerader Verbinder 7">
+            <a:extLst>
+              <a:ext uri="{FF2B5EF4-FFF2-40B4-BE49-F238E27FC236}">
+                <a16:creationId xmlns:a16="http://schemas.microsoft.com/office/drawing/2014/main" id="{3A78DA86-84BA-825C-248A-90A809A8915F}"/>
+              </a:ext>
+            </a:extLst>
+          </p:cNvPr>
+          <p:cNvCxnSpPr>
+            <a:cxnSpLocks/>
+          </p:cNvCxnSpPr>
+          <p:nvPr/>
+        </p:nvCxnSpPr>
+        <p:spPr>
+          <a:xfrm>
+            <a:off x="825912" y="894737"/>
+            <a:ext cx="11100617" cy="0"/>
+          </a:xfrm>
+          <a:prstGeom prst="line">
+            <a:avLst/>
+          </a:prstGeom>
+        </p:spPr>
+        <p:style>
+          <a:lnRef idx="2">
+            <a:schemeClr val="accent1"/>
+          </a:lnRef>
+          <a:fillRef idx="0">
+            <a:schemeClr val="accent1"/>
+          </a:fillRef>
+          <a:effectRef idx="1">
+            <a:schemeClr val="accent1"/>
+          </a:effectRef>
+          <a:fontRef idx="minor">
+            <a:schemeClr val="tx1"/>
+          </a:fontRef>
+        </p:style>
+      </p:cxnSp>
+      <p:pic>
+        <p:nvPicPr>
+          <p:cNvPr id="11" name="Grafik 10">
+            <a:extLst>
+              <a:ext uri="{FF2B5EF4-FFF2-40B4-BE49-F238E27FC236}">
+                <a16:creationId xmlns:a16="http://schemas.microsoft.com/office/drawing/2014/main" id="{2289AD56-9D34-8D22-0C08-96553E9BC2C3}"/>
+              </a:ext>
+            </a:extLst>
+          </p:cNvPr>
+          <p:cNvPicPr>
+            <a:picLocks noChangeAspect="1"/>
+          </p:cNvPicPr>
+          <p:nvPr/>
+        </p:nvPicPr>
+        <p:blipFill>
+          <a:blip r:embed="rId2"/>
+          <a:stretch>
+            <a:fillRect/>
+          </a:stretch>
+        </p:blipFill>
+        <p:spPr>
+          <a:xfrm>
+            <a:off x="5925551" y="978881"/>
+            <a:ext cx="5745339" cy="5645342"/>
+          </a:xfrm>
+          <a:prstGeom prst="rect">
+            <a:avLst/>
+          </a:prstGeom>
+        </p:spPr>
+      </p:pic>
+      <p:cxnSp>
+        <p:nvCxnSpPr>
+          <p:cNvPr id="13" name="Gerader Verbinder 12">
+            <a:extLst>
+              <a:ext uri="{FF2B5EF4-FFF2-40B4-BE49-F238E27FC236}">
+                <a16:creationId xmlns:a16="http://schemas.microsoft.com/office/drawing/2014/main" id="{532CEF7F-6BA1-8638-4512-D93D5DF3E9ED}"/>
+              </a:ext>
+            </a:extLst>
+          </p:cNvPr>
+          <p:cNvCxnSpPr/>
+          <p:nvPr/>
+        </p:nvCxnSpPr>
+        <p:spPr>
+          <a:xfrm>
+            <a:off x="5925551" y="4962420"/>
+            <a:ext cx="5666681" cy="0"/>
+          </a:xfrm>
+          <a:prstGeom prst="line">
+            <a:avLst/>
+          </a:prstGeom>
+          <a:ln w="76200"/>
+        </p:spPr>
+        <p:style>
+          <a:lnRef idx="2">
+            <a:schemeClr val="accent1"/>
+          </a:lnRef>
+          <a:fillRef idx="0">
+            <a:schemeClr val="accent1"/>
+          </a:fillRef>
+          <a:effectRef idx="1">
+            <a:schemeClr val="accent1"/>
+          </a:effectRef>
+          <a:fontRef idx="minor">
+            <a:schemeClr val="tx1"/>
+          </a:fontRef>
+        </p:style>
+      </p:cxnSp>
+      <p:cxnSp>
+        <p:nvCxnSpPr>
+          <p:cNvPr id="14" name="Gerader Verbinder 13">
+            <a:extLst>
+              <a:ext uri="{FF2B5EF4-FFF2-40B4-BE49-F238E27FC236}">
+                <a16:creationId xmlns:a16="http://schemas.microsoft.com/office/drawing/2014/main" id="{C28BAECF-CC8A-4665-77DD-10FF0449D2EF}"/>
+              </a:ext>
+            </a:extLst>
+          </p:cNvPr>
+          <p:cNvCxnSpPr/>
+          <p:nvPr/>
+        </p:nvCxnSpPr>
+        <p:spPr>
+          <a:xfrm>
+            <a:off x="5925551" y="2443756"/>
+            <a:ext cx="5666681" cy="0"/>
+          </a:xfrm>
+          <a:prstGeom prst="line">
+            <a:avLst/>
+          </a:prstGeom>
+          <a:ln w="76200"/>
+        </p:spPr>
+        <p:style>
+          <a:lnRef idx="2">
+            <a:schemeClr val="accent1"/>
+          </a:lnRef>
+          <a:fillRef idx="0">
+            <a:schemeClr val="accent1"/>
+          </a:fillRef>
+          <a:effectRef idx="1">
+            <a:schemeClr val="accent1"/>
+          </a:effectRef>
+          <a:fontRef idx="minor">
+            <a:schemeClr val="tx1"/>
+          </a:fontRef>
+        </p:style>
+      </p:cxnSp>
+      <p:cxnSp>
+        <p:nvCxnSpPr>
+          <p:cNvPr id="16" name="Gerader Verbinder 15">
+            <a:extLst>
+              <a:ext uri="{FF2B5EF4-FFF2-40B4-BE49-F238E27FC236}">
+                <a16:creationId xmlns:a16="http://schemas.microsoft.com/office/drawing/2014/main" id="{D157619C-7FA4-BB6C-C902-EBFB7DCE509C}"/>
+              </a:ext>
+            </a:extLst>
+          </p:cNvPr>
+          <p:cNvCxnSpPr>
+            <a:cxnSpLocks/>
+          </p:cNvCxnSpPr>
+          <p:nvPr/>
+        </p:nvCxnSpPr>
+        <p:spPr>
+          <a:xfrm>
+            <a:off x="5965920" y="2405656"/>
+            <a:ext cx="0" cy="2575284"/>
+          </a:xfrm>
+          <a:prstGeom prst="line">
+            <a:avLst/>
+          </a:prstGeom>
+          <a:ln w="76200"/>
+        </p:spPr>
+        <p:style>
+          <a:lnRef idx="2">
+            <a:schemeClr val="accent1"/>
+          </a:lnRef>
+          <a:fillRef idx="0">
+            <a:schemeClr val="accent1"/>
+          </a:fillRef>
+          <a:effectRef idx="1">
+            <a:schemeClr val="accent1"/>
+          </a:effectRef>
+          <a:fontRef idx="minor">
+            <a:schemeClr val="tx1"/>
+          </a:fontRef>
+        </p:style>
+      </p:cxnSp>
+      <p:cxnSp>
+        <p:nvCxnSpPr>
+          <p:cNvPr id="17" name="Gerader Verbinder 16">
+            <a:extLst>
+              <a:ext uri="{FF2B5EF4-FFF2-40B4-BE49-F238E27FC236}">
+                <a16:creationId xmlns:a16="http://schemas.microsoft.com/office/drawing/2014/main" id="{54E27AD0-A28B-E639-3A14-1F9668CAD8EF}"/>
+              </a:ext>
+            </a:extLst>
+          </p:cNvPr>
+          <p:cNvCxnSpPr>
+            <a:cxnSpLocks/>
+          </p:cNvCxnSpPr>
+          <p:nvPr/>
+        </p:nvCxnSpPr>
+        <p:spPr>
+          <a:xfrm>
+            <a:off x="11545352" y="2405656"/>
+            <a:ext cx="0" cy="2575284"/>
+          </a:xfrm>
+          <a:prstGeom prst="line">
+            <a:avLst/>
+          </a:prstGeom>
+          <a:ln w="76200"/>
+        </p:spPr>
+        <p:style>
+          <a:lnRef idx="2">
+            <a:schemeClr val="accent1"/>
+          </a:lnRef>
+          <a:fillRef idx="0">
+            <a:schemeClr val="accent1"/>
+          </a:fillRef>
+          <a:effectRef idx="1">
+            <a:schemeClr val="accent1"/>
+          </a:effectRef>
+          <a:fontRef idx="minor">
+            <a:schemeClr val="tx1"/>
+          </a:fontRef>
+        </p:style>
+      </p:cxnSp>
+      <p:grpSp>
+        <p:nvGrpSpPr>
+          <p:cNvPr id="22" name="Gruppieren 21">
+            <a:extLst>
+              <a:ext uri="{FF2B5EF4-FFF2-40B4-BE49-F238E27FC236}">
+                <a16:creationId xmlns:a16="http://schemas.microsoft.com/office/drawing/2014/main" id="{60987B2E-212B-68BA-A304-F1DA7E4FC47A}"/>
+              </a:ext>
+            </a:extLst>
+          </p:cNvPr>
+          <p:cNvGrpSpPr/>
+          <p:nvPr/>
+        </p:nvGrpSpPr>
+        <p:grpSpPr>
+          <a:xfrm>
+            <a:off x="5899881" y="2405656"/>
+            <a:ext cx="5666681" cy="2613384"/>
+            <a:chOff x="5899881" y="2405656"/>
+            <a:chExt cx="5666681" cy="2613384"/>
+          </a:xfrm>
+        </p:grpSpPr>
+        <p:cxnSp>
+          <p:nvCxnSpPr>
+            <p:cNvPr id="12" name="Gerader Verbinder 11">
+              <a:extLst>
+                <a:ext uri="{FF2B5EF4-FFF2-40B4-BE49-F238E27FC236}">
+                  <a16:creationId xmlns:a16="http://schemas.microsoft.com/office/drawing/2014/main" id="{CDD5F2FE-120B-ACDA-0226-90967D21C32B}"/>
+                </a:ext>
+              </a:extLst>
+            </p:cNvPr>
+            <p:cNvCxnSpPr/>
+            <p:nvPr/>
+          </p:nvCxnSpPr>
+          <p:spPr>
+            <a:xfrm>
+              <a:off x="5899881" y="4985280"/>
+              <a:ext cx="5666681" cy="0"/>
+            </a:xfrm>
+            <a:prstGeom prst="line">
+              <a:avLst/>
+            </a:prstGeom>
+            <a:ln w="76200"/>
+          </p:spPr>
+          <p:style>
+            <a:lnRef idx="2">
+              <a:schemeClr val="accent1"/>
+            </a:lnRef>
+            <a:fillRef idx="0">
+              <a:schemeClr val="accent1"/>
+            </a:fillRef>
+            <a:effectRef idx="1">
+              <a:schemeClr val="accent1"/>
+            </a:effectRef>
+            <a:fontRef idx="minor">
+              <a:schemeClr val="tx1"/>
+            </a:fontRef>
+          </p:style>
+        </p:cxnSp>
+        <p:cxnSp>
+          <p:nvCxnSpPr>
+            <p:cNvPr id="15" name="Gerader Verbinder 14">
+              <a:extLst>
+                <a:ext uri="{FF2B5EF4-FFF2-40B4-BE49-F238E27FC236}">
+                  <a16:creationId xmlns:a16="http://schemas.microsoft.com/office/drawing/2014/main" id="{DE489F36-0FC3-CE6A-B77B-BDA72440EE50}"/>
+                </a:ext>
+              </a:extLst>
+            </p:cNvPr>
+            <p:cNvCxnSpPr/>
+            <p:nvPr/>
+          </p:nvCxnSpPr>
+          <p:spPr>
+            <a:xfrm>
+              <a:off x="5899881" y="2466616"/>
+              <a:ext cx="5666681" cy="0"/>
+            </a:xfrm>
+            <a:prstGeom prst="line">
+              <a:avLst/>
+            </a:prstGeom>
+            <a:ln w="76200"/>
+          </p:spPr>
+          <p:style>
+            <a:lnRef idx="2">
+              <a:schemeClr val="accent1"/>
+            </a:lnRef>
+            <a:fillRef idx="0">
+              <a:schemeClr val="accent1"/>
+            </a:fillRef>
+            <a:effectRef idx="1">
+              <a:schemeClr val="accent1"/>
+            </a:effectRef>
+            <a:fontRef idx="minor">
+              <a:schemeClr val="tx1"/>
+            </a:fontRef>
+          </p:style>
+        </p:cxnSp>
+        <p:cxnSp>
+          <p:nvCxnSpPr>
+            <p:cNvPr id="18" name="Gerader Verbinder 17">
+              <a:extLst>
+                <a:ext uri="{FF2B5EF4-FFF2-40B4-BE49-F238E27FC236}">
+                  <a16:creationId xmlns:a16="http://schemas.microsoft.com/office/drawing/2014/main" id="{C348A49E-A480-86C3-E5CA-C4CC3B477BEC}"/>
+                </a:ext>
+              </a:extLst>
+            </p:cNvPr>
+            <p:cNvCxnSpPr>
+              <a:cxnSpLocks/>
+            </p:cNvCxnSpPr>
+            <p:nvPr/>
+          </p:nvCxnSpPr>
+          <p:spPr>
+            <a:xfrm>
+              <a:off x="5942250" y="2405656"/>
+              <a:ext cx="0" cy="2613384"/>
+            </a:xfrm>
+            <a:prstGeom prst="line">
+              <a:avLst/>
+            </a:prstGeom>
+            <a:ln w="76200"/>
+          </p:spPr>
+          <p:style>
+            <a:lnRef idx="2">
+              <a:schemeClr val="accent1"/>
+            </a:lnRef>
+            <a:fillRef idx="0">
+              <a:schemeClr val="accent1"/>
+            </a:fillRef>
+            <a:effectRef idx="1">
+              <a:schemeClr val="accent1"/>
+            </a:effectRef>
+            <a:fontRef idx="minor">
+              <a:schemeClr val="tx1"/>
+            </a:fontRef>
+          </p:style>
+        </p:cxnSp>
+        <p:cxnSp>
+          <p:nvCxnSpPr>
+            <p:cNvPr id="19" name="Gerader Verbinder 18">
+              <a:extLst>
+                <a:ext uri="{FF2B5EF4-FFF2-40B4-BE49-F238E27FC236}">
+                  <a16:creationId xmlns:a16="http://schemas.microsoft.com/office/drawing/2014/main" id="{582E0C7F-F2A4-65AC-4D9C-69C700E8AFDE}"/>
+                </a:ext>
+              </a:extLst>
+            </p:cNvPr>
+            <p:cNvCxnSpPr>
+              <a:cxnSpLocks/>
+            </p:cNvCxnSpPr>
+            <p:nvPr/>
+          </p:nvCxnSpPr>
+          <p:spPr>
+            <a:xfrm>
+              <a:off x="11519682" y="2428516"/>
+              <a:ext cx="0" cy="2575284"/>
+            </a:xfrm>
+            <a:prstGeom prst="line">
+              <a:avLst/>
+            </a:prstGeom>
+            <a:ln w="76200"/>
+          </p:spPr>
+          <p:style>
+            <a:lnRef idx="2">
+              <a:schemeClr val="accent1"/>
+            </a:lnRef>
+            <a:fillRef idx="0">
+              <a:schemeClr val="accent1"/>
+            </a:fillRef>
+            <a:effectRef idx="1">
+              <a:schemeClr val="accent1"/>
+            </a:effectRef>
+            <a:fontRef idx="minor">
+              <a:schemeClr val="tx1"/>
+            </a:fontRef>
+          </p:style>
+        </p:cxnSp>
+      </p:grpSp>
+    </p:spTree>
+    <p:extLst>
+      <p:ext uri="{BB962C8B-B14F-4D97-AF65-F5344CB8AC3E}">
+        <p14:creationId xmlns:p14="http://schemas.microsoft.com/office/powerpoint/2010/main" val="1662969405"/>
+      </p:ext>
+    </p:extLst>
+  </p:cSld>
+  <p:clrMapOvr>
+    <a:masterClrMapping/>
+  </p:clrMapOvr>
+  <mc:AlternateContent xmlns:mc="http://schemas.openxmlformats.org/markup-compatibility/2006">
+    <mc:Choice xmlns:p159="http://schemas.microsoft.com/office/powerpoint/2015/09/main" Requires="p159">
+      <p:transition xmlns:p14="http://schemas.microsoft.com/office/powerpoint/2010/main" spd="slow" p14:dur="2000">
+        <p159:morph option="byObject"/>
+      </p:transition>
+    </mc:Choice>
+    <mc:Fallback>
+      <p:transition spd="slow">
+        <p:fade/>
+      </p:transition>
+    </mc:Fallback>
+  </mc:AlternateContent>
+</p:sld>
+</file>
+
+<file path=ppt/slides/slide15.xml><?xml version="1.0" encoding="utf-8"?>
+<p:sld xmlns:a="http://schemas.openxmlformats.org/drawingml/2006/main" xmlns:r="http://schemas.openxmlformats.org/officeDocument/2006/relationships" xmlns:p="http://schemas.openxmlformats.org/presentationml/2006/main">
+  <p:cSld>
+    <p:spTree>
+      <p:nvGrpSpPr>
+        <p:cNvPr id="1" name="">
+          <a:extLst>
+            <a:ext uri="{FF2B5EF4-FFF2-40B4-BE49-F238E27FC236}">
+              <a16:creationId xmlns:a16="http://schemas.microsoft.com/office/drawing/2014/main" id="{BD492640-E025-C782-8E65-B7304120ABD7}"/>
+            </a:ext>
+          </a:extLst>
+        </p:cNvPr>
+        <p:cNvGrpSpPr/>
+        <p:nvPr/>
+      </p:nvGrpSpPr>
+      <p:grpSpPr>
+        <a:xfrm>
+          <a:off x="0" y="0"/>
+          <a:ext cx="0" cy="0"/>
+          <a:chOff x="0" y="0"/>
+          <a:chExt cx="0" cy="0"/>
+        </a:xfrm>
+      </p:grpSpPr>
+      <p:sp>
+        <p:nvSpPr>
+          <p:cNvPr id="2" name="Titel 1">
+            <a:extLst>
+              <a:ext uri="{FF2B5EF4-FFF2-40B4-BE49-F238E27FC236}">
+                <a16:creationId xmlns:a16="http://schemas.microsoft.com/office/drawing/2014/main" id="{7B62A924-EB69-44FE-2457-7DA9617A39E7}"/>
+              </a:ext>
+            </a:extLst>
+          </p:cNvPr>
+          <p:cNvSpPr>
+            <a:spLocks noGrp="1"/>
+          </p:cNvSpPr>
+          <p:nvPr>
+            <p:ph type="title"/>
+          </p:nvPr>
+        </p:nvSpPr>
+        <p:spPr>
+          <a:xfrm>
+            <a:off x="838200" y="1030500"/>
+            <a:ext cx="10515600" cy="1325563"/>
+          </a:xfrm>
+        </p:spPr>
+        <p:txBody>
+          <a:bodyPr/>
+          <a:lstStyle/>
+          <a:p>
+            <a:r>
+              <a:rPr lang="de-AT" dirty="0"/>
+              <a:t>Flow - Architektur</a:t>
+            </a:r>
+          </a:p>
+        </p:txBody>
+      </p:sp>
+      <p:sp>
+        <p:nvSpPr>
+          <p:cNvPr id="3" name="Inhaltsplatzhalter 2">
+            <a:extLst>
+              <a:ext uri="{FF2B5EF4-FFF2-40B4-BE49-F238E27FC236}">
+                <a16:creationId xmlns:a16="http://schemas.microsoft.com/office/drawing/2014/main" id="{914BF00E-A46E-BDC4-89AE-6586CE778636}"/>
+              </a:ext>
+            </a:extLst>
+          </p:cNvPr>
+          <p:cNvSpPr>
+            <a:spLocks noGrp="1"/>
+          </p:cNvSpPr>
+          <p:nvPr>
+            <p:ph idx="1"/>
+          </p:nvPr>
+        </p:nvSpPr>
+        <p:spPr>
+          <a:xfrm>
+            <a:off x="838200" y="2113935"/>
+            <a:ext cx="5087350" cy="4395020"/>
+          </a:xfrm>
+        </p:spPr>
+        <p:txBody>
+          <a:bodyPr>
+            <a:normAutofit/>
+          </a:bodyPr>
+          <a:lstStyle/>
+          <a:p>
+            <a:r>
+              <a:rPr lang="de-AT" b="1" dirty="0"/>
+              <a:t>REST:</a:t>
+            </a:r>
+          </a:p>
+          <a:p>
+            <a:pPr lvl="1"/>
+            <a:r>
+              <a:rPr lang="de-AT" sz="2200" dirty="0"/>
+              <a:t>REST-APIs können bereitgestellt werden</a:t>
+            </a:r>
+          </a:p>
+          <a:p>
+            <a:pPr lvl="1"/>
+            <a:r>
+              <a:rPr lang="de-AT" sz="2200" dirty="0"/>
+              <a:t>Spring Boot kann integriert werden</a:t>
+            </a:r>
+          </a:p>
+          <a:p>
+            <a:pPr lvl="1"/>
+            <a:endParaRPr lang="de-AT" sz="1400" dirty="0"/>
+          </a:p>
+          <a:p>
+            <a:r>
+              <a:rPr lang="de-AT" b="1" dirty="0"/>
+              <a:t>Business </a:t>
+            </a:r>
+            <a:r>
+              <a:rPr lang="de-AT" b="1" dirty="0" err="1"/>
+              <a:t>Logic</a:t>
+            </a:r>
+            <a:r>
+              <a:rPr lang="de-AT" b="1" dirty="0"/>
+              <a:t>:</a:t>
+            </a:r>
+          </a:p>
+          <a:p>
+            <a:pPr lvl="1"/>
+            <a:r>
+              <a:rPr lang="de-AT" sz="2200" dirty="0"/>
+              <a:t>In Service-Klassen gekapselt</a:t>
+            </a:r>
+          </a:p>
+          <a:p>
+            <a:pPr lvl="1"/>
+            <a:endParaRPr lang="de-AT" sz="1400" dirty="0"/>
+          </a:p>
+          <a:p>
+            <a:r>
+              <a:rPr lang="de-AT" b="1" dirty="0"/>
+              <a:t>Database:</a:t>
+            </a:r>
+          </a:p>
+          <a:p>
+            <a:pPr lvl="1"/>
+            <a:r>
+              <a:rPr lang="de-AT" sz="2200" dirty="0"/>
+              <a:t>Datenbankzugriff erfolgt meist mit Spring Data JPA</a:t>
+            </a:r>
+          </a:p>
+        </p:txBody>
+      </p:sp>
+      <p:sp>
+        <p:nvSpPr>
+          <p:cNvPr id="4" name="Datumsplatzhalter 3">
+            <a:extLst>
+              <a:ext uri="{FF2B5EF4-FFF2-40B4-BE49-F238E27FC236}">
+                <a16:creationId xmlns:a16="http://schemas.microsoft.com/office/drawing/2014/main" id="{BD4B5FA2-5BF8-48A9-A6A3-6664B9A16055}"/>
+              </a:ext>
+            </a:extLst>
+          </p:cNvPr>
+          <p:cNvSpPr>
+            <a:spLocks noGrp="1"/>
+          </p:cNvSpPr>
+          <p:nvPr>
+            <p:ph type="dt" sz="half" idx="10"/>
+          </p:nvPr>
+        </p:nvSpPr>
+        <p:spPr/>
+        <p:txBody>
+          <a:bodyPr/>
+          <a:lstStyle/>
+          <a:p>
+            <a:fld id="{684D5CCA-44DE-413B-B5C1-1D136BF17977}" type="datetime1">
+              <a:rPr lang="de-AT" smtClean="0"/>
+              <a:t>25.03.2025</a:t>
+            </a:fld>
+            <a:endParaRPr lang="de-AT"/>
+          </a:p>
+        </p:txBody>
+      </p:sp>
+      <p:sp>
+        <p:nvSpPr>
+          <p:cNvPr id="5" name="Foliennummernplatzhalter 4">
+            <a:extLst>
+              <a:ext uri="{FF2B5EF4-FFF2-40B4-BE49-F238E27FC236}">
+                <a16:creationId xmlns:a16="http://schemas.microsoft.com/office/drawing/2014/main" id="{CDD31952-8617-C9D2-A9A1-F5CFDFA46C34}"/>
+              </a:ext>
+            </a:extLst>
+          </p:cNvPr>
+          <p:cNvSpPr>
+            <a:spLocks noGrp="1"/>
+          </p:cNvSpPr>
+          <p:nvPr>
+            <p:ph type="sldNum" sz="quarter" idx="12"/>
+          </p:nvPr>
+        </p:nvSpPr>
+        <p:spPr/>
+        <p:txBody>
+          <a:bodyPr/>
+          <a:lstStyle/>
+          <a:p>
+            <a:fld id="{45EFCB84-3E55-4BB4-B142-FD608455239A}" type="slidenum">
+              <a:rPr lang="de-AT" smtClean="0"/>
+              <a:t>15</a:t>
+            </a:fld>
+            <a:endParaRPr lang="de-AT"/>
+          </a:p>
+        </p:txBody>
+      </p:sp>
+      <p:sp>
+        <p:nvSpPr>
+          <p:cNvPr id="6" name="Textfeld 5">
+            <a:extLst>
+              <a:ext uri="{FF2B5EF4-FFF2-40B4-BE49-F238E27FC236}">
+                <a16:creationId xmlns:a16="http://schemas.microsoft.com/office/drawing/2014/main" id="{E3B33659-A3A3-BFD9-DB0C-ACEB7B0467CF}"/>
+              </a:ext>
+            </a:extLst>
+          </p:cNvPr>
+          <p:cNvSpPr txBox="1"/>
+          <p:nvPr/>
+        </p:nvSpPr>
+        <p:spPr>
+          <a:xfrm>
+            <a:off x="838200" y="481781"/>
+            <a:ext cx="10515600" cy="369332"/>
+          </a:xfrm>
+          <a:prstGeom prst="rect">
+            <a:avLst/>
+          </a:prstGeom>
+          <a:noFill/>
+        </p:spPr>
+        <p:txBody>
+          <a:bodyPr wrap="square" rtlCol="0">
+            <a:spAutoFit/>
+          </a:bodyPr>
+          <a:lstStyle/>
+          <a:p>
+            <a:r>
+              <a:rPr lang="de-AT" dirty="0"/>
+              <a:t>Grundwissen &amp; Theorie</a:t>
+            </a:r>
+          </a:p>
+        </p:txBody>
+      </p:sp>
+      <p:cxnSp>
+        <p:nvCxnSpPr>
+          <p:cNvPr id="8" name="Gerader Verbinder 7">
+            <a:extLst>
+              <a:ext uri="{FF2B5EF4-FFF2-40B4-BE49-F238E27FC236}">
+                <a16:creationId xmlns:a16="http://schemas.microsoft.com/office/drawing/2014/main" id="{4773F3B1-5412-8E4D-B2A9-147A832D454F}"/>
+              </a:ext>
+            </a:extLst>
+          </p:cNvPr>
+          <p:cNvCxnSpPr>
+            <a:cxnSpLocks/>
+          </p:cNvCxnSpPr>
+          <p:nvPr/>
+        </p:nvCxnSpPr>
+        <p:spPr>
+          <a:xfrm>
+            <a:off x="825912" y="894737"/>
+            <a:ext cx="11100617" cy="0"/>
+          </a:xfrm>
+          <a:prstGeom prst="line">
+            <a:avLst/>
+          </a:prstGeom>
+        </p:spPr>
+        <p:style>
+          <a:lnRef idx="2">
+            <a:schemeClr val="accent1"/>
+          </a:lnRef>
+          <a:fillRef idx="0">
+            <a:schemeClr val="accent1"/>
+          </a:fillRef>
+          <a:effectRef idx="1">
+            <a:schemeClr val="accent1"/>
+          </a:effectRef>
+          <a:fontRef idx="minor">
+            <a:schemeClr val="tx1"/>
+          </a:fontRef>
+        </p:style>
+      </p:cxnSp>
+      <p:pic>
+        <p:nvPicPr>
+          <p:cNvPr id="11" name="Grafik 10">
+            <a:extLst>
+              <a:ext uri="{FF2B5EF4-FFF2-40B4-BE49-F238E27FC236}">
+                <a16:creationId xmlns:a16="http://schemas.microsoft.com/office/drawing/2014/main" id="{0C6BA16B-6250-593B-63E9-C6A8EC5BA247}"/>
+              </a:ext>
+            </a:extLst>
+          </p:cNvPr>
+          <p:cNvPicPr>
+            <a:picLocks noChangeAspect="1"/>
+          </p:cNvPicPr>
+          <p:nvPr/>
+        </p:nvPicPr>
+        <p:blipFill>
+          <a:blip r:embed="rId2"/>
+          <a:stretch>
+            <a:fillRect/>
+          </a:stretch>
+        </p:blipFill>
+        <p:spPr>
+          <a:xfrm>
+            <a:off x="5925551" y="978881"/>
+            <a:ext cx="5745339" cy="5645342"/>
+          </a:xfrm>
+          <a:prstGeom prst="rect">
+            <a:avLst/>
+          </a:prstGeom>
+        </p:spPr>
+      </p:pic>
+      <p:grpSp>
+        <p:nvGrpSpPr>
+          <p:cNvPr id="21" name="Gruppieren 20">
+            <a:extLst>
+              <a:ext uri="{FF2B5EF4-FFF2-40B4-BE49-F238E27FC236}">
+                <a16:creationId xmlns:a16="http://schemas.microsoft.com/office/drawing/2014/main" id="{26AAAD69-FFBF-BD36-73E6-7EF9EFC44E39}"/>
+              </a:ext>
+            </a:extLst>
+          </p:cNvPr>
+          <p:cNvGrpSpPr/>
+          <p:nvPr/>
+        </p:nvGrpSpPr>
+        <p:grpSpPr>
+          <a:xfrm>
+            <a:off x="5925550" y="5231166"/>
+            <a:ext cx="5683381" cy="1393057"/>
+            <a:chOff x="5925550" y="5231166"/>
+            <a:chExt cx="5683381" cy="1393057"/>
+          </a:xfrm>
+        </p:grpSpPr>
+        <p:cxnSp>
+          <p:nvCxnSpPr>
+            <p:cNvPr id="13" name="Gerader Verbinder 12">
+              <a:extLst>
+                <a:ext uri="{FF2B5EF4-FFF2-40B4-BE49-F238E27FC236}">
+                  <a16:creationId xmlns:a16="http://schemas.microsoft.com/office/drawing/2014/main" id="{0834B266-955C-2E51-945D-23999D3DA683}"/>
+                </a:ext>
+              </a:extLst>
+            </p:cNvPr>
+            <p:cNvCxnSpPr/>
+            <p:nvPr/>
+          </p:nvCxnSpPr>
+          <p:spPr>
+            <a:xfrm>
+              <a:off x="5925550" y="6583680"/>
+              <a:ext cx="5666681" cy="0"/>
+            </a:xfrm>
+            <a:prstGeom prst="line">
+              <a:avLst/>
+            </a:prstGeom>
+            <a:ln w="76200"/>
+          </p:spPr>
+          <p:style>
+            <a:lnRef idx="2">
+              <a:schemeClr val="accent1"/>
+            </a:lnRef>
+            <a:fillRef idx="0">
+              <a:schemeClr val="accent1"/>
+            </a:fillRef>
+            <a:effectRef idx="1">
+              <a:schemeClr val="accent1"/>
+            </a:effectRef>
+            <a:fontRef idx="minor">
+              <a:schemeClr val="tx1"/>
+            </a:fontRef>
+          </p:style>
+        </p:cxnSp>
+        <p:cxnSp>
+          <p:nvCxnSpPr>
+            <p:cNvPr id="14" name="Gerader Verbinder 13">
+              <a:extLst>
+                <a:ext uri="{FF2B5EF4-FFF2-40B4-BE49-F238E27FC236}">
+                  <a16:creationId xmlns:a16="http://schemas.microsoft.com/office/drawing/2014/main" id="{B9FCA218-F9F6-A4A2-3D3C-2F2B69EE1F6D}"/>
+                </a:ext>
+              </a:extLst>
+            </p:cNvPr>
+            <p:cNvCxnSpPr/>
+            <p:nvPr/>
+          </p:nvCxnSpPr>
+          <p:spPr>
+            <a:xfrm>
+              <a:off x="5942250" y="5275447"/>
+              <a:ext cx="5666681" cy="0"/>
+            </a:xfrm>
+            <a:prstGeom prst="line">
+              <a:avLst/>
+            </a:prstGeom>
+            <a:ln w="76200"/>
+          </p:spPr>
+          <p:style>
+            <a:lnRef idx="2">
+              <a:schemeClr val="accent1"/>
+            </a:lnRef>
+            <a:fillRef idx="0">
+              <a:schemeClr val="accent1"/>
+            </a:fillRef>
+            <a:effectRef idx="1">
+              <a:schemeClr val="accent1"/>
+            </a:effectRef>
+            <a:fontRef idx="minor">
+              <a:schemeClr val="tx1"/>
+            </a:fontRef>
+          </p:style>
+        </p:cxnSp>
+        <p:cxnSp>
+          <p:nvCxnSpPr>
+            <p:cNvPr id="16" name="Gerader Verbinder 15">
+              <a:extLst>
+                <a:ext uri="{FF2B5EF4-FFF2-40B4-BE49-F238E27FC236}">
+                  <a16:creationId xmlns:a16="http://schemas.microsoft.com/office/drawing/2014/main" id="{89116303-1DCC-A6EE-C245-B2EF6BD245AD}"/>
+                </a:ext>
+              </a:extLst>
+            </p:cNvPr>
+            <p:cNvCxnSpPr>
+              <a:cxnSpLocks/>
+            </p:cNvCxnSpPr>
+            <p:nvPr/>
+          </p:nvCxnSpPr>
+          <p:spPr>
+            <a:xfrm>
+              <a:off x="5958948" y="5231166"/>
+              <a:ext cx="0" cy="1352514"/>
+            </a:xfrm>
+            <a:prstGeom prst="line">
+              <a:avLst/>
+            </a:prstGeom>
+            <a:ln w="76200"/>
+          </p:spPr>
+          <p:style>
+            <a:lnRef idx="2">
+              <a:schemeClr val="accent1"/>
+            </a:lnRef>
+            <a:fillRef idx="0">
+              <a:schemeClr val="accent1"/>
+            </a:fillRef>
+            <a:effectRef idx="1">
+              <a:schemeClr val="accent1"/>
+            </a:effectRef>
+            <a:fontRef idx="minor">
+              <a:schemeClr val="tx1"/>
+            </a:fontRef>
+          </p:style>
+        </p:cxnSp>
+        <p:cxnSp>
+          <p:nvCxnSpPr>
+            <p:cNvPr id="17" name="Gerader Verbinder 16">
+              <a:extLst>
+                <a:ext uri="{FF2B5EF4-FFF2-40B4-BE49-F238E27FC236}">
+                  <a16:creationId xmlns:a16="http://schemas.microsoft.com/office/drawing/2014/main" id="{198703F4-1E92-EE6B-0253-5B5237DAC8AF}"/>
+                </a:ext>
+              </a:extLst>
+            </p:cNvPr>
+            <p:cNvCxnSpPr>
+              <a:cxnSpLocks/>
+            </p:cNvCxnSpPr>
+            <p:nvPr/>
+          </p:nvCxnSpPr>
+          <p:spPr>
+            <a:xfrm>
+              <a:off x="11575504" y="5231166"/>
+              <a:ext cx="0" cy="1393057"/>
+            </a:xfrm>
+            <a:prstGeom prst="line">
+              <a:avLst/>
+            </a:prstGeom>
+            <a:ln w="76200"/>
+          </p:spPr>
+          <p:style>
+            <a:lnRef idx="2">
+              <a:schemeClr val="accent1"/>
+            </a:lnRef>
+            <a:fillRef idx="0">
+              <a:schemeClr val="accent1"/>
+            </a:fillRef>
+            <a:effectRef idx="1">
+              <a:schemeClr val="accent1"/>
+            </a:effectRef>
+            <a:fontRef idx="minor">
+              <a:schemeClr val="tx1"/>
+            </a:fontRef>
+          </p:style>
+        </p:cxnSp>
+      </p:grpSp>
+    </p:spTree>
+    <p:extLst>
+      <p:ext uri="{BB962C8B-B14F-4D97-AF65-F5344CB8AC3E}">
+        <p14:creationId xmlns:p14="http://schemas.microsoft.com/office/powerpoint/2010/main" val="4158675654"/>
+      </p:ext>
+    </p:extLst>
+  </p:cSld>
+  <p:clrMapOvr>
+    <a:masterClrMapping/>
+  </p:clrMapOvr>
+  <mc:AlternateContent xmlns:mc="http://schemas.openxmlformats.org/markup-compatibility/2006">
+    <mc:Choice xmlns:p159="http://schemas.microsoft.com/office/powerpoint/2015/09/main" Requires="p159">
+      <p:transition xmlns:p14="http://schemas.microsoft.com/office/powerpoint/2010/main" spd="slow" p14:dur="2000">
+        <p159:morph option="byObject"/>
+      </p:transition>
+    </mc:Choice>
+    <mc:Fallback>
+      <p:transition spd="slow">
+        <p:fade/>
+      </p:transition>
+    </mc:Fallback>
+  </mc:AlternateContent>
+</p:sld>
+</file>
+
+<file path=ppt/slides/slide16.xml><?xml version="1.0" encoding="utf-8"?>
+<p:sld xmlns:a="http://schemas.openxmlformats.org/drawingml/2006/main" xmlns:r="http://schemas.openxmlformats.org/officeDocument/2006/relationships" xmlns:p="http://schemas.openxmlformats.org/presentationml/2006/main">
+  <p:cSld>
+    <p:spTree>
+      <p:nvGrpSpPr>
+        <p:cNvPr id="1" name="">
+          <a:extLst>
+            <a:ext uri="{FF2B5EF4-FFF2-40B4-BE49-F238E27FC236}">
+              <a16:creationId xmlns:a16="http://schemas.microsoft.com/office/drawing/2014/main" id="{0587776A-850C-8E81-055B-EEE6A2246B88}"/>
+            </a:ext>
+          </a:extLst>
+        </p:cNvPr>
+        <p:cNvGrpSpPr/>
+        <p:nvPr/>
+      </p:nvGrpSpPr>
+      <p:grpSpPr>
+        <a:xfrm>
+          <a:off x="0" y="0"/>
+          <a:ext cx="0" cy="0"/>
+          <a:chOff x="0" y="0"/>
+          <a:chExt cx="0" cy="0"/>
+        </a:xfrm>
+      </p:grpSpPr>
+      <p:sp>
+        <p:nvSpPr>
+          <p:cNvPr id="2" name="Titel 1">
+            <a:extLst>
+              <a:ext uri="{FF2B5EF4-FFF2-40B4-BE49-F238E27FC236}">
+                <a16:creationId xmlns:a16="http://schemas.microsoft.com/office/drawing/2014/main" id="{01AEDA40-2217-69AA-CEA4-DEF6ED4D87A1}"/>
+              </a:ext>
+            </a:extLst>
+          </p:cNvPr>
+          <p:cNvSpPr>
+            <a:spLocks noGrp="1"/>
+          </p:cNvSpPr>
+          <p:nvPr>
+            <p:ph type="title"/>
+          </p:nvPr>
+        </p:nvSpPr>
+        <p:spPr>
+          <a:xfrm>
+            <a:off x="838200" y="1030500"/>
+            <a:ext cx="10515600" cy="1325563"/>
+          </a:xfrm>
+        </p:spPr>
+        <p:txBody>
+          <a:bodyPr/>
+          <a:lstStyle/>
+          <a:p>
+            <a:r>
+              <a:rPr lang="de-AT" dirty="0"/>
+              <a:t>Flow - Vorteile</a:t>
+            </a:r>
+          </a:p>
+        </p:txBody>
+      </p:sp>
+      <p:sp>
+        <p:nvSpPr>
+          <p:cNvPr id="3" name="Inhaltsplatzhalter 2">
+            <a:extLst>
+              <a:ext uri="{FF2B5EF4-FFF2-40B4-BE49-F238E27FC236}">
+                <a16:creationId xmlns:a16="http://schemas.microsoft.com/office/drawing/2014/main" id="{7921D6EB-F440-BFCE-9BF7-551D6EAFA83A}"/>
+              </a:ext>
+            </a:extLst>
+          </p:cNvPr>
+          <p:cNvSpPr>
+            <a:spLocks noGrp="1"/>
+          </p:cNvSpPr>
+          <p:nvPr>
+            <p:ph idx="1"/>
+          </p:nvPr>
+        </p:nvSpPr>
+        <p:spPr>
+          <a:xfrm>
+            <a:off x="838200" y="2025446"/>
+            <a:ext cx="10980174" cy="4696029"/>
+          </a:xfrm>
+        </p:spPr>
+        <p:txBody>
+          <a:bodyPr>
+            <a:normAutofit fontScale="92500" lnSpcReduction="10000"/>
+          </a:bodyPr>
+          <a:lstStyle/>
+          <a:p>
+            <a:r>
+              <a:rPr lang="de-AT" b="1" dirty="0"/>
+              <a:t>Java-</a:t>
+            </a:r>
+            <a:r>
+              <a:rPr lang="de-AT" b="1" dirty="0" err="1"/>
+              <a:t>only</a:t>
+            </a:r>
+            <a:r>
+              <a:rPr lang="de-AT" b="1" dirty="0"/>
+              <a:t> Entwicklung: </a:t>
+            </a:r>
+          </a:p>
+          <a:p>
+            <a:pPr lvl="3"/>
+            <a:r>
+              <a:rPr lang="de-AT" sz="2200" dirty="0"/>
+              <a:t>Kein direkter Umgang mit HTML, JavaScript, etc.</a:t>
+            </a:r>
+            <a:endParaRPr lang="de-AT" sz="2400" dirty="0"/>
+          </a:p>
+          <a:p>
+            <a:pPr marL="0" indent="0">
+              <a:buNone/>
+            </a:pPr>
+            <a:endParaRPr lang="de-AT" sz="900" b="1" dirty="0"/>
+          </a:p>
+          <a:p>
+            <a:r>
+              <a:rPr lang="de-AT" b="1" dirty="0" err="1"/>
+              <a:t>Stateful</a:t>
+            </a:r>
+            <a:r>
+              <a:rPr lang="de-AT" b="1" dirty="0"/>
+              <a:t>-Framework:</a:t>
+            </a:r>
+          </a:p>
+          <a:p>
+            <a:pPr lvl="3"/>
+            <a:r>
+              <a:rPr lang="de-AT" sz="2200" dirty="0"/>
+              <a:t>Server speichert Anwendungsstatus</a:t>
+            </a:r>
+          </a:p>
+          <a:p>
+            <a:pPr lvl="3"/>
+            <a:endParaRPr lang="de-AT" sz="900" dirty="0"/>
+          </a:p>
+          <a:p>
+            <a:r>
+              <a:rPr lang="de-AT" b="1" dirty="0"/>
+              <a:t>Einfache Integration mit Java-</a:t>
+            </a:r>
+            <a:r>
+              <a:rPr lang="de-AT" b="1" dirty="0" err="1"/>
+              <a:t>Backends</a:t>
+            </a:r>
+            <a:r>
+              <a:rPr lang="de-AT" b="1" dirty="0"/>
+              <a:t>:</a:t>
+            </a:r>
+          </a:p>
+          <a:p>
+            <a:pPr lvl="3"/>
+            <a:r>
+              <a:rPr lang="de-AT" sz="2200" dirty="0"/>
+              <a:t>Funktioniert mit Spring Boot, Hibernate usw.</a:t>
+            </a:r>
+          </a:p>
+          <a:p>
+            <a:pPr lvl="3"/>
+            <a:endParaRPr lang="de-AT" sz="1000" dirty="0"/>
+          </a:p>
+          <a:p>
+            <a:r>
+              <a:rPr lang="de-AT" b="1" dirty="0"/>
+              <a:t>Automatische UI-Updates:</a:t>
+            </a:r>
+          </a:p>
+          <a:p>
+            <a:pPr lvl="3"/>
+            <a:r>
+              <a:rPr lang="de-AT" sz="2200" dirty="0"/>
+              <a:t>Änderungen werden direkt angezeigt</a:t>
+            </a:r>
+          </a:p>
+          <a:p>
+            <a:pPr lvl="3"/>
+            <a:endParaRPr lang="de-AT" sz="1000" dirty="0"/>
+          </a:p>
+          <a:p>
+            <a:r>
+              <a:rPr lang="de-AT" b="1" dirty="0" err="1"/>
+              <a:t>Vaadin-Theming</a:t>
+            </a:r>
+            <a:r>
+              <a:rPr lang="de-AT" b="1" dirty="0"/>
+              <a:t>:</a:t>
+            </a:r>
+          </a:p>
+          <a:p>
+            <a:pPr lvl="3"/>
+            <a:r>
+              <a:rPr lang="de-AT" sz="2200" dirty="0"/>
+              <a:t>Anpassung des Designs über CSS oder den integrierten </a:t>
+            </a:r>
+            <a:r>
+              <a:rPr lang="de-AT" sz="2200" dirty="0" err="1"/>
+              <a:t>Lumo</a:t>
+            </a:r>
+            <a:r>
+              <a:rPr lang="de-AT" sz="2200" dirty="0"/>
+              <a:t>-</a:t>
+            </a:r>
+            <a:r>
+              <a:rPr lang="de-AT" sz="2200" dirty="0" err="1"/>
+              <a:t>Theme</a:t>
+            </a:r>
+            <a:r>
+              <a:rPr lang="de-AT" sz="2200" dirty="0"/>
+              <a:t>-Editor</a:t>
+            </a:r>
+            <a:endParaRPr lang="de-AT" sz="2400" dirty="0"/>
+          </a:p>
+        </p:txBody>
+      </p:sp>
+      <p:sp>
+        <p:nvSpPr>
+          <p:cNvPr id="4" name="Datumsplatzhalter 3">
+            <a:extLst>
+              <a:ext uri="{FF2B5EF4-FFF2-40B4-BE49-F238E27FC236}">
+                <a16:creationId xmlns:a16="http://schemas.microsoft.com/office/drawing/2014/main" id="{8ADAD986-2A75-8639-AC9F-F72D4BF03C85}"/>
+              </a:ext>
+            </a:extLst>
+          </p:cNvPr>
+          <p:cNvSpPr>
+            <a:spLocks noGrp="1"/>
+          </p:cNvSpPr>
+          <p:nvPr>
+            <p:ph type="dt" sz="half" idx="10"/>
+          </p:nvPr>
+        </p:nvSpPr>
+        <p:spPr/>
+        <p:txBody>
+          <a:bodyPr/>
+          <a:lstStyle/>
+          <a:p>
+            <a:fld id="{684D5CCA-44DE-413B-B5C1-1D136BF17977}" type="datetime1">
+              <a:rPr lang="de-AT" smtClean="0"/>
+              <a:t>25.03.2025</a:t>
+            </a:fld>
+            <a:endParaRPr lang="de-AT"/>
+          </a:p>
+        </p:txBody>
+      </p:sp>
+      <p:sp>
+        <p:nvSpPr>
+          <p:cNvPr id="5" name="Foliennummernplatzhalter 4">
+            <a:extLst>
+              <a:ext uri="{FF2B5EF4-FFF2-40B4-BE49-F238E27FC236}">
+                <a16:creationId xmlns:a16="http://schemas.microsoft.com/office/drawing/2014/main" id="{C2314F19-5841-3CF6-9A30-44A75BD76DB3}"/>
+              </a:ext>
+            </a:extLst>
+          </p:cNvPr>
+          <p:cNvSpPr>
+            <a:spLocks noGrp="1"/>
+          </p:cNvSpPr>
+          <p:nvPr>
+            <p:ph type="sldNum" sz="quarter" idx="12"/>
+          </p:nvPr>
+        </p:nvSpPr>
+        <p:spPr/>
+        <p:txBody>
+          <a:bodyPr/>
+          <a:lstStyle/>
+          <a:p>
+            <a:fld id="{45EFCB84-3E55-4BB4-B142-FD608455239A}" type="slidenum">
+              <a:rPr lang="de-AT" smtClean="0"/>
+              <a:t>16</a:t>
+            </a:fld>
+            <a:endParaRPr lang="de-AT"/>
+          </a:p>
+        </p:txBody>
+      </p:sp>
+      <p:sp>
+        <p:nvSpPr>
+          <p:cNvPr id="6" name="Textfeld 5">
+            <a:extLst>
+              <a:ext uri="{FF2B5EF4-FFF2-40B4-BE49-F238E27FC236}">
+                <a16:creationId xmlns:a16="http://schemas.microsoft.com/office/drawing/2014/main" id="{886D8020-E89B-2BC5-1E2B-5A4F29DBEF00}"/>
+              </a:ext>
+            </a:extLst>
+          </p:cNvPr>
+          <p:cNvSpPr txBox="1"/>
+          <p:nvPr/>
+        </p:nvSpPr>
+        <p:spPr>
+          <a:xfrm>
+            <a:off x="838200" y="481781"/>
+            <a:ext cx="10515600" cy="369332"/>
+          </a:xfrm>
+          <a:prstGeom prst="rect">
+            <a:avLst/>
+          </a:prstGeom>
+          <a:noFill/>
+        </p:spPr>
+        <p:txBody>
+          <a:bodyPr wrap="square" rtlCol="0">
+            <a:spAutoFit/>
+          </a:bodyPr>
+          <a:lstStyle/>
+          <a:p>
+            <a:r>
+              <a:rPr lang="de-AT" dirty="0"/>
+              <a:t>Grundwissen &amp; Theorie</a:t>
+            </a:r>
+          </a:p>
+        </p:txBody>
+      </p:sp>
+      <p:cxnSp>
+        <p:nvCxnSpPr>
+          <p:cNvPr id="8" name="Gerader Verbinder 7">
+            <a:extLst>
+              <a:ext uri="{FF2B5EF4-FFF2-40B4-BE49-F238E27FC236}">
+                <a16:creationId xmlns:a16="http://schemas.microsoft.com/office/drawing/2014/main" id="{CA6A0E38-5B5C-2755-0DBC-D23A06A5AAEC}"/>
+              </a:ext>
+            </a:extLst>
+          </p:cNvPr>
+          <p:cNvCxnSpPr>
+            <a:cxnSpLocks/>
+          </p:cNvCxnSpPr>
+          <p:nvPr/>
+        </p:nvCxnSpPr>
+        <p:spPr>
+          <a:xfrm>
+            <a:off x="825912" y="894737"/>
+            <a:ext cx="11100617" cy="0"/>
+          </a:xfrm>
+          <a:prstGeom prst="line">
+            <a:avLst/>
+          </a:prstGeom>
+        </p:spPr>
+        <p:style>
+          <a:lnRef idx="2">
+            <a:schemeClr val="accent1"/>
+          </a:lnRef>
+          <a:fillRef idx="0">
+            <a:schemeClr val="accent1"/>
+          </a:fillRef>
+          <a:effectRef idx="1">
+            <a:schemeClr val="accent1"/>
+          </a:effectRef>
+          <a:fontRef idx="minor">
+            <a:schemeClr val="tx1"/>
+          </a:fontRef>
+        </p:style>
+      </p:cxnSp>
+      <p:pic>
+        <p:nvPicPr>
+          <p:cNvPr id="3074" name="Picture 2">
+            <a:extLst>
+              <a:ext uri="{FF2B5EF4-FFF2-40B4-BE49-F238E27FC236}">
+                <a16:creationId xmlns:a16="http://schemas.microsoft.com/office/drawing/2014/main" id="{5B3DBCC0-EE09-E78D-B6F3-4691E849A3D9}"/>
+              </a:ext>
+            </a:extLst>
+          </p:cNvPr>
+          <p:cNvPicPr>
+            <a:picLocks noChangeAspect="1" noChangeArrowheads="1"/>
+          </p:cNvPicPr>
+          <p:nvPr/>
+        </p:nvPicPr>
+        <p:blipFill>
+          <a:blip r:embed="rId2">
+            <a:extLst>
+              <a:ext uri="{28A0092B-C50C-407E-A947-70E740481C1C}">
+                <a14:useLocalDpi xmlns:a14="http://schemas.microsoft.com/office/drawing/2010/main" val="0"/>
+              </a:ext>
+            </a:extLst>
+          </a:blip>
+          <a:srcRect/>
+          <a:stretch>
+            <a:fillRect/>
+          </a:stretch>
+        </p:blipFill>
+        <p:spPr bwMode="auto">
+          <a:xfrm>
+            <a:off x="9370654" y="1701499"/>
+            <a:ext cx="1983146" cy="3760839"/>
+          </a:xfrm>
+          <a:prstGeom prst="rect">
+            <a:avLst/>
+          </a:prstGeom>
+          <a:noFill/>
+          <a:extLst>
+            <a:ext uri="{909E8E84-426E-40DD-AFC4-6F175D3DCCD1}">
+              <a14:hiddenFill xmlns:a14="http://schemas.microsoft.com/office/drawing/2010/main">
+                <a:solidFill>
+                  <a:srgbClr val="FFFFFF"/>
+                </a:solidFill>
+              </a14:hiddenFill>
+            </a:ext>
+          </a:extLst>
+        </p:spPr>
+      </p:pic>
+    </p:spTree>
+    <p:extLst>
+      <p:ext uri="{BB962C8B-B14F-4D97-AF65-F5344CB8AC3E}">
+        <p14:creationId xmlns:p14="http://schemas.microsoft.com/office/powerpoint/2010/main" val="161190910"/>
+      </p:ext>
+    </p:extLst>
+  </p:cSld>
+  <p:clrMapOvr>
+    <a:masterClrMapping/>
+  </p:clrMapOvr>
+  <p:transition spd="med">
+    <p:pull/>
+  </p:transition>
+</p:sld>
+</file>
+
+<file path=ppt/slides/slide17.xml><?xml version="1.0" encoding="utf-8"?>
+<p:sld xmlns:a="http://schemas.openxmlformats.org/drawingml/2006/main" xmlns:r="http://schemas.openxmlformats.org/officeDocument/2006/relationships" xmlns:p="http://schemas.openxmlformats.org/presentationml/2006/main">
+  <p:cSld>
+    <p:spTree>
+      <p:nvGrpSpPr>
+        <p:cNvPr id="1" name="">
+          <a:extLst>
+            <a:ext uri="{FF2B5EF4-FFF2-40B4-BE49-F238E27FC236}">
+              <a16:creationId xmlns:a16="http://schemas.microsoft.com/office/drawing/2014/main" id="{4CF9688E-24B7-33C0-3D83-3841D4DB206B}"/>
+            </a:ext>
+          </a:extLst>
+        </p:cNvPr>
+        <p:cNvGrpSpPr/>
+        <p:nvPr/>
+      </p:nvGrpSpPr>
+      <p:grpSpPr>
+        <a:xfrm>
+          <a:off x="0" y="0"/>
+          <a:ext cx="0" cy="0"/>
+          <a:chOff x="0" y="0"/>
+          <a:chExt cx="0" cy="0"/>
+        </a:xfrm>
+      </p:grpSpPr>
+      <p:sp>
+        <p:nvSpPr>
+          <p:cNvPr id="2" name="Titel 1">
+            <a:extLst>
+              <a:ext uri="{FF2B5EF4-FFF2-40B4-BE49-F238E27FC236}">
+                <a16:creationId xmlns:a16="http://schemas.microsoft.com/office/drawing/2014/main" id="{F17E1953-E51B-8D10-6EA2-F359392E8141}"/>
+              </a:ext>
+            </a:extLst>
+          </p:cNvPr>
+          <p:cNvSpPr>
+            <a:spLocks noGrp="1"/>
+          </p:cNvSpPr>
+          <p:nvPr>
+            <p:ph type="title"/>
+          </p:nvPr>
+        </p:nvSpPr>
+        <p:spPr>
+          <a:xfrm>
+            <a:off x="838200" y="1030500"/>
+            <a:ext cx="10515600" cy="1325563"/>
+          </a:xfrm>
+        </p:spPr>
+        <p:txBody>
+          <a:bodyPr/>
+          <a:lstStyle/>
+          <a:p>
+            <a:r>
+              <a:rPr lang="de-AT" dirty="0"/>
+              <a:t>Flow - Nachteile</a:t>
+            </a:r>
+          </a:p>
+        </p:txBody>
+      </p:sp>
+      <p:sp>
+        <p:nvSpPr>
+          <p:cNvPr id="3" name="Inhaltsplatzhalter 2">
+            <a:extLst>
+              <a:ext uri="{FF2B5EF4-FFF2-40B4-BE49-F238E27FC236}">
+                <a16:creationId xmlns:a16="http://schemas.microsoft.com/office/drawing/2014/main" id="{33961F17-BD5B-F9F2-2707-89891FA2A6C4}"/>
+              </a:ext>
+            </a:extLst>
+          </p:cNvPr>
+          <p:cNvSpPr>
+            <a:spLocks noGrp="1"/>
+          </p:cNvSpPr>
+          <p:nvPr>
+            <p:ph idx="1"/>
+          </p:nvPr>
+        </p:nvSpPr>
+        <p:spPr>
+          <a:xfrm>
+            <a:off x="838200" y="2025446"/>
+            <a:ext cx="6899787" cy="4696029"/>
+          </a:xfrm>
+        </p:spPr>
+        <p:txBody>
+          <a:bodyPr>
+            <a:normAutofit/>
+          </a:bodyPr>
+          <a:lstStyle/>
+          <a:p>
+            <a:r>
+              <a:rPr lang="de-AT" b="1" dirty="0"/>
+              <a:t>Serverlast: </a:t>
+            </a:r>
+          </a:p>
+          <a:p>
+            <a:pPr lvl="3"/>
+            <a:r>
+              <a:rPr lang="de-AT" sz="2200" dirty="0"/>
+              <a:t>UI-Logik läuft auf dem Server </a:t>
+            </a:r>
+          </a:p>
+          <a:p>
+            <a:pPr marL="1371600" lvl="3" indent="0">
+              <a:buNone/>
+            </a:pPr>
+            <a:r>
+              <a:rPr lang="de-AT" sz="2200" dirty="0">
+                <a:sym typeface="Wingdings" panose="05000000000000000000" pitchFamily="2" charset="2"/>
+              </a:rPr>
+              <a:t>     Performance-Probleme bei vielen Nutzern</a:t>
+            </a:r>
+            <a:endParaRPr lang="de-AT" sz="2400" dirty="0"/>
+          </a:p>
+          <a:p>
+            <a:pPr marL="0" indent="0">
+              <a:buNone/>
+            </a:pPr>
+            <a:endParaRPr lang="de-AT" sz="900" b="1" dirty="0"/>
+          </a:p>
+          <a:p>
+            <a:r>
+              <a:rPr lang="de-AT" b="1" dirty="0"/>
+              <a:t>Größere Speicherbelastung:</a:t>
+            </a:r>
+          </a:p>
+          <a:p>
+            <a:pPr lvl="3"/>
+            <a:r>
+              <a:rPr lang="de-AT" sz="2200" dirty="0"/>
+              <a:t>Anwendung benötigt mehr RAM</a:t>
+            </a:r>
+          </a:p>
+          <a:p>
+            <a:pPr lvl="3"/>
+            <a:endParaRPr lang="de-AT" sz="900" dirty="0"/>
+          </a:p>
+          <a:p>
+            <a:r>
+              <a:rPr lang="de-AT" b="1" dirty="0"/>
+              <a:t>Eingeschränkte Kontrolle über Frontend:</a:t>
+            </a:r>
+          </a:p>
+          <a:p>
+            <a:pPr lvl="3"/>
+            <a:r>
+              <a:rPr lang="de-AT" sz="2200" dirty="0"/>
+              <a:t>Bei tiefgreifenden, komplexen Frontend-Anpassungen ist CSS und JavaScript nötig</a:t>
+            </a:r>
+          </a:p>
+        </p:txBody>
+      </p:sp>
+      <p:sp>
+        <p:nvSpPr>
+          <p:cNvPr id="4" name="Datumsplatzhalter 3">
+            <a:extLst>
+              <a:ext uri="{FF2B5EF4-FFF2-40B4-BE49-F238E27FC236}">
+                <a16:creationId xmlns:a16="http://schemas.microsoft.com/office/drawing/2014/main" id="{3E8C2D93-6265-C0E5-B27E-F97EA356B3AD}"/>
+              </a:ext>
+            </a:extLst>
+          </p:cNvPr>
+          <p:cNvSpPr>
+            <a:spLocks noGrp="1"/>
+          </p:cNvSpPr>
+          <p:nvPr>
+            <p:ph type="dt" sz="half" idx="10"/>
+          </p:nvPr>
+        </p:nvSpPr>
+        <p:spPr/>
+        <p:txBody>
+          <a:bodyPr/>
+          <a:lstStyle/>
+          <a:p>
+            <a:fld id="{684D5CCA-44DE-413B-B5C1-1D136BF17977}" type="datetime1">
+              <a:rPr lang="de-AT" smtClean="0"/>
+              <a:t>25.03.2025</a:t>
+            </a:fld>
+            <a:endParaRPr lang="de-AT"/>
+          </a:p>
+        </p:txBody>
+      </p:sp>
+      <p:sp>
+        <p:nvSpPr>
+          <p:cNvPr id="5" name="Foliennummernplatzhalter 4">
+            <a:extLst>
+              <a:ext uri="{FF2B5EF4-FFF2-40B4-BE49-F238E27FC236}">
+                <a16:creationId xmlns:a16="http://schemas.microsoft.com/office/drawing/2014/main" id="{D70216E2-F757-4B10-17FB-27CB54799BDD}"/>
+              </a:ext>
+            </a:extLst>
+          </p:cNvPr>
+          <p:cNvSpPr>
+            <a:spLocks noGrp="1"/>
+          </p:cNvSpPr>
+          <p:nvPr>
+            <p:ph type="sldNum" sz="quarter" idx="12"/>
+          </p:nvPr>
+        </p:nvSpPr>
+        <p:spPr/>
+        <p:txBody>
+          <a:bodyPr/>
+          <a:lstStyle/>
+          <a:p>
+            <a:fld id="{45EFCB84-3E55-4BB4-B142-FD608455239A}" type="slidenum">
+              <a:rPr lang="de-AT" smtClean="0"/>
+              <a:t>17</a:t>
+            </a:fld>
+            <a:endParaRPr lang="de-AT" dirty="0"/>
+          </a:p>
+        </p:txBody>
+      </p:sp>
+      <p:sp>
+        <p:nvSpPr>
+          <p:cNvPr id="6" name="Textfeld 5">
+            <a:extLst>
+              <a:ext uri="{FF2B5EF4-FFF2-40B4-BE49-F238E27FC236}">
+                <a16:creationId xmlns:a16="http://schemas.microsoft.com/office/drawing/2014/main" id="{2BA8A475-50C3-E8A2-2664-FB16D2B24F2C}"/>
+              </a:ext>
+            </a:extLst>
+          </p:cNvPr>
+          <p:cNvSpPr txBox="1"/>
+          <p:nvPr/>
+        </p:nvSpPr>
+        <p:spPr>
+          <a:xfrm>
+            <a:off x="838200" y="481781"/>
+            <a:ext cx="10515600" cy="369332"/>
+          </a:xfrm>
+          <a:prstGeom prst="rect">
+            <a:avLst/>
+          </a:prstGeom>
+          <a:noFill/>
+        </p:spPr>
+        <p:txBody>
+          <a:bodyPr wrap="square" rtlCol="0">
+            <a:spAutoFit/>
+          </a:bodyPr>
+          <a:lstStyle/>
+          <a:p>
+            <a:r>
+              <a:rPr lang="de-AT" dirty="0"/>
+              <a:t>Grundwissen &amp; Theorie</a:t>
+            </a:r>
+          </a:p>
+        </p:txBody>
+      </p:sp>
+      <p:cxnSp>
+        <p:nvCxnSpPr>
+          <p:cNvPr id="8" name="Gerader Verbinder 7">
+            <a:extLst>
+              <a:ext uri="{FF2B5EF4-FFF2-40B4-BE49-F238E27FC236}">
+                <a16:creationId xmlns:a16="http://schemas.microsoft.com/office/drawing/2014/main" id="{A1DB1D45-4C3D-8F1C-6156-6F9DADBE8745}"/>
+              </a:ext>
+            </a:extLst>
+          </p:cNvPr>
+          <p:cNvCxnSpPr>
+            <a:cxnSpLocks/>
+          </p:cNvCxnSpPr>
+          <p:nvPr/>
+        </p:nvCxnSpPr>
+        <p:spPr>
+          <a:xfrm>
+            <a:off x="825912" y="894737"/>
+            <a:ext cx="11100617" cy="0"/>
+          </a:xfrm>
+          <a:prstGeom prst="line">
+            <a:avLst/>
+          </a:prstGeom>
+        </p:spPr>
+        <p:style>
+          <a:lnRef idx="2">
+            <a:schemeClr val="accent1"/>
+          </a:lnRef>
+          <a:fillRef idx="0">
+            <a:schemeClr val="accent1"/>
+          </a:fillRef>
+          <a:effectRef idx="1">
+            <a:schemeClr val="accent1"/>
+          </a:effectRef>
+          <a:fontRef idx="minor">
+            <a:schemeClr val="tx1"/>
+          </a:fontRef>
+        </p:style>
+      </p:cxnSp>
+      <p:pic>
+        <p:nvPicPr>
+          <p:cNvPr id="4098" name="Picture 2" descr="Forschung mit Hochgeschwindigkeit • campus.leben • Freie Universität Berlin">
+            <a:extLst>
+              <a:ext uri="{FF2B5EF4-FFF2-40B4-BE49-F238E27FC236}">
+                <a16:creationId xmlns:a16="http://schemas.microsoft.com/office/drawing/2014/main" id="{92368F3B-61BA-FEFF-E59B-4FAD86AC086A}"/>
+              </a:ext>
+            </a:extLst>
+          </p:cNvPr>
+          <p:cNvPicPr>
+            <a:picLocks noChangeAspect="1" noChangeArrowheads="1"/>
+          </p:cNvPicPr>
+          <p:nvPr/>
+        </p:nvPicPr>
+        <p:blipFill>
+          <a:blip r:embed="rId2">
+            <a:extLst>
+              <a:ext uri="{28A0092B-C50C-407E-A947-70E740481C1C}">
+                <a14:useLocalDpi xmlns:a14="http://schemas.microsoft.com/office/drawing/2010/main" val="0"/>
+              </a:ext>
+            </a:extLst>
+          </a:blip>
+          <a:srcRect/>
+          <a:stretch>
+            <a:fillRect/>
+          </a:stretch>
+        </p:blipFill>
+        <p:spPr bwMode="auto">
+          <a:xfrm>
+            <a:off x="7306916" y="1749464"/>
+            <a:ext cx="4236155" cy="2821279"/>
+          </a:xfrm>
+          <a:prstGeom prst="rect">
+            <a:avLst/>
+          </a:prstGeom>
+          <a:noFill/>
+          <a:effectLst>
+            <a:softEdge rad="63500"/>
+          </a:effectLst>
+          <a:extLst>
+            <a:ext uri="{909E8E84-426E-40DD-AFC4-6F175D3DCCD1}">
+              <a14:hiddenFill xmlns:a14="http://schemas.microsoft.com/office/drawing/2010/main">
+                <a:solidFill>
+                  <a:srgbClr val="FFFFFF"/>
+                </a:solidFill>
+              </a14:hiddenFill>
+            </a:ext>
+          </a:extLst>
+        </p:spPr>
+      </p:pic>
+    </p:spTree>
+    <p:extLst>
+      <p:ext uri="{BB962C8B-B14F-4D97-AF65-F5344CB8AC3E}">
+        <p14:creationId xmlns:p14="http://schemas.microsoft.com/office/powerpoint/2010/main" val="1636357243"/>
+      </p:ext>
+    </p:extLst>
+  </p:cSld>
+  <p:clrMapOvr>
+    <a:masterClrMapping/>
+  </p:clrMapOvr>
+  <p:transition spd="med">
+    <p:pull/>
+  </p:transition>
+</p:sld>
+</file>
+
+<file path=ppt/slides/slide18.xml><?xml version="1.0" encoding="utf-8"?>
 <p:sld xmlns:a="http://schemas.openxmlformats.org/drawingml/2006/main" xmlns:r="http://schemas.openxmlformats.org/officeDocument/2006/relationships" xmlns:p="http://schemas.openxmlformats.org/presentationml/2006/main">
   <p:cSld>
     <p:spTree>
@@ -19963,7 +23903,7 @@
           <a:p>
             <a:fld id="{684D5CCA-44DE-413B-B5C1-1D136BF17977}" type="datetime1">
               <a:rPr lang="de-AT" smtClean="0"/>
-              <a:t>11.03.2025</a:t>
+              <a:t>25.03.2025</a:t>
             </a:fld>
             <a:endParaRPr lang="de-AT"/>
           </a:p>
@@ -19992,7 +23932,7 @@
           <a:p>
             <a:fld id="{45EFCB84-3E55-4BB4-B142-FD608455239A}" type="slidenum">
               <a:rPr lang="de-AT" smtClean="0"/>
-              <a:t>12</a:t>
+              <a:t>18</a:t>
             </a:fld>
             <a:endParaRPr lang="de-AT"/>
           </a:p>
@@ -20008,10 +23948,13 @@
   <p:clrMapOvr>
     <a:masterClrMapping/>
   </p:clrMapOvr>
+  <p:transition spd="slow">
+    <p:push dir="u"/>
+  </p:transition>
 </p:sld>
 </file>
 
-<file path=ppt/slides/slide13.xml><?xml version="1.0" encoding="utf-8"?>
+<file path=ppt/slides/slide19.xml><?xml version="1.0" encoding="utf-8"?>
 <p:sld xmlns:a="http://schemas.openxmlformats.org/drawingml/2006/main" xmlns:r="http://schemas.openxmlformats.org/officeDocument/2006/relationships" xmlns:p="http://schemas.openxmlformats.org/presentationml/2006/main">
   <p:cSld>
     <p:spTree>
@@ -20120,7 +24063,7 @@
           <a:p>
             <a:fld id="{684D5CCA-44DE-413B-B5C1-1D136BF17977}" type="datetime1">
               <a:rPr lang="de-AT" smtClean="0"/>
-              <a:t>11.03.2025</a:t>
+              <a:t>25.03.2025</a:t>
             </a:fld>
             <a:endParaRPr lang="de-AT"/>
           </a:p>
@@ -20149,7 +24092,7 @@
           <a:p>
             <a:fld id="{45EFCB84-3E55-4BB4-B142-FD608455239A}" type="slidenum">
               <a:rPr lang="de-AT" smtClean="0"/>
-              <a:t>13</a:t>
+              <a:t>19</a:t>
             </a:fld>
             <a:endParaRPr lang="de-AT"/>
           </a:p>
@@ -20241,7 +24184,368 @@
 </p:sld>
 </file>
 
-<file path=ppt/slides/slide14.xml><?xml version="1.0" encoding="utf-8"?>
+<file path=ppt/slides/slide2.xml><?xml version="1.0" encoding="utf-8"?>
+<p:sld xmlns:a="http://schemas.openxmlformats.org/drawingml/2006/main" xmlns:r="http://schemas.openxmlformats.org/officeDocument/2006/relationships" xmlns:p="http://schemas.openxmlformats.org/presentationml/2006/main">
+  <p:cSld>
+    <p:spTree>
+      <p:nvGrpSpPr>
+        <p:cNvPr id="1" name=""/>
+        <p:cNvGrpSpPr/>
+        <p:nvPr/>
+      </p:nvGrpSpPr>
+      <p:grpSpPr>
+        <a:xfrm>
+          <a:off x="0" y="0"/>
+          <a:ext cx="0" cy="0"/>
+          <a:chOff x="0" y="0"/>
+          <a:chExt cx="0" cy="0"/>
+        </a:xfrm>
+      </p:grpSpPr>
+      <p:pic>
+        <p:nvPicPr>
+          <p:cNvPr id="6150" name="Picture 6" descr="Lab#SB08-2: Vaadin – albertprofe wiki">
+            <a:extLst>
+              <a:ext uri="{FF2B5EF4-FFF2-40B4-BE49-F238E27FC236}">
+                <a16:creationId xmlns:a16="http://schemas.microsoft.com/office/drawing/2014/main" id="{6C48D870-20FF-BBD5-69D4-5D8305F1382B}"/>
+              </a:ext>
+            </a:extLst>
+          </p:cNvPr>
+          <p:cNvPicPr>
+            <a:picLocks noChangeAspect="1" noChangeArrowheads="1"/>
+          </p:cNvPicPr>
+          <p:nvPr/>
+        </p:nvPicPr>
+        <p:blipFill>
+          <a:blip r:embed="rId2">
+            <a:extLst>
+              <a:ext uri="{28A0092B-C50C-407E-A947-70E740481C1C}">
+                <a14:useLocalDpi xmlns:a14="http://schemas.microsoft.com/office/drawing/2010/main" val="0"/>
+              </a:ext>
+            </a:extLst>
+          </a:blip>
+          <a:srcRect/>
+          <a:stretch>
+            <a:fillRect/>
+          </a:stretch>
+        </p:blipFill>
+        <p:spPr bwMode="auto">
+          <a:xfrm>
+            <a:off x="6233430" y="4445000"/>
+            <a:ext cx="3901440" cy="1866900"/>
+          </a:xfrm>
+          <a:prstGeom prst="rect">
+            <a:avLst/>
+          </a:prstGeom>
+          <a:noFill/>
+          <a:extLst>
+            <a:ext uri="{909E8E84-426E-40DD-AFC4-6F175D3DCCD1}">
+              <a14:hiddenFill xmlns:a14="http://schemas.microsoft.com/office/drawing/2010/main">
+                <a:solidFill>
+                  <a:srgbClr val="FFFFFF"/>
+                </a:solidFill>
+              </a14:hiddenFill>
+            </a:ext>
+          </a:extLst>
+        </p:spPr>
+      </p:pic>
+      <p:sp>
+        <p:nvSpPr>
+          <p:cNvPr id="2" name="Titel 1">
+            <a:extLst>
+              <a:ext uri="{FF2B5EF4-FFF2-40B4-BE49-F238E27FC236}">
+                <a16:creationId xmlns:a16="http://schemas.microsoft.com/office/drawing/2014/main" id="{678ACB8C-F6B9-6940-B4B2-B34210C26A63}"/>
+              </a:ext>
+            </a:extLst>
+          </p:cNvPr>
+          <p:cNvSpPr>
+            <a:spLocks noGrp="1"/>
+          </p:cNvSpPr>
+          <p:nvPr>
+            <p:ph type="title"/>
+          </p:nvPr>
+        </p:nvSpPr>
+        <p:spPr/>
+        <p:txBody>
+          <a:bodyPr/>
+          <a:lstStyle/>
+          <a:p>
+            <a:r>
+              <a:rPr lang="de-AT" dirty="0"/>
+              <a:t>Inhalt</a:t>
+            </a:r>
+          </a:p>
+        </p:txBody>
+      </p:sp>
+      <p:sp>
+        <p:nvSpPr>
+          <p:cNvPr id="3" name="Inhaltsplatzhalter 2">
+            <a:extLst>
+              <a:ext uri="{FF2B5EF4-FFF2-40B4-BE49-F238E27FC236}">
+                <a16:creationId xmlns:a16="http://schemas.microsoft.com/office/drawing/2014/main" id="{DE7D412A-91C6-421A-EDA9-3D49B3EE08CA}"/>
+              </a:ext>
+            </a:extLst>
+          </p:cNvPr>
+          <p:cNvSpPr>
+            <a:spLocks noGrp="1"/>
+          </p:cNvSpPr>
+          <p:nvPr>
+            <p:ph idx="1"/>
+          </p:nvPr>
+        </p:nvSpPr>
+        <p:spPr/>
+        <p:txBody>
+          <a:bodyPr>
+            <a:normAutofit lnSpcReduction="10000"/>
+          </a:bodyPr>
+          <a:lstStyle/>
+          <a:p>
+            <a:r>
+              <a:rPr lang="de-AT" dirty="0"/>
+              <a:t>Einleitung</a:t>
+            </a:r>
+          </a:p>
+          <a:p>
+            <a:endParaRPr lang="de-AT" dirty="0"/>
+          </a:p>
+          <a:p>
+            <a:r>
+              <a:rPr lang="de-AT" dirty="0"/>
+              <a:t>Grundwissen &amp; Theorie</a:t>
+            </a:r>
+          </a:p>
+          <a:p>
+            <a:pPr lvl="1"/>
+            <a:r>
+              <a:rPr lang="de-AT" dirty="0"/>
+              <a:t>Architekturüberblick</a:t>
+            </a:r>
+          </a:p>
+          <a:p>
+            <a:pPr lvl="1"/>
+            <a:r>
+              <a:rPr lang="de-AT" dirty="0"/>
+              <a:t>Flow im Detail</a:t>
+            </a:r>
+          </a:p>
+          <a:p>
+            <a:pPr lvl="1"/>
+            <a:endParaRPr lang="de-AT" dirty="0"/>
+          </a:p>
+          <a:p>
+            <a:pPr marL="228600" lvl="1">
+              <a:spcBef>
+                <a:spcPts val="1000"/>
+              </a:spcBef>
+            </a:pPr>
+            <a:r>
+              <a:rPr lang="de-AT" sz="2800" dirty="0"/>
+              <a:t>Demo-Projekt</a:t>
+            </a:r>
+          </a:p>
+          <a:p>
+            <a:pPr marL="685800" lvl="2">
+              <a:spcBef>
+                <a:spcPts val="1000"/>
+              </a:spcBef>
+            </a:pPr>
+            <a:r>
+              <a:rPr lang="de-AT" sz="2400" dirty="0"/>
+              <a:t>Einführung und Übersicht</a:t>
+            </a:r>
+          </a:p>
+          <a:p>
+            <a:pPr marL="685800" lvl="2">
+              <a:spcBef>
+                <a:spcPts val="1000"/>
+              </a:spcBef>
+            </a:pPr>
+            <a:r>
+              <a:rPr lang="de-AT" sz="2400" dirty="0"/>
+              <a:t>Live-Demo</a:t>
+            </a:r>
+          </a:p>
+          <a:p>
+            <a:pPr marL="228600" lvl="1">
+              <a:spcBef>
+                <a:spcPts val="1000"/>
+              </a:spcBef>
+            </a:pPr>
+            <a:r>
+              <a:rPr lang="de-AT" sz="2800" dirty="0"/>
+              <a:t>Quellen</a:t>
+            </a:r>
+          </a:p>
+        </p:txBody>
+      </p:sp>
+      <p:sp>
+        <p:nvSpPr>
+          <p:cNvPr id="4" name="Datumsplatzhalter 3">
+            <a:extLst>
+              <a:ext uri="{FF2B5EF4-FFF2-40B4-BE49-F238E27FC236}">
+                <a16:creationId xmlns:a16="http://schemas.microsoft.com/office/drawing/2014/main" id="{D363BD13-1DE7-48C6-5C7B-A3EB95438BD9}"/>
+              </a:ext>
+            </a:extLst>
+          </p:cNvPr>
+          <p:cNvSpPr>
+            <a:spLocks noGrp="1"/>
+          </p:cNvSpPr>
+          <p:nvPr>
+            <p:ph type="dt" sz="half" idx="10"/>
+          </p:nvPr>
+        </p:nvSpPr>
+        <p:spPr/>
+        <p:txBody>
+          <a:bodyPr/>
+          <a:lstStyle/>
+          <a:p>
+            <a:fld id="{684D5CCA-44DE-413B-B5C1-1D136BF17977}" type="datetime1">
+              <a:rPr lang="de-AT" smtClean="0"/>
+              <a:t>25.03.2025</a:t>
+            </a:fld>
+            <a:endParaRPr lang="de-AT"/>
+          </a:p>
+        </p:txBody>
+      </p:sp>
+      <p:sp>
+        <p:nvSpPr>
+          <p:cNvPr id="5" name="Foliennummernplatzhalter 4">
+            <a:extLst>
+              <a:ext uri="{FF2B5EF4-FFF2-40B4-BE49-F238E27FC236}">
+                <a16:creationId xmlns:a16="http://schemas.microsoft.com/office/drawing/2014/main" id="{3C11F861-1408-D5E3-DE65-D1E96FB3E5BD}"/>
+              </a:ext>
+            </a:extLst>
+          </p:cNvPr>
+          <p:cNvSpPr>
+            <a:spLocks noGrp="1"/>
+          </p:cNvSpPr>
+          <p:nvPr>
+            <p:ph type="sldNum" sz="quarter" idx="12"/>
+          </p:nvPr>
+        </p:nvSpPr>
+        <p:spPr/>
+        <p:txBody>
+          <a:bodyPr/>
+          <a:lstStyle/>
+          <a:p>
+            <a:fld id="{45EFCB84-3E55-4BB4-B142-FD608455239A}" type="slidenum">
+              <a:rPr lang="de-AT" smtClean="0"/>
+              <a:t>2</a:t>
+            </a:fld>
+            <a:endParaRPr lang="de-AT"/>
+          </a:p>
+        </p:txBody>
+      </p:sp>
+      <p:pic>
+        <p:nvPicPr>
+          <p:cNvPr id="6146" name="Picture 2" descr="Vaadin UI Components Library for Java Web Apps | Vaadin">
+            <a:extLst>
+              <a:ext uri="{FF2B5EF4-FFF2-40B4-BE49-F238E27FC236}">
+                <a16:creationId xmlns:a16="http://schemas.microsoft.com/office/drawing/2014/main" id="{F375E108-8742-792F-CC9F-3528A3A463ED}"/>
+              </a:ext>
+            </a:extLst>
+          </p:cNvPr>
+          <p:cNvPicPr>
+            <a:picLocks noChangeAspect="1" noChangeArrowheads="1"/>
+          </p:cNvPicPr>
+          <p:nvPr/>
+        </p:nvPicPr>
+        <p:blipFill>
+          <a:blip r:embed="rId3">
+            <a:extLst>
+              <a:ext uri="{28A0092B-C50C-407E-A947-70E740481C1C}">
+                <a14:useLocalDpi xmlns:a14="http://schemas.microsoft.com/office/drawing/2010/main" val="0"/>
+              </a:ext>
+            </a:extLst>
+          </a:blip>
+          <a:srcRect/>
+          <a:stretch>
+            <a:fillRect/>
+          </a:stretch>
+        </p:blipFill>
+        <p:spPr bwMode="auto">
+          <a:xfrm>
+            <a:off x="6208030" y="882303"/>
+            <a:ext cx="2824210" cy="2406997"/>
+          </a:xfrm>
+          <a:prstGeom prst="rect">
+            <a:avLst/>
+          </a:prstGeom>
+          <a:noFill/>
+          <a:extLst>
+            <a:ext uri="{909E8E84-426E-40DD-AFC4-6F175D3DCCD1}">
+              <a14:hiddenFill xmlns:a14="http://schemas.microsoft.com/office/drawing/2010/main">
+                <a:solidFill>
+                  <a:srgbClr val="FFFFFF"/>
+                </a:solidFill>
+              </a14:hiddenFill>
+            </a:ext>
+          </a:extLst>
+        </p:spPr>
+      </p:pic>
+      <p:pic>
+        <p:nvPicPr>
+          <p:cNvPr id="6148" name="Picture 4" descr="Automate Legacy Java App Migration to Web Apps | Vaadin Modernization">
+            <a:extLst>
+              <a:ext uri="{FF2B5EF4-FFF2-40B4-BE49-F238E27FC236}">
+                <a16:creationId xmlns:a16="http://schemas.microsoft.com/office/drawing/2014/main" id="{4D3529B5-0BB4-F596-3A04-3ECE9EEECB8E}"/>
+              </a:ext>
+            </a:extLst>
+          </p:cNvPr>
+          <p:cNvPicPr>
+            <a:picLocks noChangeAspect="1" noChangeArrowheads="1"/>
+          </p:cNvPicPr>
+          <p:nvPr/>
+        </p:nvPicPr>
+        <p:blipFill>
+          <a:blip r:embed="rId4">
+            <a:extLst>
+              <a:ext uri="{28A0092B-C50C-407E-A947-70E740481C1C}">
+                <a14:useLocalDpi xmlns:a14="http://schemas.microsoft.com/office/drawing/2010/main" val="0"/>
+              </a:ext>
+            </a:extLst>
+          </a:blip>
+          <a:srcRect/>
+          <a:stretch>
+            <a:fillRect/>
+          </a:stretch>
+        </p:blipFill>
+        <p:spPr bwMode="auto">
+          <a:xfrm flipH="1">
+            <a:off x="7550960" y="2121212"/>
+            <a:ext cx="4326890" cy="2694949"/>
+          </a:xfrm>
+          <a:prstGeom prst="rect">
+            <a:avLst/>
+          </a:prstGeom>
+          <a:noFill/>
+          <a:extLst>
+            <a:ext uri="{909E8E84-426E-40DD-AFC4-6F175D3DCCD1}">
+              <a14:hiddenFill xmlns:a14="http://schemas.microsoft.com/office/drawing/2010/main">
+                <a:solidFill>
+                  <a:srgbClr val="FFFFFF"/>
+                </a:solidFill>
+              </a14:hiddenFill>
+            </a:ext>
+          </a:extLst>
+        </p:spPr>
+      </p:pic>
+    </p:spTree>
+    <p:extLst>
+      <p:ext uri="{BB962C8B-B14F-4D97-AF65-F5344CB8AC3E}">
+        <p14:creationId xmlns:p14="http://schemas.microsoft.com/office/powerpoint/2010/main" val="2120889622"/>
+      </p:ext>
+    </p:extLst>
+  </p:cSld>
+  <p:clrMapOvr>
+    <a:masterClrMapping/>
+  </p:clrMapOvr>
+  <p:transition spd="med">
+    <p:pull/>
+  </p:transition>
+</p:sld>
+</file>
+
+<file path=ppt/slides/slide20.xml><?xml version="1.0" encoding="utf-8"?>
 <p:sld xmlns:a="http://schemas.openxmlformats.org/drawingml/2006/main" xmlns:r="http://schemas.openxmlformats.org/officeDocument/2006/relationships" xmlns:p="http://schemas.openxmlformats.org/presentationml/2006/main">
   <p:cSld>
     <p:spTree>
@@ -20334,7 +24638,7 @@
           <a:p>
             <a:fld id="{684D5CCA-44DE-413B-B5C1-1D136BF17977}" type="datetime1">
               <a:rPr lang="de-AT" smtClean="0"/>
-              <a:t>11.03.2025</a:t>
+              <a:t>25.03.2025</a:t>
             </a:fld>
             <a:endParaRPr lang="de-AT"/>
           </a:p>
@@ -20363,7 +24667,7 @@
           <a:p>
             <a:fld id="{45EFCB84-3E55-4BB4-B142-FD608455239A}" type="slidenum">
               <a:rPr lang="de-AT" smtClean="0"/>
-              <a:t>14</a:t>
+              <a:t>20</a:t>
             </a:fld>
             <a:endParaRPr lang="de-AT"/>
           </a:p>
@@ -20382,7 +24686,7 @@
 </p:sld>
 </file>
 
-<file path=ppt/slides/slide15.xml><?xml version="1.0" encoding="utf-8"?>
+<file path=ppt/slides/slide21.xml><?xml version="1.0" encoding="utf-8"?>
 <p:sld xmlns:a="http://schemas.openxmlformats.org/drawingml/2006/main" xmlns:r="http://schemas.openxmlformats.org/officeDocument/2006/relationships" xmlns:p="http://schemas.openxmlformats.org/presentationml/2006/main">
   <p:cSld>
     <p:spTree>
@@ -20455,7 +24759,7 @@
           <a:p>
             <a:fld id="{684D5CCA-44DE-413B-B5C1-1D136BF17977}" type="datetime1">
               <a:rPr lang="de-AT" smtClean="0"/>
-              <a:t>11.03.2025</a:t>
+              <a:t>25.03.2025</a:t>
             </a:fld>
             <a:endParaRPr lang="de-AT"/>
           </a:p>
@@ -20484,7 +24788,7 @@
           <a:p>
             <a:fld id="{45EFCB84-3E55-4BB4-B142-FD608455239A}" type="slidenum">
               <a:rPr lang="de-AT" smtClean="0"/>
-              <a:t>15</a:t>
+              <a:t>21</a:t>
             </a:fld>
             <a:endParaRPr lang="de-AT"/>
           </a:p>
@@ -20503,7 +24807,7 @@
 </p:sld>
 </file>
 
-<file path=ppt/slides/slide16.xml><?xml version="1.0" encoding="utf-8"?>
+<file path=ppt/slides/slide22.xml><?xml version="1.0" encoding="utf-8"?>
 <p:sld xmlns:a="http://schemas.openxmlformats.org/drawingml/2006/main" xmlns:r="http://schemas.openxmlformats.org/officeDocument/2006/relationships" xmlns:p="http://schemas.openxmlformats.org/presentationml/2006/main">
   <p:cSld>
     <p:spTree>
@@ -20569,7 +24873,26 @@
           <a:bodyPr/>
           <a:lstStyle/>
           <a:p>
-            <a:endParaRPr lang="de-AT"/>
+            <a:r>
+              <a:rPr lang="de-AT" dirty="0">
+                <a:hlinkClick r:id="rId2"/>
+              </a:rPr>
+              <a:t>https://start.vaadin.com/app</a:t>
+            </a:r>
+            <a:endParaRPr lang="de-AT" dirty="0"/>
+          </a:p>
+          <a:p>
+            <a:r>
+              <a:rPr lang="de-AT">
+                <a:hlinkClick r:id="rId3"/>
+              </a:rPr>
+              <a:t>https://vaadin.com/docs/latest/getting-started/tutorial</a:t>
+            </a:r>
+            <a:r>
+              <a:rPr lang="de-AT"/>
+              <a:t>  </a:t>
+            </a:r>
+            <a:endParaRPr lang="de-AT" dirty="0"/>
           </a:p>
         </p:txBody>
       </p:sp>
@@ -20596,7 +24919,7 @@
           <a:p>
             <a:fld id="{684D5CCA-44DE-413B-B5C1-1D136BF17977}" type="datetime1">
               <a:rPr lang="de-AT" smtClean="0"/>
-              <a:t>11.03.2025</a:t>
+              <a:t>25.03.2025</a:t>
             </a:fld>
             <a:endParaRPr lang="de-AT"/>
           </a:p>
@@ -20625,7 +24948,7 @@
           <a:p>
             <a:fld id="{45EFCB84-3E55-4BB4-B142-FD608455239A}" type="slidenum">
               <a:rPr lang="de-AT" smtClean="0"/>
-              <a:t>16</a:t>
+              <a:t>22</a:t>
             </a:fld>
             <a:endParaRPr lang="de-AT"/>
           </a:p>
@@ -20644,7 +24967,7 @@
 </p:sld>
 </file>
 
-<file path=ppt/slides/slide17.xml><?xml version="1.0" encoding="utf-8"?>
+<file path=ppt/slides/slide23.xml><?xml version="1.0" encoding="utf-8"?>
 <p:sld xmlns:a="http://schemas.openxmlformats.org/drawingml/2006/main" xmlns:r="http://schemas.openxmlformats.org/officeDocument/2006/relationships" xmlns:p="http://schemas.openxmlformats.org/presentationml/2006/main">
   <p:cSld>
     <p:spTree>
@@ -20684,7 +25007,7 @@
           <a:p>
             <a:r>
               <a:rPr lang="de-AT" dirty="0"/>
-              <a:t>Bildquellen</a:t>
+              <a:t>Bildquellen (#1)</a:t>
             </a:r>
           </a:p>
         </p:txBody>
@@ -20710,7 +25033,52 @@
           <a:bodyPr/>
           <a:lstStyle/>
           <a:p>
-            <a:endParaRPr lang="de-AT"/>
+            <a:r>
+              <a:rPr lang="de-AT" dirty="0">
+                <a:hlinkClick r:id="rId2"/>
+              </a:rPr>
+              <a:t>https://vaadin.com/images/trademark/PNG/VaadinLogomark_RGB_1000x1000.png</a:t>
+            </a:r>
+            <a:r>
+              <a:rPr lang="de-AT" dirty="0"/>
+              <a:t> </a:t>
+            </a:r>
+          </a:p>
+          <a:p>
+            <a:r>
+              <a:rPr lang="de-AT" dirty="0">
+                <a:hlinkClick r:id="rId3"/>
+              </a:rPr>
+              <a:t>https://upload.wikimedia.org/wikipedia/de/thumb/e/e1/Java-Logo.svg/1082px-Java-Logo.svg.png</a:t>
+            </a:r>
+            <a:r>
+              <a:rPr lang="de-AT" dirty="0"/>
+              <a:t> </a:t>
+            </a:r>
+          </a:p>
+          <a:p>
+            <a:r>
+              <a:rPr lang="de-AT" dirty="0">
+                <a:hlinkClick r:id="rId4"/>
+              </a:rPr>
+              <a:t>https://www.fu-berlin.de/campusleben/forschen/2017/1709xx-hyperstore/server.jpg?width=1000</a:t>
+            </a:r>
+            <a:r>
+              <a:rPr lang="de-AT" dirty="0"/>
+              <a:t> </a:t>
+            </a:r>
+          </a:p>
+          <a:p>
+            <a:r>
+              <a:rPr lang="de-AT" dirty="0">
+                <a:hlinkClick r:id="rId5"/>
+              </a:rPr>
+              <a:t>https://website.vaadin.com/hs-fs/hubfs/1.%20Website%20images/components/components-hero.png?width=704&amp;name=components-hero.png</a:t>
+            </a:r>
+            <a:r>
+              <a:rPr lang="de-AT" dirty="0"/>
+              <a:t> </a:t>
+            </a:r>
           </a:p>
         </p:txBody>
       </p:sp>
@@ -20737,7 +25105,7 @@
           <a:p>
             <a:fld id="{684D5CCA-44DE-413B-B5C1-1D136BF17977}" type="datetime1">
               <a:rPr lang="de-AT" smtClean="0"/>
-              <a:t>11.03.2025</a:t>
+              <a:t>25.03.2025</a:t>
             </a:fld>
             <a:endParaRPr lang="de-AT"/>
           </a:p>
@@ -20766,7 +25134,7 @@
           <a:p>
             <a:fld id="{45EFCB84-3E55-4BB4-B142-FD608455239A}" type="slidenum">
               <a:rPr lang="de-AT" smtClean="0"/>
-              <a:t>17</a:t>
+              <a:t>23</a:t>
             </a:fld>
             <a:endParaRPr lang="de-AT"/>
           </a:p>
@@ -20785,7 +25153,7 @@
 </p:sld>
 </file>
 
-<file path=ppt/slides/slide2.xml><?xml version="1.0" encoding="utf-8"?>
+<file path=ppt/slides/slide24.xml><?xml version="1.0" encoding="utf-8"?>
 <p:sld xmlns:a="http://schemas.openxmlformats.org/drawingml/2006/main" xmlns:r="http://schemas.openxmlformats.org/officeDocument/2006/relationships" xmlns:p="http://schemas.openxmlformats.org/presentationml/2006/main">
   <p:cSld>
     <p:spTree>
@@ -20807,7 +25175,7 @@
           <p:cNvPr id="2" name="Titel 1">
             <a:extLst>
               <a:ext uri="{FF2B5EF4-FFF2-40B4-BE49-F238E27FC236}">
-                <a16:creationId xmlns:a16="http://schemas.microsoft.com/office/drawing/2014/main" id="{678ACB8C-F6B9-6940-B4B2-B34210C26A63}"/>
+                <a16:creationId xmlns:a16="http://schemas.microsoft.com/office/drawing/2014/main" id="{4D643513-9FF8-C9FA-FED8-DCBFED408A2C}"/>
               </a:ext>
             </a:extLst>
           </p:cNvPr>
@@ -20824,8 +25192,8 @@
           <a:lstStyle/>
           <a:p>
             <a:r>
-              <a:rPr lang="de-AT" dirty="0"/>
-              <a:t>Inhalt</a:t>
+              <a:rPr lang="de-DE" dirty="0"/>
+              <a:t>Bildquellen (#2)</a:t>
             </a:r>
           </a:p>
         </p:txBody>
@@ -20835,7 +25203,7 @@
           <p:cNvPr id="3" name="Inhaltsplatzhalter 2">
             <a:extLst>
               <a:ext uri="{FF2B5EF4-FFF2-40B4-BE49-F238E27FC236}">
-                <a16:creationId xmlns:a16="http://schemas.microsoft.com/office/drawing/2014/main" id="{DE7D412A-91C6-421A-EDA9-3D49B3EE08CA}"/>
+                <a16:creationId xmlns:a16="http://schemas.microsoft.com/office/drawing/2014/main" id="{07CB15E3-CA8C-934D-C45E-CCA2083FF2A7}"/>
               </a:ext>
             </a:extLst>
           </p:cNvPr>
@@ -20848,85 +25216,27 @@
         </p:nvSpPr>
         <p:spPr/>
         <p:txBody>
-          <a:bodyPr>
-            <a:normAutofit lnSpcReduction="10000"/>
-          </a:bodyPr>
+          <a:bodyPr/>
           <a:lstStyle/>
           <a:p>
             <a:r>
-              <a:rPr lang="de-AT" dirty="0"/>
-              <a:t>Einleitung</a:t>
+              <a:rPr lang="de-DE" dirty="0">
+                <a:hlinkClick r:id="rId2"/>
+              </a:rPr>
+              <a:t>https://website.vaadin.com/hs-fs/hubfs/swing-to-vaadin.png?width=1360&amp;height=847&amp;name=swing-to-vaadin.png</a:t>
             </a:r>
-          </a:p>
-          <a:p>
-            <a:endParaRPr lang="de-AT" dirty="0"/>
+            <a:endParaRPr lang="de-DE" dirty="0"/>
           </a:p>
           <a:p>
             <a:r>
-              <a:rPr lang="de-AT" dirty="0"/>
-              <a:t>Grundwissen &amp; Theorie</a:t>
+              <a:rPr lang="de-DE" dirty="0">
+                <a:hlinkClick r:id="rId3"/>
+              </a:rPr>
+              <a:t>https://albertprofe.dev/images/springboot/labsb08/lab08-1-vaadin-view-restaurantVaadin2.png</a:t>
             </a:r>
-          </a:p>
-          <a:p>
-            <a:pPr lvl="1"/>
             <a:r>
-              <a:rPr lang="de-AT" dirty="0"/>
-              <a:t>TEIL 1</a:t>
-            </a:r>
-          </a:p>
-          <a:p>
-            <a:pPr lvl="1"/>
-            <a:r>
-              <a:rPr lang="de-AT" dirty="0"/>
-              <a:t>TEIL 2</a:t>
-            </a:r>
-          </a:p>
-          <a:p>
-            <a:pPr lvl="1"/>
-            <a:endParaRPr lang="de-AT" dirty="0"/>
-          </a:p>
-          <a:p>
-            <a:pPr marL="228600" lvl="1">
-              <a:spcBef>
-                <a:spcPts val="1000"/>
-              </a:spcBef>
-            </a:pPr>
-            <a:r>
-              <a:rPr lang="de-AT" sz="2800" dirty="0"/>
-              <a:t>Demo-Projekt</a:t>
-            </a:r>
-          </a:p>
-          <a:p>
-            <a:pPr marL="685800" lvl="2">
-              <a:spcBef>
-                <a:spcPts val="1000"/>
-              </a:spcBef>
-            </a:pPr>
-            <a:r>
-              <a:rPr lang="de-AT" sz="2400" dirty="0"/>
-              <a:t>Einführung und Übersicht</a:t>
-            </a:r>
-          </a:p>
-          <a:p>
-            <a:pPr marL="685800" lvl="2">
-              <a:spcBef>
-                <a:spcPts val="1000"/>
-              </a:spcBef>
-            </a:pPr>
-            <a:r>
-              <a:rPr lang="de-AT" sz="2400" dirty="0"/>
-              <a:t>Live-Demo</a:t>
-            </a:r>
-          </a:p>
-          <a:p>
-            <a:pPr marL="228600" lvl="1">
-              <a:spcBef>
-                <a:spcPts val="1000"/>
-              </a:spcBef>
-            </a:pPr>
-            <a:r>
-              <a:rPr lang="de-AT" sz="2800" dirty="0"/>
-              <a:t>Quellen</a:t>
+              <a:rPr lang="de-DE" dirty="0"/>
+              <a:t>  </a:t>
             </a:r>
           </a:p>
         </p:txBody>
@@ -20936,7 +25246,7 @@
           <p:cNvPr id="4" name="Datumsplatzhalter 3">
             <a:extLst>
               <a:ext uri="{FF2B5EF4-FFF2-40B4-BE49-F238E27FC236}">
-                <a16:creationId xmlns:a16="http://schemas.microsoft.com/office/drawing/2014/main" id="{D363BD13-1DE7-48C6-5C7B-A3EB95438BD9}"/>
+                <a16:creationId xmlns:a16="http://schemas.microsoft.com/office/drawing/2014/main" id="{18DA76A6-37FD-82A7-E28D-E94EEDF48B6E}"/>
               </a:ext>
             </a:extLst>
           </p:cNvPr>
@@ -20954,7 +25264,7 @@
           <a:p>
             <a:fld id="{684D5CCA-44DE-413B-B5C1-1D136BF17977}" type="datetime1">
               <a:rPr lang="de-AT" smtClean="0"/>
-              <a:t>11.03.2025</a:t>
+              <a:t>25.03.2025</a:t>
             </a:fld>
             <a:endParaRPr lang="de-AT"/>
           </a:p>
@@ -20965,7 +25275,7 @@
           <p:cNvPr id="5" name="Foliennummernplatzhalter 4">
             <a:extLst>
               <a:ext uri="{FF2B5EF4-FFF2-40B4-BE49-F238E27FC236}">
-                <a16:creationId xmlns:a16="http://schemas.microsoft.com/office/drawing/2014/main" id="{3C11F861-1408-D5E3-DE65-D1E96FB3E5BD}"/>
+                <a16:creationId xmlns:a16="http://schemas.microsoft.com/office/drawing/2014/main" id="{03619C51-A5A4-A14B-83C3-3CE338584826}"/>
               </a:ext>
             </a:extLst>
           </p:cNvPr>
@@ -20983,7 +25293,7 @@
           <a:p>
             <a:fld id="{45EFCB84-3E55-4BB4-B142-FD608455239A}" type="slidenum">
               <a:rPr lang="de-AT" smtClean="0"/>
-              <a:t>2</a:t>
+              <a:t>24</a:t>
             </a:fld>
             <a:endParaRPr lang="de-AT"/>
           </a:p>
@@ -20992,7 +25302,7 @@
     </p:spTree>
     <p:extLst>
       <p:ext uri="{BB962C8B-B14F-4D97-AF65-F5344CB8AC3E}">
-        <p14:creationId xmlns:p14="http://schemas.microsoft.com/office/powerpoint/2010/main" val="2120889622"/>
+        <p14:creationId xmlns:p14="http://schemas.microsoft.com/office/powerpoint/2010/main" val="3263711900"/>
       </p:ext>
     </p:extLst>
   </p:cSld>
@@ -21177,7 +25487,7 @@
           <a:p>
             <a:fld id="{684D5CCA-44DE-413B-B5C1-1D136BF17977}" type="datetime1">
               <a:rPr lang="de-AT" smtClean="0"/>
-              <a:t>11.03.2025</a:t>
+              <a:t>25.03.2025</a:t>
             </a:fld>
             <a:endParaRPr lang="de-AT"/>
           </a:p>
@@ -21222,6 +25532,9 @@
   <p:clrMapOvr>
     <a:masterClrMapping/>
   </p:clrMapOvr>
+  <p:transition spd="med">
+    <p:pull/>
+  </p:transition>
 </p:sld>
 </file>
 
@@ -21318,7 +25631,7 @@
           <a:p>
             <a:fld id="{684D5CCA-44DE-413B-B5C1-1D136BF17977}" type="datetime1">
               <a:rPr lang="de-AT" smtClean="0"/>
-              <a:t>11.03.2025</a:t>
+              <a:t>25.03.2025</a:t>
             </a:fld>
             <a:endParaRPr lang="de-AT"/>
           </a:p>
@@ -21363,6 +25676,9 @@
   <p:clrMapOvr>
     <a:masterClrMapping/>
   </p:clrMapOvr>
+  <p:transition spd="slow">
+    <p:push dir="u"/>
+  </p:transition>
 </p:sld>
 </file>
 
@@ -21476,7 +25792,7 @@
           <a:p>
             <a:fld id="{684D5CCA-44DE-413B-B5C1-1D136BF17977}" type="datetime1">
               <a:rPr lang="de-AT" smtClean="0"/>
-              <a:t>11.03.2025</a:t>
+              <a:t>25.03.2025</a:t>
             </a:fld>
             <a:endParaRPr lang="de-AT"/>
           </a:p>
@@ -21594,6 +25910,9 @@
   <p:clrMapOvr>
     <a:masterClrMapping/>
   </p:clrMapOvr>
+  <p:transition spd="med">
+    <p:pull/>
+  </p:transition>
 </p:sld>
 </file>
 
@@ -21669,7 +25988,7 @@
             <p:ph idx="1"/>
             <p:extLst>
               <p:ext uri="{D42A27DB-BD31-4B8C-83A1-F6EECF244321}">
-                <p14:modId xmlns:p14="http://schemas.microsoft.com/office/powerpoint/2010/main" val="1434579087"/>
+                <p14:modId xmlns:p14="http://schemas.microsoft.com/office/powerpoint/2010/main" val="1341326543"/>
               </p:ext>
             </p:extLst>
           </p:nvPr>
@@ -21707,7 +26026,7 @@
           <a:p>
             <a:fld id="{684D5CCA-44DE-413B-B5C1-1D136BF17977}" type="datetime1">
               <a:rPr lang="de-AT" smtClean="0"/>
-              <a:t>11.03.2025</a:t>
+              <a:t>25.03.2025</a:t>
             </a:fld>
             <a:endParaRPr lang="de-AT"/>
           </a:p>
@@ -21826,13 +26145,13 @@
     <a:masterClrMapping/>
   </p:clrMapOvr>
   <mc:AlternateContent xmlns:mc="http://schemas.openxmlformats.org/markup-compatibility/2006">
-    <mc:Choice xmlns:p14="http://schemas.microsoft.com/office/powerpoint/2010/main" Requires="p14">
-      <p:transition spd="med" p14:dur="700">
-        <p:fade/>
+    <mc:Choice xmlns:p159="http://schemas.microsoft.com/office/powerpoint/2015/09/main" Requires="p159">
+      <p:transition xmlns:p14="http://schemas.microsoft.com/office/powerpoint/2010/main" spd="slow" p14:dur="2000">
+        <p159:morph option="byObject"/>
       </p:transition>
     </mc:Choice>
     <mc:Fallback>
-      <p:transition spd="med">
+      <p:transition spd="slow">
         <p:fade/>
       </p:transition>
     </mc:Fallback>
@@ -21950,7 +26269,7 @@
           <a:p>
             <a:fld id="{684D5CCA-44DE-413B-B5C1-1D136BF17977}" type="datetime1">
               <a:rPr lang="de-AT" smtClean="0"/>
-              <a:t>11.03.2025</a:t>
+              <a:t>25.03.2025</a:t>
             </a:fld>
             <a:endParaRPr lang="de-AT"/>
           </a:p>
@@ -22069,13 +26388,13 @@
     <a:masterClrMapping/>
   </p:clrMapOvr>
   <mc:AlternateContent xmlns:mc="http://schemas.openxmlformats.org/markup-compatibility/2006">
-    <mc:Choice xmlns:p14="http://schemas.microsoft.com/office/powerpoint/2010/main" Requires="p14">
-      <p:transition spd="med" p14:dur="700">
-        <p:fade/>
+    <mc:Choice xmlns:p159="http://schemas.microsoft.com/office/powerpoint/2015/09/main" Requires="p159">
+      <p:transition xmlns:p14="http://schemas.microsoft.com/office/powerpoint/2010/main" spd="slow" p14:dur="2000">
+        <p159:morph option="byObject"/>
       </p:transition>
     </mc:Choice>
     <mc:Fallback>
-      <p:transition spd="med">
+      <p:transition spd="slow">
         <p:fade/>
       </p:transition>
     </mc:Fallback>
@@ -22193,7 +26512,7 @@
           <a:p>
             <a:fld id="{684D5CCA-44DE-413B-B5C1-1D136BF17977}" type="datetime1">
               <a:rPr lang="de-AT" smtClean="0"/>
-              <a:t>11.03.2025</a:t>
+              <a:t>25.03.2025</a:t>
             </a:fld>
             <a:endParaRPr lang="de-AT"/>
           </a:p>
@@ -22312,13 +26631,13 @@
     <a:masterClrMapping/>
   </p:clrMapOvr>
   <mc:AlternateContent xmlns:mc="http://schemas.openxmlformats.org/markup-compatibility/2006">
-    <mc:Choice xmlns:p14="http://schemas.microsoft.com/office/powerpoint/2010/main" Requires="p14">
-      <p:transition spd="med" p14:dur="700">
-        <p:fade/>
+    <mc:Choice xmlns:p159="http://schemas.microsoft.com/office/powerpoint/2015/09/main" Requires="p159">
+      <p:transition xmlns:p14="http://schemas.microsoft.com/office/powerpoint/2010/main" spd="slow" p14:dur="2000">
+        <p159:morph option="byObject"/>
       </p:transition>
     </mc:Choice>
     <mc:Fallback>
-      <p:transition spd="med">
+      <p:transition spd="slow">
         <p:fade/>
       </p:transition>
     </mc:Fallback>
@@ -22436,7 +26755,7 @@
           <a:p>
             <a:fld id="{684D5CCA-44DE-413B-B5C1-1D136BF17977}" type="datetime1">
               <a:rPr lang="de-AT" smtClean="0"/>
-              <a:t>11.03.2025</a:t>
+              <a:t>25.03.2025</a:t>
             </a:fld>
             <a:endParaRPr lang="de-AT"/>
           </a:p>
@@ -22555,13 +26874,13 @@
     <a:masterClrMapping/>
   </p:clrMapOvr>
   <mc:AlternateContent xmlns:mc="http://schemas.openxmlformats.org/markup-compatibility/2006">
-    <mc:Choice xmlns:p14="http://schemas.microsoft.com/office/powerpoint/2010/main" Requires="p14">
-      <p:transition spd="med" p14:dur="700">
-        <p:fade/>
+    <mc:Choice xmlns:p159="http://schemas.microsoft.com/office/powerpoint/2015/09/main" Requires="p159">
+      <p:transition xmlns:p14="http://schemas.microsoft.com/office/powerpoint/2010/main" spd="slow" p14:dur="2000">
+        <p159:morph option="byObject"/>
       </p:transition>
     </mc:Choice>
     <mc:Fallback>
-      <p:transition spd="med">
+      <p:transition spd="slow">
         <p:fade/>
       </p:transition>
     </mc:Fallback>

--- a/00_Docs/Projektpraesentation.pptx
+++ b/00_Docs/Projektpraesentation.pptx
@@ -16553,7 +16553,7 @@
           <a:p>
             <a:fld id="{BCBBFA01-F023-4377-89AC-C163B9E7E6D1}" type="datetimeFigureOut">
               <a:rPr lang="de-AT" smtClean="0"/>
-              <a:t>25.03.2025</a:t>
+              <a:t>01.04.2025</a:t>
             </a:fld>
             <a:endParaRPr lang="de-AT"/>
           </a:p>
@@ -16970,7 +16970,7 @@
           <a:p>
             <a:fld id="{91D97426-86D1-4430-A049-06D8092E65E2}" type="datetime1">
               <a:rPr lang="de-AT" smtClean="0"/>
-              <a:t>25.03.2025</a:t>
+              <a:t>01.04.2025</a:t>
             </a:fld>
             <a:endParaRPr lang="de-AT"/>
           </a:p>
@@ -17170,7 +17170,7 @@
           <a:p>
             <a:fld id="{04009A1F-4CEB-4835-9A5C-2F9E019478A7}" type="datetime1">
               <a:rPr lang="de-AT" smtClean="0"/>
-              <a:t>25.03.2025</a:t>
+              <a:t>01.04.2025</a:t>
             </a:fld>
             <a:endParaRPr lang="de-AT"/>
           </a:p>
@@ -17380,7 +17380,7 @@
           <a:p>
             <a:fld id="{45E7D8FD-26F5-45BE-A321-F0FFCC7A3233}" type="datetime1">
               <a:rPr lang="de-AT" smtClean="0"/>
-              <a:t>25.03.2025</a:t>
+              <a:t>01.04.2025</a:t>
             </a:fld>
             <a:endParaRPr lang="de-AT"/>
           </a:p>
@@ -17580,7 +17580,7 @@
           <a:p>
             <a:fld id="{684D5CCA-44DE-413B-B5C1-1D136BF17977}" type="datetime1">
               <a:rPr lang="de-AT" smtClean="0"/>
-              <a:t>25.03.2025</a:t>
+              <a:t>01.04.2025</a:t>
             </a:fld>
             <a:endParaRPr lang="de-AT"/>
           </a:p>
@@ -17856,7 +17856,7 @@
           <a:p>
             <a:fld id="{0973C9B9-FBD9-40E9-9A50-344DDEEE4B2E}" type="datetime1">
               <a:rPr lang="de-AT" smtClean="0"/>
-              <a:t>25.03.2025</a:t>
+              <a:t>01.04.2025</a:t>
             </a:fld>
             <a:endParaRPr lang="de-AT"/>
           </a:p>
@@ -18124,7 +18124,7 @@
           <a:p>
             <a:fld id="{D28AC31D-080C-4A74-AF7A-6F3E55F236C4}" type="datetime1">
               <a:rPr lang="de-AT" smtClean="0"/>
-              <a:t>25.03.2025</a:t>
+              <a:t>01.04.2025</a:t>
             </a:fld>
             <a:endParaRPr lang="de-AT"/>
           </a:p>
@@ -18539,7 +18539,7 @@
           <a:p>
             <a:fld id="{1605DBBD-7D16-4D89-A115-B9FED4687354}" type="datetime1">
               <a:rPr lang="de-AT" smtClean="0"/>
-              <a:t>25.03.2025</a:t>
+              <a:t>01.04.2025</a:t>
             </a:fld>
             <a:endParaRPr lang="de-AT"/>
           </a:p>
@@ -18681,7 +18681,7 @@
           <a:p>
             <a:fld id="{0FA14D0E-A22E-4A65-8EA2-AFA19114667D}" type="datetime1">
               <a:rPr lang="de-AT" smtClean="0"/>
-              <a:t>25.03.2025</a:t>
+              <a:t>01.04.2025</a:t>
             </a:fld>
             <a:endParaRPr lang="de-AT"/>
           </a:p>
@@ -18794,7 +18794,7 @@
           <a:p>
             <a:fld id="{3E9C06AC-6CF7-457D-9838-1745E9877239}" type="datetime1">
               <a:rPr lang="de-AT" smtClean="0"/>
-              <a:t>25.03.2025</a:t>
+              <a:t>01.04.2025</a:t>
             </a:fld>
             <a:endParaRPr lang="de-AT"/>
           </a:p>
@@ -19107,7 +19107,7 @@
           <a:p>
             <a:fld id="{68CDD33F-05D0-4A49-AB44-CE36B5ED24A9}" type="datetime1">
               <a:rPr lang="de-AT" smtClean="0"/>
-              <a:t>25.03.2025</a:t>
+              <a:t>01.04.2025</a:t>
             </a:fld>
             <a:endParaRPr lang="de-AT"/>
           </a:p>
@@ -19396,7 +19396,7 @@
           <a:p>
             <a:fld id="{4728BC80-3BC6-453A-B3E1-783E722C379B}" type="datetime1">
               <a:rPr lang="de-AT" smtClean="0"/>
-              <a:t>25.03.2025</a:t>
+              <a:t>01.04.2025</a:t>
             </a:fld>
             <a:endParaRPr lang="de-AT"/>
           </a:p>
@@ -19639,7 +19639,7 @@
           <a:p>
             <a:fld id="{49D5023A-80B9-4C94-9892-5C3A77B19317}" type="datetime1">
               <a:rPr lang="de-AT" smtClean="0"/>
-              <a:t>25.03.2025</a:t>
+              <a:t>01.04.2025</a:t>
             </a:fld>
             <a:endParaRPr lang="de-AT"/>
           </a:p>
@@ -20136,10 +20136,20 @@
           <a:lstStyle/>
           <a:p>
             <a:r>
-              <a:rPr lang="de-AT"/>
-              <a:t>Java Vaadin</a:t>
+              <a:rPr lang="de-AT" dirty="0">
+                <a:latin typeface="Bahnschrift" panose="020B0502040204020203" pitchFamily="34" charset="0"/>
+              </a:rPr>
+              <a:t>Java </a:t>
             </a:r>
-            <a:endParaRPr lang="de-AT" dirty="0"/>
+            <a:r>
+              <a:rPr lang="de-AT" dirty="0" err="1">
+                <a:latin typeface="Bahnschrift" panose="020B0502040204020203" pitchFamily="34" charset="0"/>
+              </a:rPr>
+              <a:t>Vaadin</a:t>
+            </a:r>
+            <a:endParaRPr lang="de-AT" dirty="0">
+              <a:latin typeface="Bahnschrift" panose="020B0502040204020203" pitchFamily="34" charset="0"/>
+            </a:endParaRPr>
           </a:p>
         </p:txBody>
       </p:sp>
@@ -20165,10 +20175,20 @@
           <a:lstStyle/>
           <a:p>
             <a:r>
-              <a:rPr lang="de-AT"/>
-              <a:t>Jonas Aberger, Fabian Haslinger, Tim Hechenberger</a:t>
+              <a:rPr lang="de-AT" dirty="0">
+                <a:latin typeface="Bahnschrift" panose="020B0502040204020203" pitchFamily="34" charset="0"/>
+              </a:rPr>
+              <a:t>Jonas Aberger, Fabian Haslinger, Tim </a:t>
             </a:r>
-            <a:endParaRPr lang="de-AT" dirty="0"/>
+            <a:r>
+              <a:rPr lang="de-AT" dirty="0" err="1">
+                <a:latin typeface="Bahnschrift" panose="020B0502040204020203" pitchFamily="34" charset="0"/>
+              </a:rPr>
+              <a:t>Hechenberger</a:t>
+            </a:r>
+            <a:endParaRPr lang="de-AT" dirty="0">
+              <a:latin typeface="Bahnschrift" panose="020B0502040204020203" pitchFamily="34" charset="0"/>
+            </a:endParaRPr>
           </a:p>
         </p:txBody>
       </p:sp>
@@ -20195,7 +20215,7 @@
           <a:p>
             <a:fld id="{756D3C7B-BA68-4F0A-9E92-4F20FF1EF566}" type="datetime1">
               <a:rPr lang="de-AT" smtClean="0"/>
-              <a:t>25.03.2025</a:t>
+              <a:t>01.04.2025</a:t>
             </a:fld>
             <a:endParaRPr lang="de-AT"/>
           </a:p>
@@ -20240,13 +20260,13 @@
   <p:clrMapOvr>
     <a:masterClrMapping/>
   </p:clrMapOvr>
-  <mc:AlternateContent xmlns:mc="http://schemas.openxmlformats.org/markup-compatibility/2006">
-    <mc:Choice xmlns:p14="http://schemas.microsoft.com/office/powerpoint/2010/main" Requires="p14">
+  <mc:AlternateContent xmlns:mc="http://schemas.openxmlformats.org/markup-compatibility/2006" xmlns:p14="http://schemas.microsoft.com/office/powerpoint/2010/main">
+    <mc:Choice Requires="p14">
       <p:transition spd="slow" p14:dur="4400">
         <p14:honeycomb/>
       </p:transition>
     </mc:Choice>
-    <mc:Fallback>
+    <mc:Fallback xmlns="">
       <p:transition spd="slow">
         <p:fade/>
       </p:transition>
@@ -20295,7 +20315,7 @@
           <a:p>
             <a:fld id="{684D5CCA-44DE-413B-B5C1-1D136BF17977}" type="datetime1">
               <a:rPr lang="de-AT" smtClean="0"/>
-              <a:t>25.03.2025</a:t>
+              <a:t>01.04.2025</a:t>
             </a:fld>
             <a:endParaRPr lang="de-AT"/>
           </a:p>
@@ -20584,7 +20604,7 @@
           <a:p>
             <a:fld id="{684D5CCA-44DE-413B-B5C1-1D136BF17977}" type="datetime1">
               <a:rPr lang="de-AT" smtClean="0"/>
-              <a:t>25.03.2025</a:t>
+              <a:t>01.04.2025</a:t>
             </a:fld>
             <a:endParaRPr lang="de-AT"/>
           </a:p>
@@ -20919,7 +20939,7 @@
           <a:p>
             <a:fld id="{684D5CCA-44DE-413B-B5C1-1D136BF17977}" type="datetime1">
               <a:rPr lang="de-AT" smtClean="0"/>
-              <a:t>25.03.2025</a:t>
+              <a:t>01.04.2025</a:t>
             </a:fld>
             <a:endParaRPr lang="de-AT"/>
           </a:p>
@@ -21400,7 +21420,7 @@
           <a:p>
             <a:fld id="{684D5CCA-44DE-413B-B5C1-1D136BF17977}" type="datetime1">
               <a:rPr lang="de-AT" smtClean="0"/>
-              <a:t>25.03.2025</a:t>
+              <a:t>01.04.2025</a:t>
             </a:fld>
             <a:endParaRPr lang="de-AT"/>
           </a:p>
@@ -21873,13 +21893,13 @@
   <p:clrMapOvr>
     <a:masterClrMapping/>
   </p:clrMapOvr>
-  <mc:AlternateContent xmlns:mc="http://schemas.openxmlformats.org/markup-compatibility/2006">
-    <mc:Choice xmlns:p159="http://schemas.microsoft.com/office/powerpoint/2015/09/main" Requires="p159">
+  <mc:AlternateContent xmlns:mc="http://schemas.openxmlformats.org/markup-compatibility/2006" xmlns:p159="http://schemas.microsoft.com/office/powerpoint/2015/09/main">
+    <mc:Choice Requires="p159">
       <p:transition xmlns:p14="http://schemas.microsoft.com/office/powerpoint/2010/main" spd="slow" p14:dur="2000">
         <p159:morph option="byObject"/>
       </p:transition>
     </mc:Choice>
-    <mc:Fallback>
+    <mc:Fallback xmlns="">
       <p:transition spd="slow">
         <p:fade/>
       </p:transition>
@@ -22069,7 +22089,7 @@
           <a:p>
             <a:fld id="{684D5CCA-44DE-413B-B5C1-1D136BF17977}" type="datetime1">
               <a:rPr lang="de-AT" smtClean="0"/>
-              <a:t>25.03.2025</a:t>
+              <a:t>01.04.2025</a:t>
             </a:fld>
             <a:endParaRPr lang="de-AT"/>
           </a:p>
@@ -22542,13 +22562,13 @@
   <p:clrMapOvr>
     <a:masterClrMapping/>
   </p:clrMapOvr>
-  <mc:AlternateContent xmlns:mc="http://schemas.openxmlformats.org/markup-compatibility/2006">
-    <mc:Choice xmlns:p159="http://schemas.microsoft.com/office/powerpoint/2015/09/main" Requires="p159">
+  <mc:AlternateContent xmlns:mc="http://schemas.openxmlformats.org/markup-compatibility/2006" xmlns:p159="http://schemas.microsoft.com/office/powerpoint/2015/09/main">
+    <mc:Choice Requires="p159">
       <p:transition xmlns:p14="http://schemas.microsoft.com/office/powerpoint/2010/main" spd="slow" p14:dur="2000">
         <p159:morph option="byObject"/>
       </p:transition>
     </mc:Choice>
-    <mc:Fallback>
+    <mc:Fallback xmlns="">
       <p:transition spd="slow">
         <p:fade/>
       </p:transition>
@@ -22727,7 +22747,7 @@
           <a:p>
             <a:fld id="{684D5CCA-44DE-413B-B5C1-1D136BF17977}" type="datetime1">
               <a:rPr lang="de-AT" smtClean="0"/>
-              <a:t>25.03.2025</a:t>
+              <a:t>01.04.2025</a:t>
             </a:fld>
             <a:endParaRPr lang="de-AT"/>
           </a:p>
@@ -23048,13 +23068,13 @@
   <p:clrMapOvr>
     <a:masterClrMapping/>
   </p:clrMapOvr>
-  <mc:AlternateContent xmlns:mc="http://schemas.openxmlformats.org/markup-compatibility/2006">
-    <mc:Choice xmlns:p159="http://schemas.microsoft.com/office/powerpoint/2015/09/main" Requires="p159">
+  <mc:AlternateContent xmlns:mc="http://schemas.openxmlformats.org/markup-compatibility/2006" xmlns:p159="http://schemas.microsoft.com/office/powerpoint/2015/09/main">
+    <mc:Choice Requires="p159">
       <p:transition xmlns:p14="http://schemas.microsoft.com/office/powerpoint/2010/main" spd="slow" p14:dur="2000">
         <p159:morph option="byObject"/>
       </p:transition>
     </mc:Choice>
-    <mc:Fallback>
+    <mc:Fallback xmlns="">
       <p:transition spd="slow">
         <p:fade/>
       </p:transition>
@@ -23296,7 +23316,7 @@
           <a:p>
             <a:fld id="{684D5CCA-44DE-413B-B5C1-1D136BF17977}" type="datetime1">
               <a:rPr lang="de-AT" smtClean="0"/>
-              <a:t>25.03.2025</a:t>
+              <a:t>01.04.2025</a:t>
             </a:fld>
             <a:endParaRPr lang="de-AT"/>
           </a:p>
@@ -23636,7 +23656,7 @@
           <a:p>
             <a:fld id="{684D5CCA-44DE-413B-B5C1-1D136BF17977}" type="datetime1">
               <a:rPr lang="de-AT" smtClean="0"/>
-              <a:t>25.03.2025</a:t>
+              <a:t>01.04.2025</a:t>
             </a:fld>
             <a:endParaRPr lang="de-AT"/>
           </a:p>
@@ -23843,40 +23863,27 @@
             <p:ph type="title"/>
           </p:nvPr>
         </p:nvSpPr>
-        <p:spPr/>
+        <p:spPr>
+          <a:xfrm>
+            <a:off x="819150" y="3159760"/>
+            <a:ext cx="10515600" cy="2012315"/>
+          </a:xfrm>
+        </p:spPr>
         <p:txBody>
           <a:bodyPr/>
           <a:lstStyle/>
           <a:p>
             <a:r>
-              <a:rPr lang="de-AT" dirty="0"/>
-              <a:t>Demo Projekt : XXX</a:t>
+              <a:rPr lang="de-AT" b="1" dirty="0"/>
+              <a:t>Demo Projekt </a:t>
             </a:r>
-          </a:p>
-        </p:txBody>
-      </p:sp>
-      <p:sp>
-        <p:nvSpPr>
-          <p:cNvPr id="7" name="Textplatzhalter 6">
-            <a:extLst>
-              <a:ext uri="{FF2B5EF4-FFF2-40B4-BE49-F238E27FC236}">
-                <a16:creationId xmlns:a16="http://schemas.microsoft.com/office/drawing/2014/main" id="{D39AB5F8-E8B2-0EDC-CBD9-6D18DC33C0D2}"/>
-              </a:ext>
-            </a:extLst>
-          </p:cNvPr>
-          <p:cNvSpPr>
-            <a:spLocks noGrp="1"/>
-          </p:cNvSpPr>
-          <p:nvPr>
-            <p:ph type="body" idx="1"/>
-          </p:nvPr>
-        </p:nvSpPr>
-        <p:spPr/>
-        <p:txBody>
-          <a:bodyPr/>
-          <a:lstStyle/>
-          <a:p>
-            <a:endParaRPr lang="de-AT"/>
+            <a:br>
+              <a:rPr lang="de-AT" b="1" dirty="0"/>
+            </a:br>
+            <a:r>
+              <a:rPr lang="de-AT" b="1" dirty="0"/>
+              <a:t>ToDo-List &amp; Contact Manager</a:t>
+            </a:r>
           </a:p>
         </p:txBody>
       </p:sp>
@@ -23903,7 +23910,7 @@
           <a:p>
             <a:fld id="{684D5CCA-44DE-413B-B5C1-1D136BF17977}" type="datetime1">
               <a:rPr lang="de-AT" smtClean="0"/>
-              <a:t>25.03.2025</a:t>
+              <a:t>01.04.2025</a:t>
             </a:fld>
             <a:endParaRPr lang="de-AT"/>
           </a:p>
@@ -23938,6 +23945,100 @@
           </a:p>
         </p:txBody>
       </p:sp>
+      <p:pic>
+        <p:nvPicPr>
+          <p:cNvPr id="2056" name="Picture 8" descr="Contact Management Software | Try Freshsales for free">
+            <a:extLst>
+              <a:ext uri="{FF2B5EF4-FFF2-40B4-BE49-F238E27FC236}">
+                <a16:creationId xmlns:a16="http://schemas.microsoft.com/office/drawing/2014/main" id="{F1D99617-83C1-DBF2-2438-6C0A301277B9}"/>
+              </a:ext>
+            </a:extLst>
+          </p:cNvPr>
+          <p:cNvPicPr>
+            <a:picLocks noChangeAspect="1" noChangeArrowheads="1"/>
+          </p:cNvPicPr>
+          <p:nvPr/>
+        </p:nvPicPr>
+        <p:blipFill>
+          <a:blip r:embed="rId2">
+            <a:extLst>
+              <a:ext uri="{28A0092B-C50C-407E-A947-70E740481C1C}">
+                <a14:useLocalDpi xmlns:a14="http://schemas.microsoft.com/office/drawing/2010/main" val="0"/>
+              </a:ext>
+            </a:extLst>
+          </a:blip>
+          <a:srcRect/>
+          <a:stretch>
+            <a:fillRect/>
+          </a:stretch>
+        </p:blipFill>
+        <p:spPr bwMode="auto">
+          <a:xfrm>
+            <a:off x="7071442" y="1491218"/>
+            <a:ext cx="3980016" cy="2401444"/>
+          </a:xfrm>
+          <a:prstGeom prst="rect">
+            <a:avLst/>
+          </a:prstGeom>
+          <a:noFill/>
+          <a:extLst>
+            <a:ext uri="{909E8E84-426E-40DD-AFC4-6F175D3DCCD1}">
+              <a14:hiddenFill xmlns:a14="http://schemas.microsoft.com/office/drawing/2010/main">
+                <a:solidFill>
+                  <a:srgbClr val="FFFFFF"/>
+                </a:solidFill>
+              </a14:hiddenFill>
+            </a:ext>
+          </a:extLst>
+        </p:spPr>
+      </p:pic>
+      <p:pic>
+        <p:nvPicPr>
+          <p:cNvPr id="2058" name="Picture 10">
+            <a:extLst>
+              <a:ext uri="{FF2B5EF4-FFF2-40B4-BE49-F238E27FC236}">
+                <a16:creationId xmlns:a16="http://schemas.microsoft.com/office/drawing/2014/main" id="{48DF7975-5E01-7D62-E050-CC468E81A679}"/>
+              </a:ext>
+            </a:extLst>
+          </p:cNvPr>
+          <p:cNvPicPr>
+            <a:picLocks noChangeAspect="1" noChangeArrowheads="1"/>
+          </p:cNvPicPr>
+          <p:nvPr/>
+        </p:nvPicPr>
+        <p:blipFill>
+          <a:blip r:embed="rId3">
+            <a:extLst>
+              <a:ext uri="{28A0092B-C50C-407E-A947-70E740481C1C}">
+                <a14:useLocalDpi xmlns:a14="http://schemas.microsoft.com/office/drawing/2010/main" val="0"/>
+              </a:ext>
+            </a:extLst>
+          </a:blip>
+          <a:srcRect/>
+          <a:stretch>
+            <a:fillRect/>
+          </a:stretch>
+        </p:blipFill>
+        <p:spPr bwMode="auto">
+          <a:xfrm>
+            <a:off x="5565057" y="531967"/>
+            <a:ext cx="1730477" cy="2159973"/>
+          </a:xfrm>
+          <a:prstGeom prst="rect">
+            <a:avLst/>
+          </a:prstGeom>
+          <a:noFill/>
+          <a:extLst>
+            <a:ext uri="{909E8E84-426E-40DD-AFC4-6F175D3DCCD1}">
+              <a14:hiddenFill xmlns:a14="http://schemas.microsoft.com/office/drawing/2010/main">
+                <a:solidFill>
+                  <a:srgbClr val="FFFFFF"/>
+                </a:solidFill>
+              </a14:hiddenFill>
+            </a:ext>
+          </a:extLst>
+        </p:spPr>
+      </p:pic>
     </p:spTree>
     <p:extLst>
       <p:ext uri="{BB962C8B-B14F-4D97-AF65-F5344CB8AC3E}">
@@ -24028,15 +24129,96 @@
         </p:nvSpPr>
         <p:spPr>
           <a:xfrm>
-            <a:off x="838200" y="2491825"/>
+            <a:off x="825912" y="2278125"/>
             <a:ext cx="10515600" cy="3685138"/>
           </a:xfrm>
         </p:spPr>
         <p:txBody>
-          <a:bodyPr/>
+          <a:bodyPr>
+            <a:normAutofit/>
+          </a:bodyPr>
           <a:lstStyle/>
           <a:p>
+            <a:pPr marL="0" indent="0">
+              <a:buNone/>
+            </a:pPr>
+            <a:r>
+              <a:rPr lang="de-AT" b="1" dirty="0"/>
+              <a:t>Simple ToDo-Applikation</a:t>
+            </a:r>
+          </a:p>
+          <a:p>
+            <a:pPr lvl="1">
+              <a:buFont typeface="Symbol" panose="05050102010706020507" pitchFamily="18" charset="2"/>
+              <a:buChar char="-"/>
+            </a:pPr>
+            <a:r>
+              <a:rPr lang="de-AT" dirty="0"/>
+              <a:t>Grundlegende CRUD-Funktionalitäten</a:t>
+            </a:r>
+          </a:p>
+          <a:p>
+            <a:pPr lvl="1"/>
             <a:endParaRPr lang="de-AT" dirty="0"/>
+          </a:p>
+          <a:p>
+            <a:pPr marL="0" lvl="1" indent="0">
+              <a:spcBef>
+                <a:spcPts val="1000"/>
+              </a:spcBef>
+              <a:buNone/>
+            </a:pPr>
+            <a:r>
+              <a:rPr lang="de-AT" sz="2800" b="1" dirty="0"/>
+              <a:t>Contact-Manager</a:t>
+            </a:r>
+          </a:p>
+          <a:p>
+            <a:pPr marL="800100" lvl="2" indent="-342900">
+              <a:spcBef>
+                <a:spcPts val="1000"/>
+              </a:spcBef>
+              <a:buFont typeface="Symbol" panose="05050102010706020507" pitchFamily="18" charset="2"/>
+              <a:buChar char="-"/>
+            </a:pPr>
+            <a:r>
+              <a:rPr lang="de-AT" sz="2400" dirty="0"/>
+              <a:t>Erstellen von Benutzerkonten</a:t>
+            </a:r>
+          </a:p>
+          <a:p>
+            <a:pPr marL="800100" lvl="2" indent="-342900">
+              <a:spcBef>
+                <a:spcPts val="1000"/>
+              </a:spcBef>
+              <a:buFont typeface="Symbol" panose="05050102010706020507" pitchFamily="18" charset="2"/>
+              <a:buChar char="-"/>
+            </a:pPr>
+            <a:r>
+              <a:rPr lang="de-AT" sz="2400" dirty="0"/>
+              <a:t>Abrufen / Auswählen erstellter Nutzer</a:t>
+            </a:r>
+          </a:p>
+          <a:p>
+            <a:pPr marL="457200" lvl="2" indent="0">
+              <a:spcBef>
+                <a:spcPts val="1000"/>
+              </a:spcBef>
+              <a:buNone/>
+            </a:pPr>
+            <a:endParaRPr lang="de-AT" sz="2400" dirty="0"/>
+          </a:p>
+          <a:p>
+            <a:pPr marL="0" lvl="1" indent="0">
+              <a:spcBef>
+                <a:spcPts val="1000"/>
+              </a:spcBef>
+              <a:buNone/>
+            </a:pPr>
+            <a:r>
+              <a:rPr lang="de-AT" sz="2800" i="1" dirty="0"/>
+              <a:t>Konsistente Speicherung mithilfe einer PostgreSQL-DB</a:t>
+            </a:r>
           </a:p>
         </p:txBody>
       </p:sp>
@@ -24063,7 +24245,7 @@
           <a:p>
             <a:fld id="{684D5CCA-44DE-413B-B5C1-1D136BF17977}" type="datetime1">
               <a:rPr lang="de-AT" smtClean="0"/>
-              <a:t>25.03.2025</a:t>
+              <a:t>01.04.2025</a:t>
             </a:fld>
             <a:endParaRPr lang="de-AT"/>
           </a:p>
@@ -24128,7 +24310,7 @@
           <a:p>
             <a:r>
               <a:rPr lang="de-AT" dirty="0"/>
-              <a:t>Demoprojekt : XXX</a:t>
+              <a:t>Demoprojekt : ToDo-List &amp; Contact Manager</a:t>
             </a:r>
           </a:p>
         </p:txBody>
@@ -24181,6 +24363,18 @@
   <p:clrMapOvr>
     <a:masterClrMapping/>
   </p:clrMapOvr>
+  <mc:AlternateContent xmlns:mc="http://schemas.openxmlformats.org/markup-compatibility/2006">
+    <mc:Choice xmlns:p159="http://schemas.microsoft.com/office/powerpoint/2015/09/main" Requires="p159">
+      <p:transition xmlns:p14="http://schemas.microsoft.com/office/powerpoint/2010/main" spd="slow" p14:dur="2000">
+        <p159:morph option="byWord"/>
+      </p:transition>
+    </mc:Choice>
+    <mc:Fallback>
+      <p:transition spd="slow">
+        <p:fade/>
+      </p:transition>
+    </mc:Fallback>
+  </mc:AlternateContent>
 </p:sld>
 </file>
 
@@ -24295,41 +24489,41 @@
         <p:spPr/>
         <p:txBody>
           <a:bodyPr>
-            <a:normAutofit lnSpcReduction="10000"/>
+            <a:normAutofit/>
           </a:bodyPr>
           <a:lstStyle/>
           <a:p>
             <a:r>
-              <a:rPr lang="de-AT" dirty="0"/>
-              <a:t>Einleitung</a:t>
+              <a:rPr lang="de-AT" b="1" dirty="0"/>
+              <a:t>Allgemeines</a:t>
             </a:r>
           </a:p>
           <a:p>
-            <a:endParaRPr lang="de-AT" dirty="0"/>
+            <a:endParaRPr lang="de-AT" sz="500" b="1" dirty="0"/>
           </a:p>
           <a:p>
             <a:r>
-              <a:rPr lang="de-AT" dirty="0"/>
+              <a:rPr lang="de-AT" b="1" dirty="0"/>
               <a:t>Grundwissen &amp; Theorie</a:t>
             </a:r>
           </a:p>
           <a:p>
             <a:pPr lvl="1"/>
             <a:r>
-              <a:rPr lang="de-AT" dirty="0"/>
+              <a:rPr lang="de-AT" b="1" dirty="0"/>
               <a:t>Architekturüberblick</a:t>
             </a:r>
           </a:p>
           <a:p>
             <a:pPr lvl="1"/>
             <a:r>
-              <a:rPr lang="de-AT" dirty="0"/>
+              <a:rPr lang="de-AT" b="1" dirty="0"/>
               <a:t>Flow im Detail</a:t>
             </a:r>
           </a:p>
           <a:p>
             <a:pPr lvl="1"/>
-            <a:endParaRPr lang="de-AT" dirty="0"/>
+            <a:endParaRPr lang="de-AT" sz="500" b="1" dirty="0"/>
           </a:p>
           <a:p>
             <a:pPr marL="228600" lvl="1">
@@ -24338,7 +24532,7 @@
               </a:spcBef>
             </a:pPr>
             <a:r>
-              <a:rPr lang="de-AT" sz="2800" dirty="0"/>
+              <a:rPr lang="de-AT" sz="2800" b="1" dirty="0"/>
               <a:t>Demo-Projekt</a:t>
             </a:r>
           </a:p>
@@ -24349,7 +24543,7 @@
               </a:spcBef>
             </a:pPr>
             <a:r>
-              <a:rPr lang="de-AT" sz="2400" dirty="0"/>
+              <a:rPr lang="de-AT" sz="2400" b="1" dirty="0"/>
               <a:t>Einführung und Übersicht</a:t>
             </a:r>
           </a:p>
@@ -24360,9 +24554,17 @@
               </a:spcBef>
             </a:pPr>
             <a:r>
-              <a:rPr lang="de-AT" sz="2400" dirty="0"/>
+              <a:rPr lang="de-AT" sz="2400" b="1" dirty="0"/>
               <a:t>Live-Demo</a:t>
             </a:r>
+          </a:p>
+          <a:p>
+            <a:pPr marL="685800" lvl="2">
+              <a:spcBef>
+                <a:spcPts val="1000"/>
+              </a:spcBef>
+            </a:pPr>
+            <a:endParaRPr lang="de-AT" sz="500" b="1" dirty="0"/>
           </a:p>
           <a:p>
             <a:pPr marL="228600" lvl="1">
@@ -24371,7 +24573,7 @@
               </a:spcBef>
             </a:pPr>
             <a:r>
-              <a:rPr lang="de-AT" sz="2800" dirty="0"/>
+              <a:rPr lang="de-AT" sz="2800" b="1" dirty="0"/>
               <a:t>Quellen</a:t>
             </a:r>
           </a:p>
@@ -24400,7 +24602,7 @@
           <a:p>
             <a:fld id="{684D5CCA-44DE-413B-B5C1-1D136BF17977}" type="datetime1">
               <a:rPr lang="de-AT" smtClean="0"/>
-              <a:t>25.03.2025</a:t>
+              <a:t>01.04.2025</a:t>
             </a:fld>
             <a:endParaRPr lang="de-AT"/>
           </a:p>
@@ -24548,6 +24750,14 @@
 <file path=ppt/slides/slide20.xml><?xml version="1.0" encoding="utf-8"?>
 <p:sld xmlns:a="http://schemas.openxmlformats.org/drawingml/2006/main" xmlns:r="http://schemas.openxmlformats.org/officeDocument/2006/relationships" xmlns:p="http://schemas.openxmlformats.org/presentationml/2006/main">
   <p:cSld>
+    <p:bg>
+      <p:bgPr>
+        <a:solidFill>
+          <a:schemeClr val="bg1"/>
+        </a:solidFill>
+        <a:effectLst/>
+      </p:bgPr>
+    </p:bg>
     <p:spTree>
       <p:nvGrpSpPr>
         <p:cNvPr id="1" name=""/>
@@ -24562,6 +24772,281 @@
           <a:chExt cx="0" cy="0"/>
         </a:xfrm>
       </p:grpSpPr>
+      <p:sp useBgFill="1">
+        <p:nvSpPr>
+          <p:cNvPr id="11" name="Rectangle 10">
+            <a:extLst>
+              <a:ext uri="{FF2B5EF4-FFF2-40B4-BE49-F238E27FC236}">
+                <a16:creationId xmlns:a16="http://schemas.microsoft.com/office/drawing/2014/main" id="{9095C1F4-AE7F-44E4-8693-40D3D6831140}"/>
+              </a:ext>
+              <a:ext uri="{C183D7F6-B498-43B3-948B-1728B52AA6E4}">
+                <adec:decorative xmlns:adec="http://schemas.microsoft.com/office/drawing/2017/decorative" val="1"/>
+              </a:ext>
+            </a:extLst>
+          </p:cNvPr>
+          <p:cNvSpPr>
+            <a:spLocks noGrp="1" noRot="1" noChangeAspect="1" noMove="1" noResize="1" noEditPoints="1" noAdjustHandles="1" noChangeArrowheads="1" noChangeShapeType="1" noTextEdit="1"/>
+          </p:cNvSpPr>
+          <p:nvPr>
+            <p:extLst>
+              <p:ext uri="{386F3935-93C4-4BCD-93E2-E3B085C9AB24}">
+                <p16:designElem xmlns:p16="http://schemas.microsoft.com/office/powerpoint/2015/main" val="1"/>
+              </p:ext>
+            </p:extLst>
+          </p:nvPr>
+        </p:nvSpPr>
+        <p:spPr>
+          <a:xfrm>
+            <a:off x="0" y="0"/>
+            <a:ext cx="12191999" cy="6857365"/>
+          </a:xfrm>
+          <a:prstGeom prst="rect">
+            <a:avLst/>
+          </a:prstGeom>
+          <a:ln>
+            <a:noFill/>
+          </a:ln>
+        </p:spPr>
+        <p:style>
+          <a:lnRef idx="2">
+            <a:schemeClr val="accent1">
+              <a:shade val="50000"/>
+            </a:schemeClr>
+          </a:lnRef>
+          <a:fillRef idx="1">
+            <a:schemeClr val="accent1"/>
+          </a:fillRef>
+          <a:effectRef idx="0">
+            <a:schemeClr val="accent1"/>
+          </a:effectRef>
+          <a:fontRef idx="minor">
+            <a:schemeClr val="lt1"/>
+          </a:fontRef>
+        </p:style>
+        <p:txBody>
+          <a:bodyPr rtlCol="0" anchor="ctr"/>
+          <a:lstStyle/>
+          <a:p>
+            <a:pPr algn="ctr"/>
+            <a:endParaRPr lang="en-US"/>
+          </a:p>
+        </p:txBody>
+      </p:sp>
+      <p:grpSp>
+        <p:nvGrpSpPr>
+          <p:cNvPr id="13" name="Group 12">
+            <a:extLst>
+              <a:ext uri="{FF2B5EF4-FFF2-40B4-BE49-F238E27FC236}">
+                <a16:creationId xmlns:a16="http://schemas.microsoft.com/office/drawing/2014/main" id="{8734DDD3-F723-4DD3-8ABE-EC0B2AC87D74}"/>
+              </a:ext>
+              <a:ext uri="{C183D7F6-B498-43B3-948B-1728B52AA6E4}">
+                <adec:decorative xmlns:adec="http://schemas.microsoft.com/office/drawing/2017/decorative" val="1"/>
+              </a:ext>
+            </a:extLst>
+          </p:cNvPr>
+          <p:cNvGrpSpPr>
+            <a:grpSpLocks noGrp="1" noUngrp="1" noRot="1" noChangeAspect="1" noMove="1" noResize="1"/>
+          </p:cNvGrpSpPr>
+          <p:nvPr>
+            <p:extLst>
+              <p:ext uri="{386F3935-93C4-4BCD-93E2-E3B085C9AB24}">
+                <p16:designElem xmlns:p16="http://schemas.microsoft.com/office/powerpoint/2015/main" val="1"/>
+              </p:ext>
+            </p:extLst>
+          </p:nvPr>
+        </p:nvGrpSpPr>
+        <p:grpSpPr>
+          <a:xfrm>
+            <a:off x="2522324" y="-15978"/>
+            <a:ext cx="7147352" cy="5876916"/>
+            <a:chOff x="329184" y="-99107"/>
+            <a:chExt cx="524256" cy="5876916"/>
+          </a:xfrm>
+        </p:grpSpPr>
+        <p:cxnSp>
+          <p:nvCxnSpPr>
+            <p:cNvPr id="14" name="Straight Connector 13">
+              <a:extLst>
+                <a:ext uri="{FF2B5EF4-FFF2-40B4-BE49-F238E27FC236}">
+                  <a16:creationId xmlns:a16="http://schemas.microsoft.com/office/drawing/2014/main" id="{F7C8EA93-3210-4C62-99E9-153C275E3A87}"/>
+                </a:ext>
+                <a:ext uri="{C183D7F6-B498-43B3-948B-1728B52AA6E4}">
+                  <adec:decorative xmlns:adec="http://schemas.microsoft.com/office/drawing/2017/decorative" val="1"/>
+                </a:ext>
+              </a:extLst>
+            </p:cNvPr>
+            <p:cNvCxnSpPr>
+              <a:cxnSpLocks/>
+            </p:cNvCxnSpPr>
+            <p:nvPr>
+              <p:extLst>
+                <p:ext uri="{386F3935-93C4-4BCD-93E2-E3B085C9AB24}">
+                  <p16:designElem xmlns:p16="http://schemas.microsoft.com/office/powerpoint/2015/main" val="1"/>
+                </p:ext>
+              </p:extLst>
+            </p:nvPr>
+          </p:nvCxnSpPr>
+          <p:spPr>
+            <a:xfrm flipH="1">
+              <a:off x="329184" y="5777809"/>
+              <a:ext cx="523824" cy="0"/>
+            </a:xfrm>
+            <a:prstGeom prst="line">
+              <a:avLst/>
+            </a:prstGeom>
+            <a:ln w="152400">
+              <a:solidFill>
+                <a:schemeClr val="accent4"/>
+              </a:solidFill>
+            </a:ln>
+          </p:spPr>
+          <p:style>
+            <a:lnRef idx="1">
+              <a:schemeClr val="accent1"/>
+            </a:lnRef>
+            <a:fillRef idx="0">
+              <a:schemeClr val="accent1"/>
+            </a:fillRef>
+            <a:effectRef idx="0">
+              <a:schemeClr val="accent1"/>
+            </a:effectRef>
+            <a:fontRef idx="minor">
+              <a:schemeClr val="tx1"/>
+            </a:fontRef>
+          </p:style>
+        </p:cxnSp>
+        <p:sp>
+          <p:nvSpPr>
+            <p:cNvPr id="15" name="Rectangle 14">
+              <a:extLst>
+                <a:ext uri="{FF2B5EF4-FFF2-40B4-BE49-F238E27FC236}">
+                  <a16:creationId xmlns:a16="http://schemas.microsoft.com/office/drawing/2014/main" id="{5EB7D2A2-F448-44D4-938C-DC84CBCB3B1E}"/>
+                </a:ext>
+                <a:ext uri="{C183D7F6-B498-43B3-948B-1728B52AA6E4}">
+                  <adec:decorative xmlns:adec="http://schemas.microsoft.com/office/drawing/2017/decorative" val="1"/>
+                </a:ext>
+              </a:extLst>
+            </p:cNvPr>
+            <p:cNvSpPr/>
+            <p:nvPr>
+              <p:extLst>
+                <p:ext uri="{386F3935-93C4-4BCD-93E2-E3B085C9AB24}">
+                  <p16:designElem xmlns:p16="http://schemas.microsoft.com/office/powerpoint/2015/main" val="1"/>
+                </p:ext>
+              </p:extLst>
+            </p:nvPr>
+          </p:nvSpPr>
+          <p:spPr>
+            <a:xfrm>
+              <a:off x="329184" y="-99107"/>
+              <a:ext cx="524256" cy="5631228"/>
+            </a:xfrm>
+            <a:prstGeom prst="rect">
+              <a:avLst/>
+            </a:prstGeom>
+            <a:solidFill>
+              <a:schemeClr val="accent4"/>
+            </a:solidFill>
+            <a:ln>
+              <a:noFill/>
+            </a:ln>
+          </p:spPr>
+          <p:style>
+            <a:lnRef idx="2">
+              <a:schemeClr val="accent1">
+                <a:shade val="50000"/>
+              </a:schemeClr>
+            </a:lnRef>
+            <a:fillRef idx="1">
+              <a:schemeClr val="accent1"/>
+            </a:fillRef>
+            <a:effectRef idx="0">
+              <a:schemeClr val="accent1"/>
+            </a:effectRef>
+            <a:fontRef idx="minor">
+              <a:schemeClr val="lt1"/>
+            </a:fontRef>
+          </p:style>
+          <p:txBody>
+            <a:bodyPr rtlCol="0" anchor="ctr"/>
+            <a:lstStyle/>
+            <a:p>
+              <a:pPr algn="ctr"/>
+              <a:endParaRPr lang="en-US" dirty="0"/>
+            </a:p>
+          </p:txBody>
+        </p:sp>
+      </p:grpSp>
+      <p:sp>
+        <p:nvSpPr>
+          <p:cNvPr id="17" name="Rectangle 16">
+            <a:extLst>
+              <a:ext uri="{FF2B5EF4-FFF2-40B4-BE49-F238E27FC236}">
+                <a16:creationId xmlns:a16="http://schemas.microsoft.com/office/drawing/2014/main" id="{871AEA07-1E14-44B4-8E55-64EF049CD66F}"/>
+              </a:ext>
+              <a:ext uri="{C183D7F6-B498-43B3-948B-1728B52AA6E4}">
+                <adec:decorative xmlns:adec="http://schemas.microsoft.com/office/drawing/2017/decorative" val="1"/>
+              </a:ext>
+            </a:extLst>
+          </p:cNvPr>
+          <p:cNvSpPr>
+            <a:spLocks noGrp="1" noRot="1" noChangeAspect="1" noMove="1" noResize="1" noEditPoints="1" noAdjustHandles="1" noChangeArrowheads="1" noChangeShapeType="1" noTextEdit="1"/>
+          </p:cNvSpPr>
+          <p:nvPr>
+            <p:extLst>
+              <p:ext uri="{386F3935-93C4-4BCD-93E2-E3B085C9AB24}">
+                <p16:designElem xmlns:p16="http://schemas.microsoft.com/office/powerpoint/2015/main" val="1"/>
+              </p:ext>
+            </p:extLst>
+          </p:nvPr>
+        </p:nvSpPr>
+        <p:spPr>
+          <a:xfrm>
+            <a:off x="596464" y="1055718"/>
+            <a:ext cx="10999072" cy="3358344"/>
+          </a:xfrm>
+          <a:prstGeom prst="rect">
+            <a:avLst/>
+          </a:prstGeom>
+          <a:solidFill>
+            <a:schemeClr val="bg1"/>
+          </a:solidFill>
+          <a:ln>
+            <a:noFill/>
+          </a:ln>
+          <a:effectLst>
+            <a:outerShdw blurRad="139700" dist="127000" dir="5400000" algn="t" rotWithShape="0">
+              <a:prstClr val="black">
+                <a:alpha val="15000"/>
+              </a:prstClr>
+            </a:outerShdw>
+          </a:effectLst>
+        </p:spPr>
+        <p:style>
+          <a:lnRef idx="2">
+            <a:schemeClr val="accent1">
+              <a:shade val="50000"/>
+            </a:schemeClr>
+          </a:lnRef>
+          <a:fillRef idx="1">
+            <a:schemeClr val="accent1"/>
+          </a:fillRef>
+          <a:effectRef idx="0">
+            <a:schemeClr val="accent1"/>
+          </a:effectRef>
+          <a:fontRef idx="minor">
+            <a:schemeClr val="lt1"/>
+          </a:fontRef>
+        </p:style>
+        <p:txBody>
+          <a:bodyPr rtlCol="0" anchor="ctr"/>
+          <a:lstStyle/>
+          <a:p>
+            <a:pPr algn="ctr"/>
+            <a:endParaRPr lang="en-US"/>
+          </a:p>
+        </p:txBody>
+      </p:sp>
       <p:sp>
         <p:nvSpPr>
           <p:cNvPr id="6" name="Titel 5">
@@ -24578,40 +25063,33 @@
             <p:ph type="ctrTitle"/>
           </p:nvPr>
         </p:nvSpPr>
-        <p:spPr/>
+        <p:spPr>
+          <a:xfrm>
+            <a:off x="1524000" y="1584683"/>
+            <a:ext cx="9144000" cy="2551829"/>
+          </a:xfrm>
+        </p:spPr>
         <p:txBody>
-          <a:bodyPr/>
+          <a:bodyPr anchor="ctr">
+            <a:normAutofit/>
+          </a:bodyPr>
           <a:lstStyle/>
           <a:p>
             <a:r>
-              <a:rPr lang="de-AT" dirty="0"/>
-              <a:t>Demoprojekt Live-Demo</a:t>
+              <a:rPr lang="de-AT" sz="5600" dirty="0"/>
+              <a:t>Demoprojekt-</a:t>
             </a:r>
-          </a:p>
-        </p:txBody>
-      </p:sp>
-      <p:sp>
-        <p:nvSpPr>
-          <p:cNvPr id="7" name="Untertitel 6">
-            <a:extLst>
-              <a:ext uri="{FF2B5EF4-FFF2-40B4-BE49-F238E27FC236}">
-                <a16:creationId xmlns:a16="http://schemas.microsoft.com/office/drawing/2014/main" id="{AA43E23D-28AC-2C57-4E85-CD45C0AF7640}"/>
-              </a:ext>
-            </a:extLst>
-          </p:cNvPr>
-          <p:cNvSpPr>
-            <a:spLocks noGrp="1"/>
-          </p:cNvSpPr>
-          <p:nvPr>
-            <p:ph type="subTitle" idx="1"/>
-          </p:nvPr>
-        </p:nvSpPr>
-        <p:spPr/>
-        <p:txBody>
-          <a:bodyPr/>
-          <a:lstStyle/>
-          <a:p>
-            <a:endParaRPr lang="de-AT"/>
+            <a:r>
+              <a:rPr lang="de-AT" sz="5600" dirty="0" err="1"/>
+              <a:t>LiveDemo</a:t>
+            </a:r>
+            <a:br>
+              <a:rPr lang="de-AT" sz="5600" dirty="0"/>
+            </a:br>
+            <a:r>
+              <a:rPr lang="de-AT" sz="5600" dirty="0"/>
+              <a:t>ToDo-List &amp; Contact Manager</a:t>
+            </a:r>
           </a:p>
         </p:txBody>
       </p:sp>
@@ -24631,14 +25109,31 @@
             <p:ph type="dt" sz="half" idx="10"/>
           </p:nvPr>
         </p:nvSpPr>
-        <p:spPr/>
+        <p:spPr>
+          <a:xfrm>
+            <a:off x="838200" y="6492240"/>
+            <a:ext cx="2743200" cy="365125"/>
+          </a:xfrm>
+        </p:spPr>
         <p:txBody>
-          <a:bodyPr/>
+          <a:bodyPr>
+            <a:normAutofit/>
+          </a:bodyPr>
           <a:lstStyle/>
           <a:p>
+            <a:pPr>
+              <a:spcAft>
+                <a:spcPts val="600"/>
+              </a:spcAft>
+            </a:pPr>
             <a:fld id="{684D5CCA-44DE-413B-B5C1-1D136BF17977}" type="datetime1">
               <a:rPr lang="de-AT" smtClean="0"/>
-              <a:t>25.03.2025</a:t>
+              <a:pPr>
+                <a:spcAft>
+                  <a:spcPts val="600"/>
+                </a:spcAft>
+              </a:pPr>
+              <a:t>01.04.2025</a:t>
             </a:fld>
             <a:endParaRPr lang="de-AT"/>
           </a:p>
@@ -24660,13 +25155,30 @@
             <p:ph type="sldNum" sz="quarter" idx="12"/>
           </p:nvPr>
         </p:nvSpPr>
-        <p:spPr/>
+        <p:spPr>
+          <a:xfrm>
+            <a:off x="8610600" y="6492240"/>
+            <a:ext cx="2743200" cy="365125"/>
+          </a:xfrm>
+        </p:spPr>
         <p:txBody>
-          <a:bodyPr/>
+          <a:bodyPr>
+            <a:normAutofit/>
+          </a:bodyPr>
           <a:lstStyle/>
           <a:p>
+            <a:pPr>
+              <a:spcAft>
+                <a:spcPts val="600"/>
+              </a:spcAft>
+            </a:pPr>
             <a:fld id="{45EFCB84-3E55-4BB4-B142-FD608455239A}" type="slidenum">
               <a:rPr lang="de-AT" smtClean="0"/>
+              <a:pPr>
+                <a:spcAft>
+                  <a:spcPts val="600"/>
+                </a:spcAft>
+              </a:pPr>
               <a:t>20</a:t>
             </a:fld>
             <a:endParaRPr lang="de-AT"/>
@@ -24683,12 +25195,23 @@
   <p:clrMapOvr>
     <a:masterClrMapping/>
   </p:clrMapOvr>
+  <p:transition spd="slow">
+    <p:push dir="u"/>
+  </p:transition>
 </p:sld>
 </file>
 
 <file path=ppt/slides/slide21.xml><?xml version="1.0" encoding="utf-8"?>
 <p:sld xmlns:a="http://schemas.openxmlformats.org/drawingml/2006/main" xmlns:r="http://schemas.openxmlformats.org/officeDocument/2006/relationships" xmlns:p="http://schemas.openxmlformats.org/presentationml/2006/main">
   <p:cSld>
+    <p:bg>
+      <p:bgPr>
+        <a:solidFill>
+          <a:schemeClr val="bg1"/>
+        </a:solidFill>
+        <a:effectLst/>
+      </p:bgPr>
+    </p:bg>
     <p:spTree>
       <p:nvGrpSpPr>
         <p:cNvPr id="1" name=""/>
@@ -24703,6 +25226,66 @@
           <a:chExt cx="0" cy="0"/>
         </a:xfrm>
       </p:grpSpPr>
+      <p:sp useBgFill="1">
+        <p:nvSpPr>
+          <p:cNvPr id="1033" name="Rectangle 1032">
+            <a:extLst>
+              <a:ext uri="{FF2B5EF4-FFF2-40B4-BE49-F238E27FC236}">
+                <a16:creationId xmlns:a16="http://schemas.microsoft.com/office/drawing/2014/main" id="{47942995-B07F-4636-9A06-C6A104B260A8}"/>
+              </a:ext>
+              <a:ext uri="{C183D7F6-B498-43B3-948B-1728B52AA6E4}">
+                <adec:decorative xmlns:adec="http://schemas.microsoft.com/office/drawing/2017/decorative" val="1"/>
+              </a:ext>
+            </a:extLst>
+          </p:cNvPr>
+          <p:cNvSpPr>
+            <a:spLocks noGrp="1" noRot="1" noChangeAspect="1" noMove="1" noResize="1" noEditPoints="1" noAdjustHandles="1" noChangeArrowheads="1" noChangeShapeType="1" noTextEdit="1"/>
+          </p:cNvSpPr>
+          <p:nvPr>
+            <p:extLst>
+              <p:ext uri="{386F3935-93C4-4BCD-93E2-E3B085C9AB24}">
+                <p16:designElem xmlns:p16="http://schemas.microsoft.com/office/powerpoint/2015/main" val="1"/>
+              </p:ext>
+            </p:extLst>
+          </p:nvPr>
+        </p:nvSpPr>
+        <p:spPr>
+          <a:xfrm>
+            <a:off x="0" y="0"/>
+            <a:ext cx="12191999" cy="6857365"/>
+          </a:xfrm>
+          <a:prstGeom prst="rect">
+            <a:avLst/>
+          </a:prstGeom>
+          <a:ln>
+            <a:noFill/>
+          </a:ln>
+        </p:spPr>
+        <p:style>
+          <a:lnRef idx="2">
+            <a:schemeClr val="accent1">
+              <a:shade val="50000"/>
+            </a:schemeClr>
+          </a:lnRef>
+          <a:fillRef idx="1">
+            <a:schemeClr val="accent1"/>
+          </a:fillRef>
+          <a:effectRef idx="0">
+            <a:schemeClr val="accent1"/>
+          </a:effectRef>
+          <a:fontRef idx="minor">
+            <a:schemeClr val="lt1"/>
+          </a:fontRef>
+        </p:style>
+        <p:txBody>
+          <a:bodyPr rtlCol="0" anchor="ctr"/>
+          <a:lstStyle/>
+          <a:p>
+            <a:pPr algn="ctr"/>
+            <a:endParaRPr lang="en-US"/>
+          </a:p>
+        </p:txBody>
+      </p:sp>
       <p:sp>
         <p:nvSpPr>
           <p:cNvPr id="6" name="Titel 5">
@@ -24721,21 +25304,442 @@
         </p:nvSpPr>
         <p:spPr>
           <a:xfrm>
-            <a:off x="831850" y="1709738"/>
-            <a:ext cx="10872470" cy="2852737"/>
+            <a:off x="865438" y="2327000"/>
+            <a:ext cx="4418623" cy="2387600"/>
           </a:xfrm>
         </p:spPr>
         <p:txBody>
-          <a:bodyPr/>
+          <a:bodyPr vert="horz" lIns="91440" tIns="45720" rIns="91440" bIns="45720" rtlCol="0" anchor="t">
+            <a:normAutofit/>
+          </a:bodyPr>
           <a:lstStyle/>
           <a:p>
             <a:r>
-              <a:rPr lang="de-AT" dirty="0"/>
-              <a:t>Vielen Danke für Eure Aufmerksamkeit!</a:t>
+              <a:rPr lang="en-US" sz="4800" kern="1200" dirty="0">
+                <a:solidFill>
+                  <a:schemeClr val="tx1"/>
+                </a:solidFill>
+                <a:latin typeface="+mj-lt"/>
+                <a:ea typeface="+mj-ea"/>
+                <a:cs typeface="+mj-cs"/>
+              </a:rPr>
+              <a:t>Vielen Dank</a:t>
+            </a:r>
+            <a:br>
+              <a:rPr lang="en-US" sz="4800" kern="1200" dirty="0">
+                <a:solidFill>
+                  <a:schemeClr val="tx1"/>
+                </a:solidFill>
+                <a:latin typeface="+mj-lt"/>
+                <a:ea typeface="+mj-ea"/>
+                <a:cs typeface="+mj-cs"/>
+              </a:rPr>
+            </a:br>
+            <a:r>
+              <a:rPr lang="en-US" sz="4800" kern="1200" dirty="0">
+                <a:solidFill>
+                  <a:schemeClr val="tx1"/>
+                </a:solidFill>
+                <a:latin typeface="+mj-lt"/>
+                <a:ea typeface="+mj-ea"/>
+                <a:cs typeface="+mj-cs"/>
+              </a:rPr>
+              <a:t>für Eure Aufmerksamkeit!</a:t>
             </a:r>
           </a:p>
         </p:txBody>
       </p:sp>
+      <p:grpSp>
+        <p:nvGrpSpPr>
+          <p:cNvPr id="1035" name="Group 1034">
+            <a:extLst>
+              <a:ext uri="{FF2B5EF4-FFF2-40B4-BE49-F238E27FC236}">
+                <a16:creationId xmlns:a16="http://schemas.microsoft.com/office/drawing/2014/main" id="{032D8612-31EB-44CF-A1D0-14FD4C705424}"/>
+              </a:ext>
+              <a:ext uri="{C183D7F6-B498-43B3-948B-1728B52AA6E4}">
+                <adec:decorative xmlns:adec="http://schemas.microsoft.com/office/drawing/2017/decorative" val="1"/>
+              </a:ext>
+            </a:extLst>
+          </p:cNvPr>
+          <p:cNvGrpSpPr>
+            <a:grpSpLocks noGrp="1" noUngrp="1" noRot="1" noChangeAspect="1" noMove="1" noResize="1"/>
+          </p:cNvGrpSpPr>
+          <p:nvPr>
+            <p:extLst>
+              <p:ext uri="{386F3935-93C4-4BCD-93E2-E3B085C9AB24}">
+                <p16:designElem xmlns:p16="http://schemas.microsoft.com/office/powerpoint/2015/main" val="1"/>
+              </p:ext>
+            </p:extLst>
+          </p:nvPr>
+        </p:nvGrpSpPr>
+        <p:grpSpPr>
+          <a:xfrm>
+            <a:off x="0" y="2984992"/>
+            <a:ext cx="731521" cy="673460"/>
+            <a:chOff x="3940602" y="308034"/>
+            <a:chExt cx="2116791" cy="3428999"/>
+          </a:xfrm>
+          <a:solidFill>
+            <a:schemeClr val="accent4"/>
+          </a:solidFill>
+        </p:grpSpPr>
+        <p:sp>
+          <p:nvSpPr>
+            <p:cNvPr id="1036" name="Rectangle 1035">
+              <a:extLst>
+                <a:ext uri="{FF2B5EF4-FFF2-40B4-BE49-F238E27FC236}">
+                  <a16:creationId xmlns:a16="http://schemas.microsoft.com/office/drawing/2014/main" id="{F19A4A0F-1B59-4DB0-9764-D10936E98770}"/>
+                </a:ext>
+                <a:ext uri="{C183D7F6-B498-43B3-948B-1728B52AA6E4}">
+                  <adec:decorative xmlns:adec="http://schemas.microsoft.com/office/drawing/2017/decorative" val="1"/>
+                </a:ext>
+              </a:extLst>
+            </p:cNvPr>
+            <p:cNvSpPr/>
+            <p:nvPr>
+              <p:extLst>
+                <p:ext uri="{386F3935-93C4-4BCD-93E2-E3B085C9AB24}">
+                  <p16:designElem xmlns:p16="http://schemas.microsoft.com/office/powerpoint/2015/main" val="1"/>
+                </p:ext>
+              </p:extLst>
+            </p:nvPr>
+          </p:nvSpPr>
+          <p:spPr>
+            <a:xfrm>
+              <a:off x="3940602" y="308034"/>
+              <a:ext cx="566743" cy="3428999"/>
+            </a:xfrm>
+            <a:prstGeom prst="rect">
+              <a:avLst/>
+            </a:prstGeom>
+            <a:grpFill/>
+            <a:ln>
+              <a:noFill/>
+            </a:ln>
+          </p:spPr>
+          <p:style>
+            <a:lnRef idx="2">
+              <a:schemeClr val="accent1">
+                <a:shade val="50000"/>
+              </a:schemeClr>
+            </a:lnRef>
+            <a:fillRef idx="1">
+              <a:schemeClr val="accent1"/>
+            </a:fillRef>
+            <a:effectRef idx="0">
+              <a:schemeClr val="accent1"/>
+            </a:effectRef>
+            <a:fontRef idx="minor">
+              <a:schemeClr val="lt1"/>
+            </a:fontRef>
+          </p:style>
+          <p:txBody>
+            <a:bodyPr rtlCol="0" anchor="ctr"/>
+            <a:lstStyle/>
+            <a:p>
+              <a:pPr algn="ctr"/>
+              <a:endParaRPr lang="en-US"/>
+            </a:p>
+          </p:txBody>
+        </p:sp>
+        <p:sp>
+          <p:nvSpPr>
+            <p:cNvPr id="1037" name="Rectangle 1036">
+              <a:extLst>
+                <a:ext uri="{FF2B5EF4-FFF2-40B4-BE49-F238E27FC236}">
+                  <a16:creationId xmlns:a16="http://schemas.microsoft.com/office/drawing/2014/main" id="{F399A70F-F8CD-4992-9EF5-6CF15472E73F}"/>
+                </a:ext>
+                <a:ext uri="{C183D7F6-B498-43B3-948B-1728B52AA6E4}">
+                  <adec:decorative xmlns:adec="http://schemas.microsoft.com/office/drawing/2017/decorative" val="1"/>
+                </a:ext>
+              </a:extLst>
+            </p:cNvPr>
+            <p:cNvSpPr/>
+            <p:nvPr>
+              <p:extLst>
+                <p:ext uri="{386F3935-93C4-4BCD-93E2-E3B085C9AB24}">
+                  <p16:designElem xmlns:p16="http://schemas.microsoft.com/office/powerpoint/2015/main" val="1"/>
+                </p:ext>
+              </p:extLst>
+            </p:nvPr>
+          </p:nvSpPr>
+          <p:spPr>
+            <a:xfrm>
+              <a:off x="4715626" y="308034"/>
+              <a:ext cx="566743" cy="3428999"/>
+            </a:xfrm>
+            <a:prstGeom prst="rect">
+              <a:avLst/>
+            </a:prstGeom>
+            <a:grpFill/>
+            <a:ln>
+              <a:noFill/>
+            </a:ln>
+          </p:spPr>
+          <p:style>
+            <a:lnRef idx="2">
+              <a:schemeClr val="accent1">
+                <a:shade val="50000"/>
+              </a:schemeClr>
+            </a:lnRef>
+            <a:fillRef idx="1">
+              <a:schemeClr val="accent1"/>
+            </a:fillRef>
+            <a:effectRef idx="0">
+              <a:schemeClr val="accent1"/>
+            </a:effectRef>
+            <a:fontRef idx="minor">
+              <a:schemeClr val="lt1"/>
+            </a:fontRef>
+          </p:style>
+          <p:txBody>
+            <a:bodyPr rtlCol="0" anchor="ctr"/>
+            <a:lstStyle/>
+            <a:p>
+              <a:pPr algn="ctr"/>
+              <a:endParaRPr lang="en-US"/>
+            </a:p>
+          </p:txBody>
+        </p:sp>
+        <p:sp>
+          <p:nvSpPr>
+            <p:cNvPr id="1038" name="Rectangle 1037">
+              <a:extLst>
+                <a:ext uri="{FF2B5EF4-FFF2-40B4-BE49-F238E27FC236}">
+                  <a16:creationId xmlns:a16="http://schemas.microsoft.com/office/drawing/2014/main" id="{48F4FEDC-6D80-458C-A665-075D9B9500FD}"/>
+                </a:ext>
+                <a:ext uri="{C183D7F6-B498-43B3-948B-1728B52AA6E4}">
+                  <adec:decorative xmlns:adec="http://schemas.microsoft.com/office/drawing/2017/decorative" val="1"/>
+                </a:ext>
+              </a:extLst>
+            </p:cNvPr>
+            <p:cNvSpPr/>
+            <p:nvPr>
+              <p:extLst>
+                <p:ext uri="{386F3935-93C4-4BCD-93E2-E3B085C9AB24}">
+                  <p16:designElem xmlns:p16="http://schemas.microsoft.com/office/powerpoint/2015/main" val="1"/>
+                </p:ext>
+              </p:extLst>
+            </p:nvPr>
+          </p:nvSpPr>
+          <p:spPr>
+            <a:xfrm>
+              <a:off x="5490650" y="308034"/>
+              <a:ext cx="566743" cy="3428999"/>
+            </a:xfrm>
+            <a:prstGeom prst="rect">
+              <a:avLst/>
+            </a:prstGeom>
+            <a:grpFill/>
+            <a:ln>
+              <a:noFill/>
+            </a:ln>
+          </p:spPr>
+          <p:style>
+            <a:lnRef idx="2">
+              <a:schemeClr val="accent1">
+                <a:shade val="50000"/>
+              </a:schemeClr>
+            </a:lnRef>
+            <a:fillRef idx="1">
+              <a:schemeClr val="accent1"/>
+            </a:fillRef>
+            <a:effectRef idx="0">
+              <a:schemeClr val="accent1"/>
+            </a:effectRef>
+            <a:fontRef idx="minor">
+              <a:schemeClr val="lt1"/>
+            </a:fontRef>
+          </p:style>
+          <p:txBody>
+            <a:bodyPr rtlCol="0" anchor="ctr"/>
+            <a:lstStyle/>
+            <a:p>
+              <a:pPr algn="ctr"/>
+              <a:endParaRPr lang="en-US"/>
+            </a:p>
+          </p:txBody>
+        </p:sp>
+      </p:grpSp>
+      <p:sp>
+        <p:nvSpPr>
+          <p:cNvPr id="1040" name="Rectangle 1039">
+            <a:extLst>
+              <a:ext uri="{FF2B5EF4-FFF2-40B4-BE49-F238E27FC236}">
+                <a16:creationId xmlns:a16="http://schemas.microsoft.com/office/drawing/2014/main" id="{B81933D1-5615-42C7-9C0B-4EB7105CCE2D}"/>
+              </a:ext>
+              <a:ext uri="{C183D7F6-B498-43B3-948B-1728B52AA6E4}">
+                <adec:decorative xmlns:adec="http://schemas.microsoft.com/office/drawing/2017/decorative" val="1"/>
+              </a:ext>
+            </a:extLst>
+          </p:cNvPr>
+          <p:cNvSpPr>
+            <a:spLocks noGrp="1" noRot="1" noChangeAspect="1" noMove="1" noResize="1" noEditPoints="1" noAdjustHandles="1" noChangeArrowheads="1" noChangeShapeType="1" noTextEdit="1"/>
+          </p:cNvSpPr>
+          <p:nvPr>
+            <p:extLst>
+              <p:ext uri="{386F3935-93C4-4BCD-93E2-E3B085C9AB24}">
+                <p16:designElem xmlns:p16="http://schemas.microsoft.com/office/powerpoint/2015/main" val="1"/>
+              </p:ext>
+            </p:extLst>
+          </p:nvPr>
+        </p:nvSpPr>
+        <p:spPr>
+          <a:xfrm flipH="1">
+            <a:off x="10697670" y="0"/>
+            <a:ext cx="1494330" cy="6858000"/>
+          </a:xfrm>
+          <a:prstGeom prst="rect">
+            <a:avLst/>
+          </a:prstGeom>
+          <a:solidFill>
+            <a:schemeClr val="accent4"/>
+          </a:solidFill>
+          <a:ln>
+            <a:noFill/>
+          </a:ln>
+        </p:spPr>
+        <p:style>
+          <a:lnRef idx="2">
+            <a:schemeClr val="accent1">
+              <a:shade val="50000"/>
+            </a:schemeClr>
+          </a:lnRef>
+          <a:fillRef idx="1">
+            <a:schemeClr val="accent1"/>
+          </a:fillRef>
+          <a:effectRef idx="0">
+            <a:schemeClr val="accent1"/>
+          </a:effectRef>
+          <a:fontRef idx="minor">
+            <a:schemeClr val="lt1"/>
+          </a:fontRef>
+        </p:style>
+        <p:txBody>
+          <a:bodyPr rtlCol="0" anchor="ctr"/>
+          <a:lstStyle/>
+          <a:p>
+            <a:pPr algn="ctr"/>
+            <a:endParaRPr lang="en-US"/>
+          </a:p>
+        </p:txBody>
+      </p:sp>
+      <p:sp>
+        <p:nvSpPr>
+          <p:cNvPr id="1042" name="Rectangle 1041">
+            <a:extLst>
+              <a:ext uri="{FF2B5EF4-FFF2-40B4-BE49-F238E27FC236}">
+                <a16:creationId xmlns:a16="http://schemas.microsoft.com/office/drawing/2014/main" id="{19C9EAEA-39D0-4B0E-A0EB-51E7B26740B1}"/>
+              </a:ext>
+              <a:ext uri="{C183D7F6-B498-43B3-948B-1728B52AA6E4}">
+                <adec:decorative xmlns:adec="http://schemas.microsoft.com/office/drawing/2017/decorative" val="1"/>
+              </a:ext>
+            </a:extLst>
+          </p:cNvPr>
+          <p:cNvSpPr>
+            <a:spLocks noGrp="1" noRot="1" noChangeAspect="1" noMove="1" noResize="1" noEditPoints="1" noAdjustHandles="1" noChangeArrowheads="1" noChangeShapeType="1" noTextEdit="1"/>
+          </p:cNvSpPr>
+          <p:nvPr>
+            <p:extLst>
+              <p:ext uri="{386F3935-93C4-4BCD-93E2-E3B085C9AB24}">
+                <p16:designElem xmlns:p16="http://schemas.microsoft.com/office/powerpoint/2015/main" val="1"/>
+              </p:ext>
+            </p:extLst>
+          </p:nvPr>
+        </p:nvSpPr>
+        <p:spPr>
+          <a:xfrm>
+            <a:off x="5685810" y="391886"/>
+            <a:ext cx="6009366" cy="6017078"/>
+          </a:xfrm>
+          <a:prstGeom prst="rect">
+            <a:avLst/>
+          </a:prstGeom>
+          <a:solidFill>
+            <a:schemeClr val="bg1"/>
+          </a:solidFill>
+          <a:ln>
+            <a:noFill/>
+          </a:ln>
+          <a:effectLst>
+            <a:outerShdw blurRad="139700" dist="127000" dir="5400000" algn="t" rotWithShape="0">
+              <a:prstClr val="black">
+                <a:alpha val="15000"/>
+              </a:prstClr>
+            </a:outerShdw>
+          </a:effectLst>
+        </p:spPr>
+        <p:style>
+          <a:lnRef idx="2">
+            <a:schemeClr val="accent1">
+              <a:shade val="50000"/>
+            </a:schemeClr>
+          </a:lnRef>
+          <a:fillRef idx="1">
+            <a:schemeClr val="accent1"/>
+          </a:fillRef>
+          <a:effectRef idx="0">
+            <a:schemeClr val="accent1"/>
+          </a:effectRef>
+          <a:fontRef idx="minor">
+            <a:schemeClr val="lt1"/>
+          </a:fontRef>
+        </p:style>
+        <p:txBody>
+          <a:bodyPr rtlCol="0" anchor="ctr"/>
+          <a:lstStyle/>
+          <a:p>
+            <a:pPr algn="ctr"/>
+            <a:endParaRPr lang="en-US"/>
+          </a:p>
+        </p:txBody>
+      </p:sp>
+      <p:pic>
+        <p:nvPicPr>
+          <p:cNvPr id="1028" name="Picture 4" descr="GitHub - vaadin/vaadin-menu-bar: Web component for displaying a ...">
+            <a:extLst>
+              <a:ext uri="{FF2B5EF4-FFF2-40B4-BE49-F238E27FC236}">
+                <a16:creationId xmlns:a16="http://schemas.microsoft.com/office/drawing/2014/main" id="{7E992515-9DA1-8FBD-1105-044C55303E2C}"/>
+              </a:ext>
+            </a:extLst>
+          </p:cNvPr>
+          <p:cNvPicPr>
+            <a:picLocks noChangeAspect="1" noChangeArrowheads="1"/>
+          </p:cNvPicPr>
+          <p:nvPr/>
+        </p:nvPicPr>
+        <p:blipFill>
+          <a:blip r:embed="rId2">
+            <a:extLst>
+              <a:ext uri="{28A0092B-C50C-407E-A947-70E740481C1C}">
+                <a14:useLocalDpi xmlns:a14="http://schemas.microsoft.com/office/drawing/2010/main" val="0"/>
+              </a:ext>
+            </a:extLst>
+          </a:blip>
+          <a:stretch>
+            <a:fillRect/>
+          </a:stretch>
+        </p:blipFill>
+        <p:spPr bwMode="auto">
+          <a:xfrm>
+            <a:off x="5957597" y="666728"/>
+            <a:ext cx="5465791" cy="5465791"/>
+          </a:xfrm>
+          <a:prstGeom prst="rect">
+            <a:avLst/>
+          </a:prstGeom>
+          <a:noFill/>
+          <a:extLst>
+            <a:ext uri="{909E8E84-426E-40DD-AFC4-6F175D3DCCD1}">
+              <a14:hiddenFill xmlns:a14="http://schemas.microsoft.com/office/drawing/2010/main">
+                <a:solidFill>
+                  <a:srgbClr val="FFFFFF"/>
+                </a:solidFill>
+              </a14:hiddenFill>
+            </a:ext>
+          </a:extLst>
+        </p:spPr>
+      </p:pic>
       <p:sp>
         <p:nvSpPr>
           <p:cNvPr id="4" name="Datumsplatzhalter 3">
@@ -24752,16 +25756,45 @@
             <p:ph type="dt" sz="half" idx="10"/>
           </p:nvPr>
         </p:nvSpPr>
-        <p:spPr/>
+        <p:spPr>
+          <a:xfrm>
+            <a:off x="5922492" y="6492240"/>
+            <a:ext cx="2743200" cy="365125"/>
+          </a:xfrm>
+        </p:spPr>
         <p:txBody>
-          <a:bodyPr/>
+          <a:bodyPr vert="horz" lIns="91440" tIns="45720" rIns="91440" bIns="45720" rtlCol="0" anchor="ctr">
+            <a:normAutofit/>
+          </a:bodyPr>
           <a:lstStyle/>
           <a:p>
+            <a:pPr>
+              <a:spcAft>
+                <a:spcPts val="600"/>
+              </a:spcAft>
+            </a:pPr>
             <a:fld id="{684D5CCA-44DE-413B-B5C1-1D136BF17977}" type="datetime1">
-              <a:rPr lang="de-AT" smtClean="0"/>
-              <a:t>25.03.2025</a:t>
+              <a:rPr lang="en-US" smtClean="0">
+                <a:solidFill>
+                  <a:schemeClr val="tx1">
+                    <a:tint val="75000"/>
+                  </a:schemeClr>
+                </a:solidFill>
+              </a:rPr>
+              <a:pPr>
+                <a:spcAft>
+                  <a:spcPts val="600"/>
+                </a:spcAft>
+              </a:pPr>
+              <a:t>4/1/2025</a:t>
             </a:fld>
-            <a:endParaRPr lang="de-AT"/>
+            <a:endParaRPr lang="en-US">
+              <a:solidFill>
+                <a:schemeClr val="tx1">
+                  <a:tint val="75000"/>
+                </a:schemeClr>
+              </a:solidFill>
+            </a:endParaRPr>
           </a:p>
         </p:txBody>
       </p:sp>
@@ -24781,16 +25814,45 @@
             <p:ph type="sldNum" sz="quarter" idx="12"/>
           </p:nvPr>
         </p:nvSpPr>
-        <p:spPr/>
+        <p:spPr>
+          <a:xfrm>
+            <a:off x="8610600" y="6492240"/>
+            <a:ext cx="1871749" cy="365125"/>
+          </a:xfrm>
+        </p:spPr>
         <p:txBody>
-          <a:bodyPr/>
+          <a:bodyPr vert="horz" lIns="91440" tIns="45720" rIns="91440" bIns="45720" rtlCol="0" anchor="ctr">
+            <a:normAutofit/>
+          </a:bodyPr>
           <a:lstStyle/>
           <a:p>
+            <a:pPr>
+              <a:spcAft>
+                <a:spcPts val="600"/>
+              </a:spcAft>
+            </a:pPr>
             <a:fld id="{45EFCB84-3E55-4BB4-B142-FD608455239A}" type="slidenum">
-              <a:rPr lang="de-AT" smtClean="0"/>
+              <a:rPr lang="en-US" smtClean="0">
+                <a:solidFill>
+                  <a:schemeClr val="tx1">
+                    <a:tint val="75000"/>
+                  </a:schemeClr>
+                </a:solidFill>
+              </a:rPr>
+              <a:pPr>
+                <a:spcAft>
+                  <a:spcPts val="600"/>
+                </a:spcAft>
+              </a:pPr>
               <a:t>21</a:t>
             </a:fld>
-            <a:endParaRPr lang="de-AT"/>
+            <a:endParaRPr lang="en-US">
+              <a:solidFill>
+                <a:schemeClr val="tx1">
+                  <a:tint val="75000"/>
+                </a:schemeClr>
+              </a:solidFill>
+            </a:endParaRPr>
           </a:p>
         </p:txBody>
       </p:sp>
@@ -24804,6 +25866,9 @@
   <p:clrMapOvr>
     <a:masterClrMapping/>
   </p:clrMapOvr>
+  <p:transition spd="slow">
+    <p:push dir="u"/>
+  </p:transition>
 </p:sld>
 </file>
 
@@ -24919,7 +25984,7 @@
           <a:p>
             <a:fld id="{684D5CCA-44DE-413B-B5C1-1D136BF17977}" type="datetime1">
               <a:rPr lang="de-AT" smtClean="0"/>
-              <a:t>25.03.2025</a:t>
+              <a:t>01.04.2025</a:t>
             </a:fld>
             <a:endParaRPr lang="de-AT"/>
           </a:p>
@@ -24964,6 +26029,9 @@
   <p:clrMapOvr>
     <a:masterClrMapping/>
   </p:clrMapOvr>
+  <p:transition spd="slow">
+    <p:push dir="u"/>
+  </p:transition>
 </p:sld>
 </file>
 
@@ -25105,7 +26173,7 @@
           <a:p>
             <a:fld id="{684D5CCA-44DE-413B-B5C1-1D136BF17977}" type="datetime1">
               <a:rPr lang="de-AT" smtClean="0"/>
-              <a:t>25.03.2025</a:t>
+              <a:t>01.04.2025</a:t>
             </a:fld>
             <a:endParaRPr lang="de-AT"/>
           </a:p>
@@ -25150,6 +26218,9 @@
   <p:clrMapOvr>
     <a:masterClrMapping/>
   </p:clrMapOvr>
+  <p:transition spd="slow">
+    <p:push dir="u"/>
+  </p:transition>
 </p:sld>
 </file>
 
@@ -25236,8 +26307,11 @@
             </a:r>
             <a:r>
               <a:rPr lang="de-DE" dirty="0"/>
-              <a:t>  </a:t>
+              <a:t> </a:t>
             </a:r>
+          </a:p>
+          <a:p>
+            <a:endParaRPr lang="de-DE" dirty="0"/>
           </a:p>
         </p:txBody>
       </p:sp>
@@ -25264,7 +26338,7 @@
           <a:p>
             <a:fld id="{684D5CCA-44DE-413B-B5C1-1D136BF17977}" type="datetime1">
               <a:rPr lang="de-AT" smtClean="0"/>
-              <a:t>25.03.2025</a:t>
+              <a:t>01.04.2025</a:t>
             </a:fld>
             <a:endParaRPr lang="de-AT"/>
           </a:p>
@@ -25309,6 +26383,9 @@
   <p:clrMapOvr>
     <a:masterClrMapping/>
   </p:clrMapOvr>
+  <p:transition spd="slow">
+    <p:push dir="u"/>
+  </p:transition>
 </p:sld>
 </file>
 
@@ -25380,27 +26457,39 @@
           </a:bodyPr>
           <a:lstStyle/>
           <a:p>
+            <a:pPr marL="0" indent="0">
+              <a:buNone/>
+            </a:pPr>
             <a:r>
-              <a:rPr lang="de-AT" dirty="0"/>
+              <a:rPr lang="de-AT" b="1" dirty="0"/>
               <a:t>Kurze Definition</a:t>
             </a:r>
           </a:p>
           <a:p>
-            <a:pPr lvl="1"/>
+            <a:pPr lvl="1">
+              <a:buFont typeface="Symbol" panose="05050102010706020507" pitchFamily="18" charset="2"/>
+              <a:buChar char="-"/>
+            </a:pPr>
             <a:r>
               <a:rPr lang="de-AT" dirty="0"/>
               <a:t>Open-Source-Web-Framework für Java</a:t>
             </a:r>
           </a:p>
           <a:p>
-            <a:pPr lvl="1"/>
+            <a:pPr lvl="1">
+              <a:buFont typeface="Symbol" panose="05050102010706020507" pitchFamily="18" charset="2"/>
+              <a:buChar char="-"/>
+            </a:pPr>
             <a:r>
               <a:rPr lang="de-AT" dirty="0"/>
               <a:t>Erstellung moderner Web-Applikationen ohne tiefgehende Kenntnisse</a:t>
             </a:r>
           </a:p>
           <a:p>
-            <a:pPr lvl="1"/>
+            <a:pPr lvl="1">
+              <a:buFont typeface="Symbol" panose="05050102010706020507" pitchFamily="18" charset="2"/>
+              <a:buChar char="-"/>
+            </a:pPr>
             <a:r>
               <a:rPr lang="de-AT" dirty="0"/>
               <a:t>Server-Seitige Architektur – UI-Komponenten auf dem Server gerendert</a:t>
@@ -25411,21 +26500,24 @@
             <a:endParaRPr lang="de-AT" dirty="0"/>
           </a:p>
           <a:p>
-            <a:pPr marL="228600" lvl="1">
+            <a:pPr marL="0" lvl="1" indent="0">
               <a:spcBef>
                 <a:spcPts val="1000"/>
               </a:spcBef>
+              <a:buNone/>
             </a:pPr>
             <a:r>
-              <a:rPr lang="de-AT" sz="2800" dirty="0"/>
+              <a:rPr lang="de-AT" sz="2800" b="1" dirty="0"/>
               <a:t>Oberflächliche Einordnung &amp; Ziel</a:t>
             </a:r>
           </a:p>
           <a:p>
-            <a:pPr marL="685800" lvl="2">
+            <a:pPr marL="800100" lvl="2" indent="-342900">
               <a:spcBef>
                 <a:spcPts val="1000"/>
               </a:spcBef>
+              <a:buFont typeface="Symbol" panose="05050102010706020507" pitchFamily="18" charset="2"/>
+              <a:buChar char="-"/>
             </a:pPr>
             <a:r>
               <a:rPr lang="de-AT" sz="2400" dirty="0"/>
@@ -25433,10 +26525,12 @@
             </a:r>
           </a:p>
           <a:p>
-            <a:pPr marL="685800" lvl="2">
+            <a:pPr marL="800100" lvl="2" indent="-342900">
               <a:spcBef>
                 <a:spcPts val="1000"/>
               </a:spcBef>
+              <a:buFont typeface="Symbol" panose="05050102010706020507" pitchFamily="18" charset="2"/>
+              <a:buChar char="-"/>
             </a:pPr>
             <a:r>
               <a:rPr lang="de-AT" sz="2400" dirty="0"/>
@@ -25444,10 +26538,12 @@
             </a:r>
           </a:p>
           <a:p>
-            <a:pPr marL="685800" lvl="2">
+            <a:pPr marL="800100" lvl="2" indent="-342900">
               <a:spcBef>
                 <a:spcPts val="1000"/>
               </a:spcBef>
+              <a:buFont typeface="Symbol" panose="05050102010706020507" pitchFamily="18" charset="2"/>
+              <a:buChar char="-"/>
             </a:pPr>
             <a:r>
               <a:rPr lang="de-AT" sz="2400" dirty="0"/>
@@ -25487,7 +26583,7 @@
           <a:p>
             <a:fld id="{684D5CCA-44DE-413B-B5C1-1D136BF17977}" type="datetime1">
               <a:rPr lang="de-AT" smtClean="0"/>
-              <a:t>25.03.2025</a:t>
+              <a:t>01.04.2025</a:t>
             </a:fld>
             <a:endParaRPr lang="de-AT"/>
           </a:p>
@@ -25541,6 +26637,14 @@
 <file path=ppt/slides/slide4.xml><?xml version="1.0" encoding="utf-8"?>
 <p:sld xmlns:a="http://schemas.openxmlformats.org/drawingml/2006/main" xmlns:r="http://schemas.openxmlformats.org/officeDocument/2006/relationships" xmlns:p="http://schemas.openxmlformats.org/presentationml/2006/main">
   <p:cSld>
+    <p:bg>
+      <p:bgPr>
+        <a:solidFill>
+          <a:schemeClr val="bg1"/>
+        </a:solidFill>
+        <a:effectLst/>
+      </p:bgPr>
+    </p:bg>
     <p:spTree>
       <p:nvGrpSpPr>
         <p:cNvPr id="1" name=""/>
@@ -25555,6 +26659,66 @@
           <a:chExt cx="0" cy="0"/>
         </a:xfrm>
       </p:grpSpPr>
+      <p:sp useBgFill="1">
+        <p:nvSpPr>
+          <p:cNvPr id="12" name="Rectangle 11">
+            <a:extLst>
+              <a:ext uri="{FF2B5EF4-FFF2-40B4-BE49-F238E27FC236}">
+                <a16:creationId xmlns:a16="http://schemas.microsoft.com/office/drawing/2014/main" id="{943CAA20-3569-4189-9E48-239A229A86CA}"/>
+              </a:ext>
+              <a:ext uri="{C183D7F6-B498-43B3-948B-1728B52AA6E4}">
+                <adec:decorative xmlns:adec="http://schemas.microsoft.com/office/drawing/2017/decorative" val="1"/>
+              </a:ext>
+            </a:extLst>
+          </p:cNvPr>
+          <p:cNvSpPr>
+            <a:spLocks noGrp="1" noRot="1" noChangeAspect="1" noMove="1" noResize="1" noEditPoints="1" noAdjustHandles="1" noChangeArrowheads="1" noChangeShapeType="1" noTextEdit="1"/>
+          </p:cNvSpPr>
+          <p:nvPr>
+            <p:extLst>
+              <p:ext uri="{386F3935-93C4-4BCD-93E2-E3B085C9AB24}">
+                <p16:designElem xmlns:p16="http://schemas.microsoft.com/office/powerpoint/2015/main" val="1"/>
+              </p:ext>
+            </p:extLst>
+          </p:nvPr>
+        </p:nvSpPr>
+        <p:spPr>
+          <a:xfrm>
+            <a:off x="0" y="0"/>
+            <a:ext cx="12188952" cy="6858000"/>
+          </a:xfrm>
+          <a:prstGeom prst="rect">
+            <a:avLst/>
+          </a:prstGeom>
+          <a:ln>
+            <a:noFill/>
+          </a:ln>
+        </p:spPr>
+        <p:style>
+          <a:lnRef idx="2">
+            <a:schemeClr val="accent1">
+              <a:shade val="50000"/>
+            </a:schemeClr>
+          </a:lnRef>
+          <a:fillRef idx="1">
+            <a:schemeClr val="accent1"/>
+          </a:fillRef>
+          <a:effectRef idx="0">
+            <a:schemeClr val="accent1"/>
+          </a:effectRef>
+          <a:fontRef idx="minor">
+            <a:schemeClr val="lt1"/>
+          </a:fontRef>
+        </p:style>
+        <p:txBody>
+          <a:bodyPr rtlCol="0" anchor="ctr"/>
+          <a:lstStyle/>
+          <a:p>
+            <a:pPr algn="ctr"/>
+            <a:endParaRPr lang="en-US"/>
+          </a:p>
+        </p:txBody>
+      </p:sp>
       <p:sp>
         <p:nvSpPr>
           <p:cNvPr id="6" name="Titel 5">
@@ -25571,15 +26735,59 @@
             <p:ph type="title"/>
           </p:nvPr>
         </p:nvSpPr>
-        <p:spPr/>
+        <p:spPr>
+          <a:xfrm>
+            <a:off x="838200" y="451381"/>
+            <a:ext cx="10512552" cy="4066540"/>
+          </a:xfrm>
+        </p:spPr>
         <p:txBody>
-          <a:bodyPr/>
+          <a:bodyPr vert="horz" lIns="91440" tIns="45720" rIns="91440" bIns="45720" rtlCol="0" anchor="b">
+            <a:normAutofit/>
+          </a:bodyPr>
           <a:lstStyle/>
           <a:p>
             <a:r>
-              <a:rPr lang="de-AT" dirty="0"/>
-              <a:t>Grundwissen &amp; Theorie</a:t>
+              <a:rPr lang="en-US" sz="6600" kern="1200" dirty="0" err="1">
+                <a:solidFill>
+                  <a:schemeClr val="tx1"/>
+                </a:solidFill>
+                <a:latin typeface="+mj-lt"/>
+                <a:ea typeface="+mj-ea"/>
+                <a:cs typeface="+mj-cs"/>
+              </a:rPr>
+              <a:t>Grundwissen</a:t>
             </a:r>
+            <a:r>
+              <a:rPr lang="en-US" sz="6600" kern="1200" dirty="0">
+                <a:solidFill>
+                  <a:schemeClr val="tx1"/>
+                </a:solidFill>
+                <a:latin typeface="+mj-lt"/>
+                <a:ea typeface="+mj-ea"/>
+                <a:cs typeface="+mj-cs"/>
+              </a:rPr>
+              <a:t> &amp; </a:t>
+            </a:r>
+            <a:r>
+              <a:rPr lang="en-US" sz="6600" kern="1200" dirty="0" err="1">
+                <a:solidFill>
+                  <a:schemeClr val="tx1"/>
+                </a:solidFill>
+                <a:latin typeface="+mj-lt"/>
+                <a:ea typeface="+mj-ea"/>
+                <a:cs typeface="+mj-cs"/>
+              </a:rPr>
+              <a:t>Theorie</a:t>
+            </a:r>
+            <a:endParaRPr lang="en-US" sz="6600" kern="1200" dirty="0">
+              <a:solidFill>
+                <a:schemeClr val="tx1"/>
+              </a:solidFill>
+              <a:latin typeface="+mj-lt"/>
+              <a:ea typeface="+mj-ea"/>
+              <a:cs typeface="+mj-cs"/>
+            </a:endParaRPr>
           </a:p>
         </p:txBody>
       </p:sp>
@@ -25599,12 +26807,399 @@
             <p:ph type="body" idx="1"/>
           </p:nvPr>
         </p:nvSpPr>
-        <p:spPr/>
+        <p:spPr>
+          <a:xfrm>
+            <a:off x="838199" y="4983276"/>
+            <a:ext cx="10512552" cy="1126680"/>
+          </a:xfrm>
+        </p:spPr>
         <p:txBody>
-          <a:bodyPr/>
+          <a:bodyPr vert="horz" lIns="91440" tIns="45720" rIns="91440" bIns="45720" rtlCol="0">
+            <a:normAutofit/>
+          </a:bodyPr>
           <a:lstStyle/>
           <a:p>
-            <a:endParaRPr lang="de-AT"/>
+            <a:endParaRPr lang="en-US" sz="2400" kern="1200">
+              <a:solidFill>
+                <a:schemeClr val="tx1"/>
+              </a:solidFill>
+              <a:latin typeface="+mn-lt"/>
+              <a:ea typeface="+mn-ea"/>
+              <a:cs typeface="+mn-cs"/>
+            </a:endParaRPr>
+          </a:p>
+        </p:txBody>
+      </p:sp>
+      <p:sp>
+        <p:nvSpPr>
+          <p:cNvPr id="14" name="sketch line">
+            <a:extLst>
+              <a:ext uri="{FF2B5EF4-FFF2-40B4-BE49-F238E27FC236}">
+                <a16:creationId xmlns:a16="http://schemas.microsoft.com/office/drawing/2014/main" id="{DA542B6D-E775-4832-91DC-2D20F857813A}"/>
+              </a:ext>
+              <a:ext uri="{C183D7F6-B498-43B3-948B-1728B52AA6E4}">
+                <adec:decorative xmlns:adec="http://schemas.microsoft.com/office/drawing/2017/decorative" val="1"/>
+              </a:ext>
+            </a:extLst>
+          </p:cNvPr>
+          <p:cNvSpPr>
+            <a:spLocks noChangeAspect="1"/>
+          </p:cNvSpPr>
+          <p:nvPr>
+            <p:extLst>
+              <p:ext uri="{386F3935-93C4-4BCD-93E2-E3B085C9AB24}">
+                <p16:designElem xmlns:p16="http://schemas.microsoft.com/office/powerpoint/2015/main" val="1"/>
+              </p:ext>
+            </p:extLst>
+          </p:nvPr>
+        </p:nvSpPr>
+        <p:spPr>
+          <a:xfrm>
+            <a:off x="838200" y="4718595"/>
+            <a:ext cx="5410200" cy="18288"/>
+          </a:xfrm>
+          <a:custGeom>
+            <a:avLst/>
+            <a:gdLst>
+              <a:gd name="connsiteX0" fmla="*/ 0 w 5410200"/>
+              <a:gd name="connsiteY0" fmla="*/ 0 h 18288"/>
+              <a:gd name="connsiteX1" fmla="*/ 568071 w 5410200"/>
+              <a:gd name="connsiteY1" fmla="*/ 0 h 18288"/>
+              <a:gd name="connsiteX2" fmla="*/ 1298448 w 5410200"/>
+              <a:gd name="connsiteY2" fmla="*/ 0 h 18288"/>
+              <a:gd name="connsiteX3" fmla="*/ 1920621 w 5410200"/>
+              <a:gd name="connsiteY3" fmla="*/ 0 h 18288"/>
+              <a:gd name="connsiteX4" fmla="*/ 2488692 w 5410200"/>
+              <a:gd name="connsiteY4" fmla="*/ 0 h 18288"/>
+              <a:gd name="connsiteX5" fmla="*/ 3219069 w 5410200"/>
+              <a:gd name="connsiteY5" fmla="*/ 0 h 18288"/>
+              <a:gd name="connsiteX6" fmla="*/ 3895344 w 5410200"/>
+              <a:gd name="connsiteY6" fmla="*/ 0 h 18288"/>
+              <a:gd name="connsiteX7" fmla="*/ 4571619 w 5410200"/>
+              <a:gd name="connsiteY7" fmla="*/ 0 h 18288"/>
+              <a:gd name="connsiteX8" fmla="*/ 5410200 w 5410200"/>
+              <a:gd name="connsiteY8" fmla="*/ 0 h 18288"/>
+              <a:gd name="connsiteX9" fmla="*/ 5410200 w 5410200"/>
+              <a:gd name="connsiteY9" fmla="*/ 18288 h 18288"/>
+              <a:gd name="connsiteX10" fmla="*/ 4842129 w 5410200"/>
+              <a:gd name="connsiteY10" fmla="*/ 18288 h 18288"/>
+              <a:gd name="connsiteX11" fmla="*/ 4328160 w 5410200"/>
+              <a:gd name="connsiteY11" fmla="*/ 18288 h 18288"/>
+              <a:gd name="connsiteX12" fmla="*/ 3597783 w 5410200"/>
+              <a:gd name="connsiteY12" fmla="*/ 18288 h 18288"/>
+              <a:gd name="connsiteX13" fmla="*/ 3029712 w 5410200"/>
+              <a:gd name="connsiteY13" fmla="*/ 18288 h 18288"/>
+              <a:gd name="connsiteX14" fmla="*/ 2299335 w 5410200"/>
+              <a:gd name="connsiteY14" fmla="*/ 18288 h 18288"/>
+              <a:gd name="connsiteX15" fmla="*/ 1514856 w 5410200"/>
+              <a:gd name="connsiteY15" fmla="*/ 18288 h 18288"/>
+              <a:gd name="connsiteX16" fmla="*/ 892683 w 5410200"/>
+              <a:gd name="connsiteY16" fmla="*/ 18288 h 18288"/>
+              <a:gd name="connsiteX17" fmla="*/ 0 w 5410200"/>
+              <a:gd name="connsiteY17" fmla="*/ 18288 h 18288"/>
+              <a:gd name="connsiteX18" fmla="*/ 0 w 5410200"/>
+              <a:gd name="connsiteY18" fmla="*/ 0 h 18288"/>
+            </a:gdLst>
+            <a:ahLst/>
+            <a:cxnLst>
+              <a:cxn ang="0">
+                <a:pos x="connsiteX0" y="connsiteY0"/>
+              </a:cxn>
+              <a:cxn ang="0">
+                <a:pos x="connsiteX1" y="connsiteY1"/>
+              </a:cxn>
+              <a:cxn ang="0">
+                <a:pos x="connsiteX2" y="connsiteY2"/>
+              </a:cxn>
+              <a:cxn ang="0">
+                <a:pos x="connsiteX3" y="connsiteY3"/>
+              </a:cxn>
+              <a:cxn ang="0">
+                <a:pos x="connsiteX4" y="connsiteY4"/>
+              </a:cxn>
+              <a:cxn ang="0">
+                <a:pos x="connsiteX5" y="connsiteY5"/>
+              </a:cxn>
+              <a:cxn ang="0">
+                <a:pos x="connsiteX6" y="connsiteY6"/>
+              </a:cxn>
+              <a:cxn ang="0">
+                <a:pos x="connsiteX7" y="connsiteY7"/>
+              </a:cxn>
+              <a:cxn ang="0">
+                <a:pos x="connsiteX8" y="connsiteY8"/>
+              </a:cxn>
+              <a:cxn ang="0">
+                <a:pos x="connsiteX9" y="connsiteY9"/>
+              </a:cxn>
+              <a:cxn ang="0">
+                <a:pos x="connsiteX10" y="connsiteY10"/>
+              </a:cxn>
+              <a:cxn ang="0">
+                <a:pos x="connsiteX11" y="connsiteY11"/>
+              </a:cxn>
+              <a:cxn ang="0">
+                <a:pos x="connsiteX12" y="connsiteY12"/>
+              </a:cxn>
+              <a:cxn ang="0">
+                <a:pos x="connsiteX13" y="connsiteY13"/>
+              </a:cxn>
+              <a:cxn ang="0">
+                <a:pos x="connsiteX14" y="connsiteY14"/>
+              </a:cxn>
+              <a:cxn ang="0">
+                <a:pos x="connsiteX15" y="connsiteY15"/>
+              </a:cxn>
+              <a:cxn ang="0">
+                <a:pos x="connsiteX16" y="connsiteY16"/>
+              </a:cxn>
+              <a:cxn ang="0">
+                <a:pos x="connsiteX17" y="connsiteY17"/>
+              </a:cxn>
+              <a:cxn ang="0">
+                <a:pos x="connsiteX18" y="connsiteY18"/>
+              </a:cxn>
+            </a:cxnLst>
+            <a:rect l="l" t="t" r="r" b="b"/>
+            <a:pathLst>
+              <a:path w="5410200" h="18288" fill="none" extrusionOk="0">
+                <a:moveTo>
+                  <a:pt x="0" y="0"/>
+                </a:moveTo>
+                <a:cubicBezTo>
+                  <a:pt x="163050" y="-18707"/>
+                  <a:pt x="319321" y="-16364"/>
+                  <a:pt x="568071" y="0"/>
+                </a:cubicBezTo>
+                <a:cubicBezTo>
+                  <a:pt x="816821" y="16364"/>
+                  <a:pt x="1013224" y="-7268"/>
+                  <a:pt x="1298448" y="0"/>
+                </a:cubicBezTo>
+                <a:cubicBezTo>
+                  <a:pt x="1583672" y="7268"/>
+                  <a:pt x="1631711" y="-3367"/>
+                  <a:pt x="1920621" y="0"/>
+                </a:cubicBezTo>
+                <a:cubicBezTo>
+                  <a:pt x="2209531" y="3367"/>
+                  <a:pt x="2364420" y="-19184"/>
+                  <a:pt x="2488692" y="0"/>
+                </a:cubicBezTo>
+                <a:cubicBezTo>
+                  <a:pt x="2612964" y="19184"/>
+                  <a:pt x="3023298" y="-34627"/>
+                  <a:pt x="3219069" y="0"/>
+                </a:cubicBezTo>
+                <a:cubicBezTo>
+                  <a:pt x="3414840" y="34627"/>
+                  <a:pt x="3656810" y="24043"/>
+                  <a:pt x="3895344" y="0"/>
+                </a:cubicBezTo>
+                <a:cubicBezTo>
+                  <a:pt x="4133879" y="-24043"/>
+                  <a:pt x="4393984" y="-19577"/>
+                  <a:pt x="4571619" y="0"/>
+                </a:cubicBezTo>
+                <a:cubicBezTo>
+                  <a:pt x="4749255" y="19577"/>
+                  <a:pt x="5179928" y="-6281"/>
+                  <a:pt x="5410200" y="0"/>
+                </a:cubicBezTo>
+                <a:cubicBezTo>
+                  <a:pt x="5410730" y="6954"/>
+                  <a:pt x="5410934" y="12839"/>
+                  <a:pt x="5410200" y="18288"/>
+                </a:cubicBezTo>
+                <a:cubicBezTo>
+                  <a:pt x="5139060" y="6751"/>
+                  <a:pt x="5121593" y="31035"/>
+                  <a:pt x="4842129" y="18288"/>
+                </a:cubicBezTo>
+                <a:cubicBezTo>
+                  <a:pt x="4562665" y="5541"/>
+                  <a:pt x="4448273" y="9487"/>
+                  <a:pt x="4328160" y="18288"/>
+                </a:cubicBezTo>
+                <a:cubicBezTo>
+                  <a:pt x="4208047" y="27089"/>
+                  <a:pt x="3760936" y="22567"/>
+                  <a:pt x="3597783" y="18288"/>
+                </a:cubicBezTo>
+                <a:cubicBezTo>
+                  <a:pt x="3434630" y="14009"/>
+                  <a:pt x="3299718" y="33213"/>
+                  <a:pt x="3029712" y="18288"/>
+                </a:cubicBezTo>
+                <a:cubicBezTo>
+                  <a:pt x="2759706" y="3363"/>
+                  <a:pt x="2640159" y="27394"/>
+                  <a:pt x="2299335" y="18288"/>
+                </a:cubicBezTo>
+                <a:cubicBezTo>
+                  <a:pt x="1958511" y="9182"/>
+                  <a:pt x="1801186" y="28985"/>
+                  <a:pt x="1514856" y="18288"/>
+                </a:cubicBezTo>
+                <a:cubicBezTo>
+                  <a:pt x="1228526" y="7591"/>
+                  <a:pt x="1063509" y="-5305"/>
+                  <a:pt x="892683" y="18288"/>
+                </a:cubicBezTo>
+                <a:cubicBezTo>
+                  <a:pt x="721857" y="41881"/>
+                  <a:pt x="186945" y="-20897"/>
+                  <a:pt x="0" y="18288"/>
+                </a:cubicBezTo>
+                <a:cubicBezTo>
+                  <a:pt x="-570" y="9279"/>
+                  <a:pt x="132" y="5100"/>
+                  <a:pt x="0" y="0"/>
+                </a:cubicBezTo>
+                <a:close/>
+              </a:path>
+              <a:path w="5410200" h="18288" stroke="0" extrusionOk="0">
+                <a:moveTo>
+                  <a:pt x="0" y="0"/>
+                </a:moveTo>
+                <a:cubicBezTo>
+                  <a:pt x="285096" y="-4925"/>
+                  <a:pt x="376456" y="22268"/>
+                  <a:pt x="622173" y="0"/>
+                </a:cubicBezTo>
+                <a:cubicBezTo>
+                  <a:pt x="867890" y="-22268"/>
+                  <a:pt x="1031392" y="7228"/>
+                  <a:pt x="1136142" y="0"/>
+                </a:cubicBezTo>
+                <a:cubicBezTo>
+                  <a:pt x="1240892" y="-7228"/>
+                  <a:pt x="1561853" y="9877"/>
+                  <a:pt x="1920621" y="0"/>
+                </a:cubicBezTo>
+                <a:cubicBezTo>
+                  <a:pt x="2279389" y="-9877"/>
+                  <a:pt x="2367255" y="19546"/>
+                  <a:pt x="2542794" y="0"/>
+                </a:cubicBezTo>
+                <a:cubicBezTo>
+                  <a:pt x="2718333" y="-19546"/>
+                  <a:pt x="2866732" y="-22226"/>
+                  <a:pt x="3164967" y="0"/>
+                </a:cubicBezTo>
+                <a:cubicBezTo>
+                  <a:pt x="3463202" y="22226"/>
+                  <a:pt x="3568055" y="-2765"/>
+                  <a:pt x="3949446" y="0"/>
+                </a:cubicBezTo>
+                <a:cubicBezTo>
+                  <a:pt x="4330837" y="2765"/>
+                  <a:pt x="4287895" y="10557"/>
+                  <a:pt x="4517517" y="0"/>
+                </a:cubicBezTo>
+                <a:cubicBezTo>
+                  <a:pt x="4747139" y="-10557"/>
+                  <a:pt x="5149588" y="8716"/>
+                  <a:pt x="5410200" y="0"/>
+                </a:cubicBezTo>
+                <a:cubicBezTo>
+                  <a:pt x="5409517" y="5414"/>
+                  <a:pt x="5409480" y="12510"/>
+                  <a:pt x="5410200" y="18288"/>
+                </a:cubicBezTo>
+                <a:cubicBezTo>
+                  <a:pt x="5163327" y="41494"/>
+                  <a:pt x="5008749" y="10693"/>
+                  <a:pt x="4842129" y="18288"/>
+                </a:cubicBezTo>
+                <a:cubicBezTo>
+                  <a:pt x="4675509" y="25883"/>
+                  <a:pt x="4433401" y="-615"/>
+                  <a:pt x="4165854" y="18288"/>
+                </a:cubicBezTo>
+                <a:cubicBezTo>
+                  <a:pt x="3898308" y="37191"/>
+                  <a:pt x="3809032" y="-8710"/>
+                  <a:pt x="3543681" y="18288"/>
+                </a:cubicBezTo>
+                <a:cubicBezTo>
+                  <a:pt x="3278330" y="45286"/>
+                  <a:pt x="3073876" y="-15917"/>
+                  <a:pt x="2759202" y="18288"/>
+                </a:cubicBezTo>
+                <a:cubicBezTo>
+                  <a:pt x="2444528" y="52493"/>
+                  <a:pt x="2204144" y="3372"/>
+                  <a:pt x="1974723" y="18288"/>
+                </a:cubicBezTo>
+                <a:cubicBezTo>
+                  <a:pt x="1745302" y="33204"/>
+                  <a:pt x="1602335" y="31490"/>
+                  <a:pt x="1406652" y="18288"/>
+                </a:cubicBezTo>
+                <a:cubicBezTo>
+                  <a:pt x="1210969" y="5086"/>
+                  <a:pt x="923948" y="3161"/>
+                  <a:pt x="730377" y="18288"/>
+                </a:cubicBezTo>
+                <a:cubicBezTo>
+                  <a:pt x="536806" y="33415"/>
+                  <a:pt x="336496" y="-141"/>
+                  <a:pt x="0" y="18288"/>
+                </a:cubicBezTo>
+                <a:cubicBezTo>
+                  <a:pt x="-306" y="11061"/>
+                  <a:pt x="-655" y="7751"/>
+                  <a:pt x="0" y="0"/>
+                </a:cubicBezTo>
+                <a:close/>
+              </a:path>
+            </a:pathLst>
+          </a:custGeom>
+          <a:solidFill>
+            <a:srgbClr val="0F9ED5"/>
+          </a:solidFill>
+          <a:ln w="41275" cap="rnd">
+            <a:solidFill>
+              <a:srgbClr val="0F9ED5"/>
+            </a:solidFill>
+            <a:round/>
+            <a:extLst>
+              <a:ext uri="{C807C97D-BFC1-408E-A445-0C87EB9F89A2}">
+                <ask:lineSketchStyleProps xmlns:ask="http://schemas.microsoft.com/office/drawing/2018/sketchyshapes" sd="1219033472">
+                  <a:prstGeom prst="rect">
+                    <a:avLst/>
+                  </a:prstGeom>
+                  <ask:type>
+                    <ask:lineSketchFreehand/>
+                  </ask:type>
+                </ask:lineSketchStyleProps>
+              </a:ext>
+            </a:extLst>
+          </a:ln>
+        </p:spPr>
+        <p:style>
+          <a:lnRef idx="2">
+            <a:schemeClr val="accent1">
+              <a:shade val="50000"/>
+            </a:schemeClr>
+          </a:lnRef>
+          <a:fillRef idx="1">
+            <a:schemeClr val="accent1"/>
+          </a:fillRef>
+          <a:effectRef idx="0">
+            <a:schemeClr val="accent1"/>
+          </a:effectRef>
+          <a:fontRef idx="minor">
+            <a:schemeClr val="lt1"/>
+          </a:fontRef>
+        </p:style>
+        <p:txBody>
+          <a:bodyPr rtlCol="0" anchor="ctr"/>
+          <a:lstStyle/>
+          <a:p>
+            <a:pPr algn="ctr"/>
+            <a:endParaRPr lang="en-US"/>
           </a:p>
         </p:txBody>
       </p:sp>
@@ -25624,16 +27219,45 @@
             <p:ph type="dt" sz="half" idx="10"/>
           </p:nvPr>
         </p:nvSpPr>
-        <p:spPr/>
+        <p:spPr>
+          <a:xfrm>
+            <a:off x="838200" y="6356350"/>
+            <a:ext cx="2743200" cy="365125"/>
+          </a:xfrm>
+        </p:spPr>
         <p:txBody>
-          <a:bodyPr/>
+          <a:bodyPr vert="horz" lIns="91440" tIns="45720" rIns="91440" bIns="45720" rtlCol="0" anchor="ctr">
+            <a:normAutofit/>
+          </a:bodyPr>
           <a:lstStyle/>
           <a:p>
+            <a:pPr>
+              <a:spcAft>
+                <a:spcPts val="600"/>
+              </a:spcAft>
+            </a:pPr>
             <a:fld id="{684D5CCA-44DE-413B-B5C1-1D136BF17977}" type="datetime1">
-              <a:rPr lang="de-AT" smtClean="0"/>
-              <a:t>25.03.2025</a:t>
+              <a:rPr lang="en-US" smtClean="0">
+                <a:solidFill>
+                  <a:schemeClr val="tx1">
+                    <a:tint val="75000"/>
+                  </a:schemeClr>
+                </a:solidFill>
+              </a:rPr>
+              <a:pPr>
+                <a:spcAft>
+                  <a:spcPts val="600"/>
+                </a:spcAft>
+              </a:pPr>
+              <a:t>4/1/2025</a:t>
             </a:fld>
-            <a:endParaRPr lang="de-AT"/>
+            <a:endParaRPr lang="en-US">
+              <a:solidFill>
+                <a:schemeClr val="tx1">
+                  <a:tint val="75000"/>
+                </a:schemeClr>
+              </a:solidFill>
+            </a:endParaRPr>
           </a:p>
         </p:txBody>
       </p:sp>
@@ -25653,16 +27277,45 @@
             <p:ph type="sldNum" sz="quarter" idx="12"/>
           </p:nvPr>
         </p:nvSpPr>
-        <p:spPr/>
+        <p:spPr>
+          <a:xfrm>
+            <a:off x="8610600" y="6356350"/>
+            <a:ext cx="2743200" cy="365125"/>
+          </a:xfrm>
+        </p:spPr>
         <p:txBody>
-          <a:bodyPr/>
+          <a:bodyPr vert="horz" lIns="91440" tIns="45720" rIns="91440" bIns="45720" rtlCol="0" anchor="ctr">
+            <a:normAutofit/>
+          </a:bodyPr>
           <a:lstStyle/>
           <a:p>
+            <a:pPr>
+              <a:spcAft>
+                <a:spcPts val="600"/>
+              </a:spcAft>
+            </a:pPr>
             <a:fld id="{45EFCB84-3E55-4BB4-B142-FD608455239A}" type="slidenum">
-              <a:rPr lang="de-AT" smtClean="0"/>
+              <a:rPr lang="en-US" smtClean="0">
+                <a:solidFill>
+                  <a:schemeClr val="tx1">
+                    <a:tint val="75000"/>
+                  </a:schemeClr>
+                </a:solidFill>
+              </a:rPr>
+              <a:pPr>
+                <a:spcAft>
+                  <a:spcPts val="600"/>
+                </a:spcAft>
+              </a:pPr>
               <a:t>4</a:t>
             </a:fld>
-            <a:endParaRPr lang="de-AT"/>
+            <a:endParaRPr lang="en-US">
+              <a:solidFill>
+                <a:schemeClr val="tx1">
+                  <a:tint val="75000"/>
+                </a:schemeClr>
+              </a:solidFill>
+            </a:endParaRPr>
           </a:p>
         </p:txBody>
       </p:sp>
@@ -25792,7 +27445,7 @@
           <a:p>
             <a:fld id="{684D5CCA-44DE-413B-B5C1-1D136BF17977}" type="datetime1">
               <a:rPr lang="de-AT" smtClean="0"/>
-              <a:t>25.03.2025</a:t>
+              <a:t>01.04.2025</a:t>
             </a:fld>
             <a:endParaRPr lang="de-AT"/>
           </a:p>
@@ -26026,7 +27679,7 @@
           <a:p>
             <a:fld id="{684D5CCA-44DE-413B-B5C1-1D136BF17977}" type="datetime1">
               <a:rPr lang="de-AT" smtClean="0"/>
-              <a:t>25.03.2025</a:t>
+              <a:t>01.04.2025</a:t>
             </a:fld>
             <a:endParaRPr lang="de-AT"/>
           </a:p>
@@ -26144,13 +27797,13 @@
   <p:clrMapOvr>
     <a:masterClrMapping/>
   </p:clrMapOvr>
-  <mc:AlternateContent xmlns:mc="http://schemas.openxmlformats.org/markup-compatibility/2006">
-    <mc:Choice xmlns:p159="http://schemas.microsoft.com/office/powerpoint/2015/09/main" Requires="p159">
+  <mc:AlternateContent xmlns:mc="http://schemas.openxmlformats.org/markup-compatibility/2006" xmlns:p159="http://schemas.microsoft.com/office/powerpoint/2015/09/main">
+    <mc:Choice Requires="p159">
       <p:transition xmlns:p14="http://schemas.microsoft.com/office/powerpoint/2010/main" spd="slow" p14:dur="2000">
         <p159:morph option="byObject"/>
       </p:transition>
     </mc:Choice>
-    <mc:Fallback>
+    <mc:Fallback xmlns="">
       <p:transition spd="slow">
         <p:fade/>
       </p:transition>
@@ -26269,7 +27922,7 @@
           <a:p>
             <a:fld id="{684D5CCA-44DE-413B-B5C1-1D136BF17977}" type="datetime1">
               <a:rPr lang="de-AT" smtClean="0"/>
-              <a:t>25.03.2025</a:t>
+              <a:t>01.04.2025</a:t>
             </a:fld>
             <a:endParaRPr lang="de-AT"/>
           </a:p>
@@ -26387,13 +28040,13 @@
   <p:clrMapOvr>
     <a:masterClrMapping/>
   </p:clrMapOvr>
-  <mc:AlternateContent xmlns:mc="http://schemas.openxmlformats.org/markup-compatibility/2006">
-    <mc:Choice xmlns:p159="http://schemas.microsoft.com/office/powerpoint/2015/09/main" Requires="p159">
+  <mc:AlternateContent xmlns:mc="http://schemas.openxmlformats.org/markup-compatibility/2006" xmlns:p159="http://schemas.microsoft.com/office/powerpoint/2015/09/main">
+    <mc:Choice Requires="p159">
       <p:transition xmlns:p14="http://schemas.microsoft.com/office/powerpoint/2010/main" spd="slow" p14:dur="2000">
         <p159:morph option="byObject"/>
       </p:transition>
     </mc:Choice>
-    <mc:Fallback>
+    <mc:Fallback xmlns="">
       <p:transition spd="slow">
         <p:fade/>
       </p:transition>
@@ -26512,7 +28165,7 @@
           <a:p>
             <a:fld id="{684D5CCA-44DE-413B-B5C1-1D136BF17977}" type="datetime1">
               <a:rPr lang="de-AT" smtClean="0"/>
-              <a:t>25.03.2025</a:t>
+              <a:t>01.04.2025</a:t>
             </a:fld>
             <a:endParaRPr lang="de-AT"/>
           </a:p>
@@ -26630,13 +28283,13 @@
   <p:clrMapOvr>
     <a:masterClrMapping/>
   </p:clrMapOvr>
-  <mc:AlternateContent xmlns:mc="http://schemas.openxmlformats.org/markup-compatibility/2006">
-    <mc:Choice xmlns:p159="http://schemas.microsoft.com/office/powerpoint/2015/09/main" Requires="p159">
+  <mc:AlternateContent xmlns:mc="http://schemas.openxmlformats.org/markup-compatibility/2006" xmlns:p159="http://schemas.microsoft.com/office/powerpoint/2015/09/main">
+    <mc:Choice Requires="p159">
       <p:transition xmlns:p14="http://schemas.microsoft.com/office/powerpoint/2010/main" spd="slow" p14:dur="2000">
         <p159:morph option="byObject"/>
       </p:transition>
     </mc:Choice>
-    <mc:Fallback>
+    <mc:Fallback xmlns="">
       <p:transition spd="slow">
         <p:fade/>
       </p:transition>
@@ -26755,7 +28408,7 @@
           <a:p>
             <a:fld id="{684D5CCA-44DE-413B-B5C1-1D136BF17977}" type="datetime1">
               <a:rPr lang="de-AT" smtClean="0"/>
-              <a:t>25.03.2025</a:t>
+              <a:t>01.04.2025</a:t>
             </a:fld>
             <a:endParaRPr lang="de-AT"/>
           </a:p>
@@ -26873,13 +28526,13 @@
   <p:clrMapOvr>
     <a:masterClrMapping/>
   </p:clrMapOvr>
-  <mc:AlternateContent xmlns:mc="http://schemas.openxmlformats.org/markup-compatibility/2006">
-    <mc:Choice xmlns:p159="http://schemas.microsoft.com/office/powerpoint/2015/09/main" Requires="p159">
+  <mc:AlternateContent xmlns:mc="http://schemas.openxmlformats.org/markup-compatibility/2006" xmlns:p159="http://schemas.microsoft.com/office/powerpoint/2015/09/main">
+    <mc:Choice Requires="p159">
       <p:transition xmlns:p14="http://schemas.microsoft.com/office/powerpoint/2010/main" spd="slow" p14:dur="2000">
         <p159:morph option="byObject"/>
       </p:transition>
     </mc:Choice>
-    <mc:Fallback>
+    <mc:Fallback xmlns="">
       <p:transition spd="slow">
         <p:fade/>
       </p:transition>
